--- a/i/Modelos.pptx
+++ b/i/Modelos.pptx
@@ -7,7 +7,8 @@
   <p:sldIdLst>
     <p:sldId id="259" r:id="rId2"/>
     <p:sldId id="261" r:id="rId3"/>
-    <p:sldId id="260" r:id="rId4"/>
+    <p:sldId id="262" r:id="rId4"/>
+    <p:sldId id="260" r:id="rId5"/>
   </p:sldIdLst>
   <p:sldSz cx="12192000" cy="6858000"/>
   <p:notesSz cx="6858000" cy="9144000"/>
@@ -261,7 +262,7 @@
           <a:p>
             <a:fld id="{BD21E0E1-A2C5-48C6-9105-6CF53D1FF6D2}" type="datetimeFigureOut">
               <a:rPr lang="pt-BR" smtClean="0"/>
-              <a:t>22/06/2019</a:t>
+              <a:t>02/11/2019</a:t>
             </a:fld>
             <a:endParaRPr lang="pt-BR"/>
           </a:p>
@@ -459,7 +460,7 @@
           <a:p>
             <a:fld id="{BD21E0E1-A2C5-48C6-9105-6CF53D1FF6D2}" type="datetimeFigureOut">
               <a:rPr lang="pt-BR" smtClean="0"/>
-              <a:t>22/06/2019</a:t>
+              <a:t>02/11/2019</a:t>
             </a:fld>
             <a:endParaRPr lang="pt-BR"/>
           </a:p>
@@ -667,7 +668,7 @@
           <a:p>
             <a:fld id="{BD21E0E1-A2C5-48C6-9105-6CF53D1FF6D2}" type="datetimeFigureOut">
               <a:rPr lang="pt-BR" smtClean="0"/>
-              <a:t>22/06/2019</a:t>
+              <a:t>02/11/2019</a:t>
             </a:fld>
             <a:endParaRPr lang="pt-BR"/>
           </a:p>
@@ -865,7 +866,7 @@
           <a:p>
             <a:fld id="{BD21E0E1-A2C5-48C6-9105-6CF53D1FF6D2}" type="datetimeFigureOut">
               <a:rPr lang="pt-BR" smtClean="0"/>
-              <a:t>22/06/2019</a:t>
+              <a:t>02/11/2019</a:t>
             </a:fld>
             <a:endParaRPr lang="pt-BR"/>
           </a:p>
@@ -1140,7 +1141,7 @@
           <a:p>
             <a:fld id="{BD21E0E1-A2C5-48C6-9105-6CF53D1FF6D2}" type="datetimeFigureOut">
               <a:rPr lang="pt-BR" smtClean="0"/>
-              <a:t>22/06/2019</a:t>
+              <a:t>02/11/2019</a:t>
             </a:fld>
             <a:endParaRPr lang="pt-BR"/>
           </a:p>
@@ -1405,7 +1406,7 @@
           <a:p>
             <a:fld id="{BD21E0E1-A2C5-48C6-9105-6CF53D1FF6D2}" type="datetimeFigureOut">
               <a:rPr lang="pt-BR" smtClean="0"/>
-              <a:t>22/06/2019</a:t>
+              <a:t>02/11/2019</a:t>
             </a:fld>
             <a:endParaRPr lang="pt-BR"/>
           </a:p>
@@ -1817,7 +1818,7 @@
           <a:p>
             <a:fld id="{BD21E0E1-A2C5-48C6-9105-6CF53D1FF6D2}" type="datetimeFigureOut">
               <a:rPr lang="pt-BR" smtClean="0"/>
-              <a:t>22/06/2019</a:t>
+              <a:t>02/11/2019</a:t>
             </a:fld>
             <a:endParaRPr lang="pt-BR"/>
           </a:p>
@@ -1958,7 +1959,7 @@
           <a:p>
             <a:fld id="{BD21E0E1-A2C5-48C6-9105-6CF53D1FF6D2}" type="datetimeFigureOut">
               <a:rPr lang="pt-BR" smtClean="0"/>
-              <a:t>22/06/2019</a:t>
+              <a:t>02/11/2019</a:t>
             </a:fld>
             <a:endParaRPr lang="pt-BR"/>
           </a:p>
@@ -2071,7 +2072,7 @@
           <a:p>
             <a:fld id="{BD21E0E1-A2C5-48C6-9105-6CF53D1FF6D2}" type="datetimeFigureOut">
               <a:rPr lang="pt-BR" smtClean="0"/>
-              <a:t>22/06/2019</a:t>
+              <a:t>02/11/2019</a:t>
             </a:fld>
             <a:endParaRPr lang="pt-BR"/>
           </a:p>
@@ -2382,7 +2383,7 @@
           <a:p>
             <a:fld id="{BD21E0E1-A2C5-48C6-9105-6CF53D1FF6D2}" type="datetimeFigureOut">
               <a:rPr lang="pt-BR" smtClean="0"/>
-              <a:t>22/06/2019</a:t>
+              <a:t>02/11/2019</a:t>
             </a:fld>
             <a:endParaRPr lang="pt-BR"/>
           </a:p>
@@ -2670,7 +2671,7 @@
           <a:p>
             <a:fld id="{BD21E0E1-A2C5-48C6-9105-6CF53D1FF6D2}" type="datetimeFigureOut">
               <a:rPr lang="pt-BR" smtClean="0"/>
-              <a:t>22/06/2019</a:t>
+              <a:t>02/11/2019</a:t>
             </a:fld>
             <a:endParaRPr lang="pt-BR"/>
           </a:p>
@@ -2911,7 +2912,7 @@
           <a:p>
             <a:fld id="{BD21E0E1-A2C5-48C6-9105-6CF53D1FF6D2}" type="datetimeFigureOut">
               <a:rPr lang="pt-BR" smtClean="0"/>
-              <a:t>22/06/2019</a:t>
+              <a:t>02/11/2019</a:t>
             </a:fld>
             <a:endParaRPr lang="pt-BR"/>
           </a:p>
@@ -9456,6 +9457,1532 @@
       </p:grpSpPr>
       <p:sp>
         <p:nvSpPr>
+          <p:cNvPr id="18" name="Elipse 17">
+            <a:extLst>
+              <a:ext uri="{FF2B5EF4-FFF2-40B4-BE49-F238E27FC236}">
+                <a16:creationId xmlns:a16="http://schemas.microsoft.com/office/drawing/2014/main" id="{3930E931-F8FF-4FB5-BB2D-A3F6127BBDD0}"/>
+              </a:ext>
+            </a:extLst>
+          </p:cNvPr>
+          <p:cNvSpPr/>
+          <p:nvPr/>
+        </p:nvSpPr>
+        <p:spPr>
+          <a:xfrm>
+            <a:off x="2035834" y="3759679"/>
+            <a:ext cx="586596" cy="586596"/>
+          </a:xfrm>
+          <a:prstGeom prst="ellipse">
+            <a:avLst/>
+          </a:prstGeom>
+        </p:spPr>
+        <p:style>
+          <a:lnRef idx="2">
+            <a:schemeClr val="dk1"/>
+          </a:lnRef>
+          <a:fillRef idx="1">
+            <a:schemeClr val="lt1"/>
+          </a:fillRef>
+          <a:effectRef idx="0">
+            <a:schemeClr val="dk1"/>
+          </a:effectRef>
+          <a:fontRef idx="minor">
+            <a:schemeClr val="dk1"/>
+          </a:fontRef>
+        </p:style>
+        <p:txBody>
+          <a:bodyPr rtlCol="0" anchor="ctr"/>
+          <a:lstStyle/>
+          <a:p>
+            <a:pPr algn="ctr"/>
+            <a:endParaRPr lang="pt-BR"/>
+          </a:p>
+        </p:txBody>
+      </p:sp>
+      <p:sp>
+        <p:nvSpPr>
+          <p:cNvPr id="19" name="Elipse 18">
+            <a:extLst>
+              <a:ext uri="{FF2B5EF4-FFF2-40B4-BE49-F238E27FC236}">
+                <a16:creationId xmlns:a16="http://schemas.microsoft.com/office/drawing/2014/main" id="{EC3F9F27-B1A0-4B0D-8BA0-527CF054F85B}"/>
+              </a:ext>
+            </a:extLst>
+          </p:cNvPr>
+          <p:cNvSpPr/>
+          <p:nvPr/>
+        </p:nvSpPr>
+        <p:spPr>
+          <a:xfrm>
+            <a:off x="3209025" y="3759679"/>
+            <a:ext cx="586596" cy="586596"/>
+          </a:xfrm>
+          <a:prstGeom prst="ellipse">
+            <a:avLst/>
+          </a:prstGeom>
+        </p:spPr>
+        <p:style>
+          <a:lnRef idx="1">
+            <a:schemeClr val="dk1"/>
+          </a:lnRef>
+          <a:fillRef idx="2">
+            <a:schemeClr val="dk1"/>
+          </a:fillRef>
+          <a:effectRef idx="1">
+            <a:schemeClr val="dk1"/>
+          </a:effectRef>
+          <a:fontRef idx="minor">
+            <a:schemeClr val="dk1"/>
+          </a:fontRef>
+        </p:style>
+        <p:txBody>
+          <a:bodyPr rtlCol="0" anchor="ctr"/>
+          <a:lstStyle/>
+          <a:p>
+            <a:pPr algn="ctr"/>
+            <a:endParaRPr lang="pt-BR"/>
+          </a:p>
+        </p:txBody>
+      </p:sp>
+      <p:sp>
+        <p:nvSpPr>
+          <p:cNvPr id="22" name="Elipse 21">
+            <a:extLst>
+              <a:ext uri="{FF2B5EF4-FFF2-40B4-BE49-F238E27FC236}">
+                <a16:creationId xmlns:a16="http://schemas.microsoft.com/office/drawing/2014/main" id="{2E26E1BB-B5AD-45B2-B01D-4E59035F8441}"/>
+              </a:ext>
+            </a:extLst>
+          </p:cNvPr>
+          <p:cNvSpPr/>
+          <p:nvPr/>
+        </p:nvSpPr>
+        <p:spPr>
+          <a:xfrm>
+            <a:off x="4382218" y="3759679"/>
+            <a:ext cx="586596" cy="586596"/>
+          </a:xfrm>
+          <a:prstGeom prst="ellipse">
+            <a:avLst/>
+          </a:prstGeom>
+        </p:spPr>
+        <p:style>
+          <a:lnRef idx="2">
+            <a:schemeClr val="dk1"/>
+          </a:lnRef>
+          <a:fillRef idx="1">
+            <a:schemeClr val="lt1"/>
+          </a:fillRef>
+          <a:effectRef idx="0">
+            <a:schemeClr val="dk1"/>
+          </a:effectRef>
+          <a:fontRef idx="minor">
+            <a:schemeClr val="dk1"/>
+          </a:fontRef>
+        </p:style>
+        <p:txBody>
+          <a:bodyPr rtlCol="0" anchor="ctr"/>
+          <a:lstStyle/>
+          <a:p>
+            <a:pPr algn="ctr"/>
+            <a:endParaRPr lang="pt-BR"/>
+          </a:p>
+        </p:txBody>
+      </p:sp>
+      <p:cxnSp>
+        <p:nvCxnSpPr>
+          <p:cNvPr id="28" name="Conector reto 27">
+            <a:extLst>
+              <a:ext uri="{FF2B5EF4-FFF2-40B4-BE49-F238E27FC236}">
+                <a16:creationId xmlns:a16="http://schemas.microsoft.com/office/drawing/2014/main" id="{FF0B5FC9-F94C-46B7-A436-B55A397C5335}"/>
+              </a:ext>
+            </a:extLst>
+          </p:cNvPr>
+          <p:cNvCxnSpPr>
+            <a:cxnSpLocks/>
+          </p:cNvCxnSpPr>
+          <p:nvPr/>
+        </p:nvCxnSpPr>
+        <p:spPr>
+          <a:xfrm>
+            <a:off x="2622430" y="1690777"/>
+            <a:ext cx="0" cy="2362200"/>
+          </a:xfrm>
+          <a:prstGeom prst="line">
+            <a:avLst/>
+          </a:prstGeom>
+          <a:ln>
+            <a:headEnd type="none"/>
+          </a:ln>
+        </p:spPr>
+        <p:style>
+          <a:lnRef idx="3">
+            <a:schemeClr val="dk1"/>
+          </a:lnRef>
+          <a:fillRef idx="0">
+            <a:schemeClr val="dk1"/>
+          </a:fillRef>
+          <a:effectRef idx="2">
+            <a:schemeClr val="dk1"/>
+          </a:effectRef>
+          <a:fontRef idx="minor">
+            <a:schemeClr val="tx1"/>
+          </a:fontRef>
+        </p:style>
+      </p:cxnSp>
+      <p:cxnSp>
+        <p:nvCxnSpPr>
+          <p:cNvPr id="32" name="Conector reto 31">
+            <a:extLst>
+              <a:ext uri="{FF2B5EF4-FFF2-40B4-BE49-F238E27FC236}">
+                <a16:creationId xmlns:a16="http://schemas.microsoft.com/office/drawing/2014/main" id="{9EBCC2EA-1D45-47DB-877A-E05F91AED2E2}"/>
+              </a:ext>
+            </a:extLst>
+          </p:cNvPr>
+          <p:cNvCxnSpPr>
+            <a:cxnSpLocks/>
+          </p:cNvCxnSpPr>
+          <p:nvPr/>
+        </p:nvCxnSpPr>
+        <p:spPr>
+          <a:xfrm>
+            <a:off x="3209026" y="1690777"/>
+            <a:ext cx="0" cy="2362200"/>
+          </a:xfrm>
+          <a:prstGeom prst="line">
+            <a:avLst/>
+          </a:prstGeom>
+        </p:spPr>
+        <p:style>
+          <a:lnRef idx="3">
+            <a:schemeClr val="dk1"/>
+          </a:lnRef>
+          <a:fillRef idx="0">
+            <a:schemeClr val="dk1"/>
+          </a:fillRef>
+          <a:effectRef idx="2">
+            <a:schemeClr val="dk1"/>
+          </a:effectRef>
+          <a:fontRef idx="minor">
+            <a:schemeClr val="tx1"/>
+          </a:fontRef>
+        </p:style>
+      </p:cxnSp>
+      <p:cxnSp>
+        <p:nvCxnSpPr>
+          <p:cNvPr id="37" name="Conector reto 36">
+            <a:extLst>
+              <a:ext uri="{FF2B5EF4-FFF2-40B4-BE49-F238E27FC236}">
+                <a16:creationId xmlns:a16="http://schemas.microsoft.com/office/drawing/2014/main" id="{23750380-3435-4D73-BB2E-9D16BB6D096D}"/>
+              </a:ext>
+            </a:extLst>
+          </p:cNvPr>
+          <p:cNvCxnSpPr>
+            <a:cxnSpLocks/>
+          </p:cNvCxnSpPr>
+          <p:nvPr/>
+        </p:nvCxnSpPr>
+        <p:spPr>
+          <a:xfrm>
+            <a:off x="3795622" y="1690777"/>
+            <a:ext cx="0" cy="2362200"/>
+          </a:xfrm>
+          <a:prstGeom prst="line">
+            <a:avLst/>
+          </a:prstGeom>
+        </p:spPr>
+        <p:style>
+          <a:lnRef idx="3">
+            <a:schemeClr val="dk1"/>
+          </a:lnRef>
+          <a:fillRef idx="0">
+            <a:schemeClr val="dk1"/>
+          </a:fillRef>
+          <a:effectRef idx="2">
+            <a:schemeClr val="dk1"/>
+          </a:effectRef>
+          <a:fontRef idx="minor">
+            <a:schemeClr val="tx1"/>
+          </a:fontRef>
+        </p:style>
+      </p:cxnSp>
+      <p:cxnSp>
+        <p:nvCxnSpPr>
+          <p:cNvPr id="39" name="Conector reto 38">
+            <a:extLst>
+              <a:ext uri="{FF2B5EF4-FFF2-40B4-BE49-F238E27FC236}">
+                <a16:creationId xmlns:a16="http://schemas.microsoft.com/office/drawing/2014/main" id="{165D9810-C214-427F-BE44-8F01378E9938}"/>
+              </a:ext>
+            </a:extLst>
+          </p:cNvPr>
+          <p:cNvCxnSpPr>
+            <a:cxnSpLocks/>
+          </p:cNvCxnSpPr>
+          <p:nvPr/>
+        </p:nvCxnSpPr>
+        <p:spPr>
+          <a:xfrm>
+            <a:off x="4382218" y="1690777"/>
+            <a:ext cx="0" cy="2362200"/>
+          </a:xfrm>
+          <a:prstGeom prst="line">
+            <a:avLst/>
+          </a:prstGeom>
+        </p:spPr>
+        <p:style>
+          <a:lnRef idx="3">
+            <a:schemeClr val="dk1"/>
+          </a:lnRef>
+          <a:fillRef idx="0">
+            <a:schemeClr val="dk1"/>
+          </a:fillRef>
+          <a:effectRef idx="2">
+            <a:schemeClr val="dk1"/>
+          </a:effectRef>
+          <a:fontRef idx="minor">
+            <a:schemeClr val="tx1"/>
+          </a:fontRef>
+        </p:style>
+      </p:cxnSp>
+      <p:cxnSp>
+        <p:nvCxnSpPr>
+          <p:cNvPr id="41" name="Conector reto 40">
+            <a:extLst>
+              <a:ext uri="{FF2B5EF4-FFF2-40B4-BE49-F238E27FC236}">
+                <a16:creationId xmlns:a16="http://schemas.microsoft.com/office/drawing/2014/main" id="{897020E8-94B4-431E-A589-28FA461CD1C8}"/>
+              </a:ext>
+            </a:extLst>
+          </p:cNvPr>
+          <p:cNvCxnSpPr>
+            <a:cxnSpLocks/>
+            <a:endCxn id="22" idx="4"/>
+          </p:cNvCxnSpPr>
+          <p:nvPr/>
+        </p:nvCxnSpPr>
+        <p:spPr>
+          <a:xfrm flipH="1">
+            <a:off x="4675516" y="4346275"/>
+            <a:ext cx="861684" cy="0"/>
+          </a:xfrm>
+          <a:prstGeom prst="line">
+            <a:avLst/>
+          </a:prstGeom>
+          <a:ln>
+            <a:headEnd type="triangle"/>
+          </a:ln>
+        </p:spPr>
+        <p:style>
+          <a:lnRef idx="3">
+            <a:schemeClr val="dk1"/>
+          </a:lnRef>
+          <a:fillRef idx="0">
+            <a:schemeClr val="dk1"/>
+          </a:fillRef>
+          <a:effectRef idx="2">
+            <a:schemeClr val="dk1"/>
+          </a:effectRef>
+          <a:fontRef idx="minor">
+            <a:schemeClr val="tx1"/>
+          </a:fontRef>
+        </p:style>
+      </p:cxnSp>
+      <p:cxnSp>
+        <p:nvCxnSpPr>
+          <p:cNvPr id="91" name="Conector de Seta Reta 90">
+            <a:extLst>
+              <a:ext uri="{FF2B5EF4-FFF2-40B4-BE49-F238E27FC236}">
+                <a16:creationId xmlns:a16="http://schemas.microsoft.com/office/drawing/2014/main" id="{238DC009-804B-4DB7-ADEA-ACDFB3D9AE7E}"/>
+              </a:ext>
+            </a:extLst>
+          </p:cNvPr>
+          <p:cNvCxnSpPr/>
+          <p:nvPr/>
+        </p:nvCxnSpPr>
+        <p:spPr>
+          <a:xfrm>
+            <a:off x="3209138" y="2748052"/>
+            <a:ext cx="0" cy="247650"/>
+          </a:xfrm>
+          <a:prstGeom prst="straightConnector1">
+            <a:avLst/>
+          </a:prstGeom>
+          <a:ln w="19050">
+            <a:headEnd type="triangle" w="med" len="med"/>
+            <a:tailEnd type="none" w="med" len="med"/>
+          </a:ln>
+        </p:spPr>
+        <p:style>
+          <a:lnRef idx="3">
+            <a:schemeClr val="dk1"/>
+          </a:lnRef>
+          <a:fillRef idx="0">
+            <a:schemeClr val="dk1"/>
+          </a:fillRef>
+          <a:effectRef idx="2">
+            <a:schemeClr val="dk1"/>
+          </a:effectRef>
+          <a:fontRef idx="minor">
+            <a:schemeClr val="tx1"/>
+          </a:fontRef>
+        </p:style>
+      </p:cxnSp>
+      <p:cxnSp>
+        <p:nvCxnSpPr>
+          <p:cNvPr id="92" name="Conector de Seta Reta 91">
+            <a:extLst>
+              <a:ext uri="{FF2B5EF4-FFF2-40B4-BE49-F238E27FC236}">
+                <a16:creationId xmlns:a16="http://schemas.microsoft.com/office/drawing/2014/main" id="{DF84A0FA-CA4A-4F29-B115-6787740C6777}"/>
+              </a:ext>
+            </a:extLst>
+          </p:cNvPr>
+          <p:cNvCxnSpPr>
+            <a:cxnSpLocks/>
+          </p:cNvCxnSpPr>
+          <p:nvPr/>
+        </p:nvCxnSpPr>
+        <p:spPr>
+          <a:xfrm>
+            <a:off x="3794381" y="2748052"/>
+            <a:ext cx="0" cy="247650"/>
+          </a:xfrm>
+          <a:prstGeom prst="straightConnector1">
+            <a:avLst/>
+          </a:prstGeom>
+          <a:ln w="19050">
+            <a:headEnd type="triangle" w="med" len="med"/>
+            <a:tailEnd type="none" w="med" len="med"/>
+          </a:ln>
+        </p:spPr>
+        <p:style>
+          <a:lnRef idx="3">
+            <a:schemeClr val="dk1"/>
+          </a:lnRef>
+          <a:fillRef idx="0">
+            <a:schemeClr val="dk1"/>
+          </a:fillRef>
+          <a:effectRef idx="2">
+            <a:schemeClr val="dk1"/>
+          </a:effectRef>
+          <a:fontRef idx="minor">
+            <a:schemeClr val="tx1"/>
+          </a:fontRef>
+        </p:style>
+      </p:cxnSp>
+      <mc:AlternateContent xmlns:mc="http://schemas.openxmlformats.org/markup-compatibility/2006">
+        <mc:Choice xmlns:a14="http://schemas.microsoft.com/office/drawing/2010/main" Requires="a14">
+          <p:sp>
+            <p:nvSpPr>
+              <p:cNvPr id="95" name="CaixaDeTexto 94">
+                <a:extLst>
+                  <a:ext uri="{FF2B5EF4-FFF2-40B4-BE49-F238E27FC236}">
+                    <a16:creationId xmlns:a16="http://schemas.microsoft.com/office/drawing/2014/main" id="{BB36D46C-D091-45F5-9681-EA6FC7D18FAA}"/>
+                  </a:ext>
+                </a:extLst>
+              </p:cNvPr>
+              <p:cNvSpPr txBox="1"/>
+              <p:nvPr/>
+            </p:nvSpPr>
+            <p:spPr>
+              <a:xfrm>
+                <a:off x="3644276" y="2798122"/>
+                <a:ext cx="577419" cy="264881"/>
+              </a:xfrm>
+              <a:prstGeom prst="rect">
+                <a:avLst/>
+              </a:prstGeom>
+              <a:noFill/>
+            </p:spPr>
+            <p:txBody>
+              <a:bodyPr wrap="square" rtlCol="0">
+                <a:spAutoFit/>
+              </a:bodyPr>
+              <a:lstStyle/>
+              <a:p>
+                <a:pPr algn="ctr"/>
+                <a14:m>
+                  <m:oMathPara xmlns:m="http://schemas.openxmlformats.org/officeDocument/2006/math">
+                    <m:oMathParaPr>
+                      <m:jc m:val="centerGroup"/>
+                    </m:oMathParaPr>
+                    <m:oMath xmlns:m="http://schemas.openxmlformats.org/officeDocument/2006/math">
+                      <m:sSub>
+                        <m:sSubPr>
+                          <m:ctrlPr>
+                            <a:rPr lang="pt-BR" sz="1000" i="1" smtClean="0">
+                              <a:latin typeface="Cambria Math" panose="02040503050406030204" pitchFamily="18" charset="0"/>
+                              <a:ea typeface="Cambria Math" panose="02040503050406030204" pitchFamily="18" charset="0"/>
+                            </a:rPr>
+                          </m:ctrlPr>
+                        </m:sSubPr>
+                        <m:e>
+                          <m:acc>
+                            <m:accPr>
+                              <m:chr m:val="⃗"/>
+                              <m:ctrlPr>
+                                <a:rPr lang="pt-BR" sz="1000" i="1" smtClean="0">
+                                  <a:latin typeface="Cambria Math" panose="02040503050406030204" pitchFamily="18" charset="0"/>
+                                  <a:ea typeface="Cambria Math" panose="02040503050406030204" pitchFamily="18" charset="0"/>
+                                </a:rPr>
+                              </m:ctrlPr>
+                            </m:accPr>
+                            <m:e>
+                              <m:r>
+                                <a:rPr lang="pt-BR" sz="1000" b="0" i="1" smtClean="0">
+                                  <a:latin typeface="Cambria Math" panose="02040503050406030204" pitchFamily="18" charset="0"/>
+                                  <a:ea typeface="Cambria Math" panose="02040503050406030204" pitchFamily="18" charset="0"/>
+                                </a:rPr>
+                                <m:t>𝑇</m:t>
+                              </m:r>
+                            </m:e>
+                          </m:acc>
+                        </m:e>
+                        <m:sub>
+                          <m:r>
+                            <a:rPr lang="pt-BR" sz="1000" b="0" i="1" smtClean="0">
+                              <a:latin typeface="Cambria Math" panose="02040503050406030204" pitchFamily="18" charset="0"/>
+                              <a:ea typeface="Cambria Math" panose="02040503050406030204" pitchFamily="18" charset="0"/>
+                            </a:rPr>
+                            <m:t>𝑘</m:t>
+                          </m:r>
+                        </m:sub>
+                      </m:sSub>
+                    </m:oMath>
+                  </m:oMathPara>
+                </a14:m>
+                <a:endParaRPr lang="pt-BR" sz="1000" i="1" dirty="0">
+                  <a:latin typeface="Cambria Math" panose="02040503050406030204" pitchFamily="18" charset="0"/>
+                  <a:ea typeface="Cambria Math" panose="02040503050406030204" pitchFamily="18" charset="0"/>
+                </a:endParaRPr>
+              </a:p>
+            </p:txBody>
+          </p:sp>
+        </mc:Choice>
+        <mc:Fallback>
+          <p:sp>
+            <p:nvSpPr>
+              <p:cNvPr id="95" name="CaixaDeTexto 94">
+                <a:extLst>
+                  <a:ext uri="{FF2B5EF4-FFF2-40B4-BE49-F238E27FC236}">
+                    <a16:creationId xmlns:a16="http://schemas.microsoft.com/office/drawing/2014/main" id="{BB36D46C-D091-45F5-9681-EA6FC7D18FAA}"/>
+                  </a:ext>
+                </a:extLst>
+              </p:cNvPr>
+              <p:cNvSpPr txBox="1">
+                <a:spLocks noRot="1" noChangeAspect="1" noMove="1" noResize="1" noEditPoints="1" noAdjustHandles="1" noChangeArrowheads="1" noChangeShapeType="1" noTextEdit="1"/>
+              </p:cNvSpPr>
+              <p:nvPr/>
+            </p:nvSpPr>
+            <p:spPr>
+              <a:xfrm>
+                <a:off x="3644276" y="2798122"/>
+                <a:ext cx="577419" cy="264881"/>
+              </a:xfrm>
+              <a:prstGeom prst="rect">
+                <a:avLst/>
+              </a:prstGeom>
+              <a:blipFill>
+                <a:blip r:embed="rId2"/>
+                <a:stretch>
+                  <a:fillRect/>
+                </a:stretch>
+              </a:blipFill>
+            </p:spPr>
+            <p:txBody>
+              <a:bodyPr/>
+              <a:lstStyle/>
+              <a:p>
+                <a:r>
+                  <a:rPr lang="pt-BR">
+                    <a:noFill/>
+                  </a:rPr>
+                  <a:t> </a:t>
+                </a:r>
+              </a:p>
+            </p:txBody>
+          </p:sp>
+        </mc:Fallback>
+      </mc:AlternateContent>
+      <mc:AlternateContent xmlns:mc="http://schemas.openxmlformats.org/markup-compatibility/2006" xmlns:a14="http://schemas.microsoft.com/office/drawing/2010/main">
+        <mc:Choice Requires="a14">
+          <p:sp>
+            <p:nvSpPr>
+              <p:cNvPr id="96" name="CaixaDeTexto 95">
+                <a:extLst>
+                  <a:ext uri="{FF2B5EF4-FFF2-40B4-BE49-F238E27FC236}">
+                    <a16:creationId xmlns:a16="http://schemas.microsoft.com/office/drawing/2014/main" id="{AF413E51-857A-4DFB-9FA5-C8255AC541E1}"/>
+                  </a:ext>
+                </a:extLst>
+              </p:cNvPr>
+              <p:cNvSpPr txBox="1"/>
+              <p:nvPr/>
+            </p:nvSpPr>
+            <p:spPr>
+              <a:xfrm>
+                <a:off x="3066546" y="2798122"/>
+                <a:ext cx="577419" cy="264881"/>
+              </a:xfrm>
+              <a:prstGeom prst="rect">
+                <a:avLst/>
+              </a:prstGeom>
+              <a:noFill/>
+            </p:spPr>
+            <p:txBody>
+              <a:bodyPr wrap="square" rtlCol="0">
+                <a:spAutoFit/>
+              </a:bodyPr>
+              <a:lstStyle/>
+              <a:p>
+                <a:pPr algn="ctr"/>
+                <a14:m>
+                  <m:oMathPara xmlns:m="http://schemas.openxmlformats.org/officeDocument/2006/math">
+                    <m:oMathParaPr>
+                      <m:jc m:val="centerGroup"/>
+                    </m:oMathParaPr>
+                    <m:oMath xmlns:m="http://schemas.openxmlformats.org/officeDocument/2006/math">
+                      <m:sSub>
+                        <m:sSubPr>
+                          <m:ctrlPr>
+                            <a:rPr lang="pt-BR" sz="1000" i="1" smtClean="0">
+                              <a:latin typeface="Cambria Math" panose="02040503050406030204" pitchFamily="18" charset="0"/>
+                              <a:ea typeface="Cambria Math" panose="02040503050406030204" pitchFamily="18" charset="0"/>
+                            </a:rPr>
+                          </m:ctrlPr>
+                        </m:sSubPr>
+                        <m:e>
+                          <m:acc>
+                            <m:accPr>
+                              <m:chr m:val="⃗"/>
+                              <m:ctrlPr>
+                                <a:rPr lang="pt-BR" sz="1000" i="1" smtClean="0">
+                                  <a:latin typeface="Cambria Math" panose="02040503050406030204" pitchFamily="18" charset="0"/>
+                                  <a:ea typeface="Cambria Math" panose="02040503050406030204" pitchFamily="18" charset="0"/>
+                                </a:rPr>
+                              </m:ctrlPr>
+                            </m:accPr>
+                            <m:e>
+                              <m:r>
+                                <a:rPr lang="pt-BR" sz="1000" b="0" i="1" smtClean="0">
+                                  <a:latin typeface="Cambria Math" panose="02040503050406030204" pitchFamily="18" charset="0"/>
+                                  <a:ea typeface="Cambria Math" panose="02040503050406030204" pitchFamily="18" charset="0"/>
+                                </a:rPr>
+                                <m:t>𝑇</m:t>
+                              </m:r>
+                            </m:e>
+                          </m:acc>
+                        </m:e>
+                        <m:sub>
+                          <m:r>
+                            <a:rPr lang="pt-BR" sz="1000" b="0" i="1" smtClean="0">
+                              <a:latin typeface="Cambria Math" panose="02040503050406030204" pitchFamily="18" charset="0"/>
+                              <a:ea typeface="Cambria Math" panose="02040503050406030204" pitchFamily="18" charset="0"/>
+                            </a:rPr>
+                            <m:t>𝑘</m:t>
+                          </m:r>
+                        </m:sub>
+                      </m:sSub>
+                    </m:oMath>
+                  </m:oMathPara>
+                </a14:m>
+                <a:endParaRPr lang="pt-BR" sz="1000" i="1" dirty="0">
+                  <a:latin typeface="Cambria Math" panose="02040503050406030204" pitchFamily="18" charset="0"/>
+                  <a:ea typeface="Cambria Math" panose="02040503050406030204" pitchFamily="18" charset="0"/>
+                </a:endParaRPr>
+              </a:p>
+            </p:txBody>
+          </p:sp>
+        </mc:Choice>
+        <mc:Fallback xmlns="">
+          <p:sp>
+            <p:nvSpPr>
+              <p:cNvPr id="96" name="CaixaDeTexto 95">
+                <a:extLst>
+                  <a:ext uri="{FF2B5EF4-FFF2-40B4-BE49-F238E27FC236}">
+                    <a16:creationId xmlns:a16="http://schemas.microsoft.com/office/drawing/2014/main" id="{AF413E51-857A-4DFB-9FA5-C8255AC541E1}"/>
+                  </a:ext>
+                </a:extLst>
+              </p:cNvPr>
+              <p:cNvSpPr txBox="1">
+                <a:spLocks noRot="1" noChangeAspect="1" noMove="1" noResize="1" noEditPoints="1" noAdjustHandles="1" noChangeArrowheads="1" noChangeShapeType="1" noTextEdit="1"/>
+              </p:cNvSpPr>
+              <p:nvPr/>
+            </p:nvSpPr>
+            <p:spPr>
+              <a:xfrm>
+                <a:off x="3066546" y="2798122"/>
+                <a:ext cx="577419" cy="264881"/>
+              </a:xfrm>
+              <a:prstGeom prst="rect">
+                <a:avLst/>
+              </a:prstGeom>
+              <a:blipFill>
+                <a:blip r:embed="rId15"/>
+                <a:stretch>
+                  <a:fillRect/>
+                </a:stretch>
+              </a:blipFill>
+            </p:spPr>
+            <p:txBody>
+              <a:bodyPr/>
+              <a:lstStyle/>
+              <a:p>
+                <a:r>
+                  <a:rPr lang="pt-BR">
+                    <a:noFill/>
+                  </a:rPr>
+                  <a:t> </a:t>
+                </a:r>
+              </a:p>
+            </p:txBody>
+          </p:sp>
+        </mc:Fallback>
+      </mc:AlternateContent>
+      <p:cxnSp>
+        <p:nvCxnSpPr>
+          <p:cNvPr id="42" name="Conector reto 41">
+            <a:extLst>
+              <a:ext uri="{FF2B5EF4-FFF2-40B4-BE49-F238E27FC236}">
+                <a16:creationId xmlns:a16="http://schemas.microsoft.com/office/drawing/2014/main" id="{D29E849B-C8A6-486E-9D32-A92DADDBBEA0}"/>
+              </a:ext>
+            </a:extLst>
+          </p:cNvPr>
+          <p:cNvCxnSpPr>
+            <a:cxnSpLocks/>
+          </p:cNvCxnSpPr>
+          <p:nvPr/>
+        </p:nvCxnSpPr>
+        <p:spPr>
+          <a:xfrm>
+            <a:off x="1463675" y="4346275"/>
+            <a:ext cx="860400" cy="0"/>
+          </a:xfrm>
+          <a:prstGeom prst="line">
+            <a:avLst/>
+          </a:prstGeom>
+          <a:ln>
+            <a:headEnd type="triangle" w="med" len="med"/>
+            <a:tailEnd type="none" w="med" len="med"/>
+          </a:ln>
+        </p:spPr>
+        <p:style>
+          <a:lnRef idx="3">
+            <a:schemeClr val="dk1"/>
+          </a:lnRef>
+          <a:fillRef idx="0">
+            <a:schemeClr val="dk1"/>
+          </a:fillRef>
+          <a:effectRef idx="2">
+            <a:schemeClr val="dk1"/>
+          </a:effectRef>
+          <a:fontRef idx="minor">
+            <a:schemeClr val="tx1"/>
+          </a:fontRef>
+        </p:style>
+      </p:cxnSp>
+      <mc:AlternateContent xmlns:mc="http://schemas.openxmlformats.org/markup-compatibility/2006" xmlns:a14="http://schemas.microsoft.com/office/drawing/2010/main">
+        <mc:Choice Requires="a14">
+          <p:sp>
+            <p:nvSpPr>
+              <p:cNvPr id="56" name="CaixaDeTexto 55">
+                <a:extLst>
+                  <a:ext uri="{FF2B5EF4-FFF2-40B4-BE49-F238E27FC236}">
+                    <a16:creationId xmlns:a16="http://schemas.microsoft.com/office/drawing/2014/main" id="{DE4EF16F-0DE5-4439-82F3-5A7BEBC3DE0E}"/>
+                  </a:ext>
+                </a:extLst>
+              </p:cNvPr>
+              <p:cNvSpPr txBox="1"/>
+              <p:nvPr/>
+            </p:nvSpPr>
+            <p:spPr>
+              <a:xfrm>
+                <a:off x="5352209" y="4164431"/>
+                <a:ext cx="577419" cy="264881"/>
+              </a:xfrm>
+              <a:prstGeom prst="rect">
+                <a:avLst/>
+              </a:prstGeom>
+              <a:noFill/>
+            </p:spPr>
+            <p:txBody>
+              <a:bodyPr wrap="square" rtlCol="0">
+                <a:spAutoFit/>
+              </a:bodyPr>
+              <a:lstStyle/>
+              <a:p>
+                <a:pPr algn="ctr"/>
+                <a14:m>
+                  <m:oMathPara xmlns:m="http://schemas.openxmlformats.org/officeDocument/2006/math">
+                    <m:oMathParaPr>
+                      <m:jc m:val="centerGroup"/>
+                    </m:oMathParaPr>
+                    <m:oMath xmlns:m="http://schemas.openxmlformats.org/officeDocument/2006/math">
+                      <m:sSub>
+                        <m:sSubPr>
+                          <m:ctrlPr>
+                            <a:rPr lang="pt-BR" sz="1000" i="1" smtClean="0">
+                              <a:latin typeface="Cambria Math" panose="02040503050406030204" pitchFamily="18" charset="0"/>
+                              <a:ea typeface="Cambria Math" panose="02040503050406030204" pitchFamily="18" charset="0"/>
+                            </a:rPr>
+                          </m:ctrlPr>
+                        </m:sSubPr>
+                        <m:e>
+                          <m:acc>
+                            <m:accPr>
+                              <m:chr m:val="⃗"/>
+                              <m:ctrlPr>
+                                <a:rPr lang="pt-BR" sz="1000" i="1" smtClean="0">
+                                  <a:latin typeface="Cambria Math" panose="02040503050406030204" pitchFamily="18" charset="0"/>
+                                  <a:ea typeface="Cambria Math" panose="02040503050406030204" pitchFamily="18" charset="0"/>
+                                </a:rPr>
+                              </m:ctrlPr>
+                            </m:accPr>
+                            <m:e>
+                              <m:r>
+                                <a:rPr lang="pt-BR" sz="1000" b="0" i="1" smtClean="0">
+                                  <a:latin typeface="Cambria Math" panose="02040503050406030204" pitchFamily="18" charset="0"/>
+                                  <a:ea typeface="Cambria Math" panose="02040503050406030204" pitchFamily="18" charset="0"/>
+                                </a:rPr>
+                                <m:t>𝑇</m:t>
+                              </m:r>
+                            </m:e>
+                          </m:acc>
+                        </m:e>
+                        <m:sub>
+                          <m:r>
+                            <a:rPr lang="pt-BR" sz="1000" b="0" i="1" smtClean="0">
+                              <a:latin typeface="Cambria Math" panose="02040503050406030204" pitchFamily="18" charset="0"/>
+                              <a:ea typeface="Cambria Math" panose="02040503050406030204" pitchFamily="18" charset="0"/>
+                            </a:rPr>
+                            <m:t>𝑜</m:t>
+                          </m:r>
+                        </m:sub>
+                      </m:sSub>
+                    </m:oMath>
+                  </m:oMathPara>
+                </a14:m>
+                <a:endParaRPr lang="pt-BR" sz="1000" i="1" dirty="0">
+                  <a:latin typeface="Cambria Math" panose="02040503050406030204" pitchFamily="18" charset="0"/>
+                  <a:ea typeface="Cambria Math" panose="02040503050406030204" pitchFamily="18" charset="0"/>
+                </a:endParaRPr>
+              </a:p>
+            </p:txBody>
+          </p:sp>
+        </mc:Choice>
+        <mc:Fallback xmlns="">
+          <p:sp>
+            <p:nvSpPr>
+              <p:cNvPr id="56" name="CaixaDeTexto 55">
+                <a:extLst>
+                  <a:ext uri="{FF2B5EF4-FFF2-40B4-BE49-F238E27FC236}">
+                    <a16:creationId xmlns:a16="http://schemas.microsoft.com/office/drawing/2014/main" id="{DE4EF16F-0DE5-4439-82F3-5A7BEBC3DE0E}"/>
+                  </a:ext>
+                </a:extLst>
+              </p:cNvPr>
+              <p:cNvSpPr txBox="1">
+                <a:spLocks noRot="1" noChangeAspect="1" noMove="1" noResize="1" noEditPoints="1" noAdjustHandles="1" noChangeArrowheads="1" noChangeShapeType="1" noTextEdit="1"/>
+              </p:cNvSpPr>
+              <p:nvPr/>
+            </p:nvSpPr>
+            <p:spPr>
+              <a:xfrm>
+                <a:off x="5352209" y="4164431"/>
+                <a:ext cx="577419" cy="264881"/>
+              </a:xfrm>
+              <a:prstGeom prst="rect">
+                <a:avLst/>
+              </a:prstGeom>
+              <a:blipFill>
+                <a:blip r:embed="rId17"/>
+                <a:stretch>
+                  <a:fillRect/>
+                </a:stretch>
+              </a:blipFill>
+            </p:spPr>
+            <p:txBody>
+              <a:bodyPr/>
+              <a:lstStyle/>
+              <a:p>
+                <a:r>
+                  <a:rPr lang="pt-BR">
+                    <a:noFill/>
+                  </a:rPr>
+                  <a:t> </a:t>
+                </a:r>
+              </a:p>
+            </p:txBody>
+          </p:sp>
+        </mc:Fallback>
+      </mc:AlternateContent>
+      <mc:AlternateContent xmlns:mc="http://schemas.openxmlformats.org/markup-compatibility/2006">
+        <mc:Choice xmlns:a14="http://schemas.microsoft.com/office/drawing/2010/main" Requires="a14">
+          <p:sp>
+            <p:nvSpPr>
+              <p:cNvPr id="57" name="CaixaDeTexto 56">
+                <a:extLst>
+                  <a:ext uri="{FF2B5EF4-FFF2-40B4-BE49-F238E27FC236}">
+                    <a16:creationId xmlns:a16="http://schemas.microsoft.com/office/drawing/2014/main" id="{75B43D06-1195-4372-A085-DE20407AA23F}"/>
+                  </a:ext>
+                </a:extLst>
+              </p:cNvPr>
+              <p:cNvSpPr txBox="1"/>
+              <p:nvPr/>
+            </p:nvSpPr>
+            <p:spPr>
+              <a:xfrm>
+                <a:off x="1117539" y="4179579"/>
+                <a:ext cx="577419" cy="264881"/>
+              </a:xfrm>
+              <a:prstGeom prst="rect">
+                <a:avLst/>
+              </a:prstGeom>
+              <a:noFill/>
+            </p:spPr>
+            <p:txBody>
+              <a:bodyPr wrap="square" rtlCol="0">
+                <a:spAutoFit/>
+              </a:bodyPr>
+              <a:lstStyle/>
+              <a:p>
+                <a:pPr algn="ctr"/>
+                <a14:m>
+                  <m:oMathPara xmlns:m="http://schemas.openxmlformats.org/officeDocument/2006/math">
+                    <m:oMathParaPr>
+                      <m:jc m:val="centerGroup"/>
+                    </m:oMathParaPr>
+                    <m:oMath xmlns:m="http://schemas.openxmlformats.org/officeDocument/2006/math">
+                      <m:sSub>
+                        <m:sSubPr>
+                          <m:ctrlPr>
+                            <a:rPr lang="pt-BR" sz="1000" i="1" smtClean="0">
+                              <a:latin typeface="Cambria Math" panose="02040503050406030204" pitchFamily="18" charset="0"/>
+                              <a:ea typeface="Cambria Math" panose="02040503050406030204" pitchFamily="18" charset="0"/>
+                            </a:rPr>
+                          </m:ctrlPr>
+                        </m:sSubPr>
+                        <m:e>
+                          <m:acc>
+                            <m:accPr>
+                              <m:chr m:val="⃗"/>
+                              <m:ctrlPr>
+                                <a:rPr lang="pt-BR" sz="1000" i="1" smtClean="0">
+                                  <a:latin typeface="Cambria Math" panose="02040503050406030204" pitchFamily="18" charset="0"/>
+                                  <a:ea typeface="Cambria Math" panose="02040503050406030204" pitchFamily="18" charset="0"/>
+                                </a:rPr>
+                              </m:ctrlPr>
+                            </m:accPr>
+                            <m:e>
+                              <m:r>
+                                <a:rPr lang="pt-BR" sz="1000" b="0" i="1" smtClean="0">
+                                  <a:latin typeface="Cambria Math" panose="02040503050406030204" pitchFamily="18" charset="0"/>
+                                  <a:ea typeface="Cambria Math" panose="02040503050406030204" pitchFamily="18" charset="0"/>
+                                </a:rPr>
+                                <m:t>𝑇</m:t>
+                              </m:r>
+                            </m:e>
+                          </m:acc>
+                        </m:e>
+                        <m:sub>
+                          <m:r>
+                            <a:rPr lang="pt-BR" sz="1000" b="0" i="1" smtClean="0">
+                              <a:latin typeface="Cambria Math" panose="02040503050406030204" pitchFamily="18" charset="0"/>
+                              <a:ea typeface="Cambria Math" panose="02040503050406030204" pitchFamily="18" charset="0"/>
+                            </a:rPr>
+                            <m:t>𝑖</m:t>
+                          </m:r>
+                        </m:sub>
+                      </m:sSub>
+                    </m:oMath>
+                  </m:oMathPara>
+                </a14:m>
+                <a:endParaRPr lang="pt-BR" sz="1000" i="1" dirty="0">
+                  <a:latin typeface="Cambria Math" panose="02040503050406030204" pitchFamily="18" charset="0"/>
+                  <a:ea typeface="Cambria Math" panose="02040503050406030204" pitchFamily="18" charset="0"/>
+                </a:endParaRPr>
+              </a:p>
+            </p:txBody>
+          </p:sp>
+        </mc:Choice>
+        <mc:Fallback>
+          <p:sp>
+            <p:nvSpPr>
+              <p:cNvPr id="57" name="CaixaDeTexto 56">
+                <a:extLst>
+                  <a:ext uri="{FF2B5EF4-FFF2-40B4-BE49-F238E27FC236}">
+                    <a16:creationId xmlns:a16="http://schemas.microsoft.com/office/drawing/2014/main" id="{75B43D06-1195-4372-A085-DE20407AA23F}"/>
+                  </a:ext>
+                </a:extLst>
+              </p:cNvPr>
+              <p:cNvSpPr txBox="1">
+                <a:spLocks noRot="1" noChangeAspect="1" noMove="1" noResize="1" noEditPoints="1" noAdjustHandles="1" noChangeArrowheads="1" noChangeShapeType="1" noTextEdit="1"/>
+              </p:cNvSpPr>
+              <p:nvPr/>
+            </p:nvSpPr>
+            <p:spPr>
+              <a:xfrm>
+                <a:off x="1117539" y="4179579"/>
+                <a:ext cx="577419" cy="264881"/>
+              </a:xfrm>
+              <a:prstGeom prst="rect">
+                <a:avLst/>
+              </a:prstGeom>
+              <a:blipFill>
+                <a:blip r:embed="rId18"/>
+                <a:stretch>
+                  <a:fillRect/>
+                </a:stretch>
+              </a:blipFill>
+            </p:spPr>
+            <p:txBody>
+              <a:bodyPr/>
+              <a:lstStyle/>
+              <a:p>
+                <a:r>
+                  <a:rPr lang="pt-BR">
+                    <a:noFill/>
+                  </a:rPr>
+                  <a:t> </a:t>
+                </a:r>
+              </a:p>
+            </p:txBody>
+          </p:sp>
+        </mc:Fallback>
+      </mc:AlternateContent>
+      <p:sp>
+        <p:nvSpPr>
+          <p:cNvPr id="16" name="Retângulo 15">
+            <a:extLst>
+              <a:ext uri="{FF2B5EF4-FFF2-40B4-BE49-F238E27FC236}">
+                <a16:creationId xmlns:a16="http://schemas.microsoft.com/office/drawing/2014/main" id="{6E2A14EB-88D7-4AA6-AD1D-2B14EE989C21}"/>
+              </a:ext>
+            </a:extLst>
+          </p:cNvPr>
+          <p:cNvSpPr/>
+          <p:nvPr/>
+        </p:nvSpPr>
+        <p:spPr>
+          <a:xfrm>
+            <a:off x="1959276" y="1112893"/>
+            <a:ext cx="3086094" cy="570466"/>
+          </a:xfrm>
+          <a:prstGeom prst="rect">
+            <a:avLst/>
+          </a:prstGeom>
+          <a:noFill/>
+          <a:ln w="12700" cap="flat" cmpd="sng" algn="ctr">
+            <a:solidFill>
+              <a:schemeClr val="dk1"/>
+            </a:solidFill>
+            <a:prstDash val="solid"/>
+            <a:round/>
+            <a:headEnd type="none" w="med" len="med"/>
+            <a:tailEnd type="none" w="med" len="med"/>
+          </a:ln>
+        </p:spPr>
+        <p:style>
+          <a:lnRef idx="0">
+            <a:scrgbClr r="0" g="0" b="0"/>
+          </a:lnRef>
+          <a:fillRef idx="0">
+            <a:scrgbClr r="0" g="0" b="0"/>
+          </a:fillRef>
+          <a:effectRef idx="0">
+            <a:scrgbClr r="0" g="0" b="0"/>
+          </a:effectRef>
+          <a:fontRef idx="minor">
+            <a:schemeClr val="dk1"/>
+          </a:fontRef>
+        </p:style>
+        <p:txBody>
+          <a:bodyPr rtlCol="0" anchor="ctr"/>
+          <a:lstStyle/>
+          <a:p>
+            <a:pPr algn="ctr"/>
+            <a:endParaRPr lang="pt-BR"/>
+          </a:p>
+        </p:txBody>
+      </p:sp>
+      <p:sp>
+        <p:nvSpPr>
+          <p:cNvPr id="2" name="Elipse 1">
+            <a:extLst>
+              <a:ext uri="{FF2B5EF4-FFF2-40B4-BE49-F238E27FC236}">
+                <a16:creationId xmlns:a16="http://schemas.microsoft.com/office/drawing/2014/main" id="{D4774D1D-5F08-420E-8821-966BAB8C5A00}"/>
+              </a:ext>
+            </a:extLst>
+          </p:cNvPr>
+          <p:cNvSpPr/>
+          <p:nvPr/>
+        </p:nvSpPr>
+        <p:spPr>
+          <a:xfrm>
+            <a:off x="2622430" y="1397479"/>
+            <a:ext cx="586596" cy="586596"/>
+          </a:xfrm>
+          <a:prstGeom prst="ellipse">
+            <a:avLst/>
+          </a:prstGeom>
+          <a:solidFill>
+            <a:schemeClr val="bg1"/>
+          </a:solidFill>
+        </p:spPr>
+        <p:style>
+          <a:lnRef idx="2">
+            <a:schemeClr val="dk1"/>
+          </a:lnRef>
+          <a:fillRef idx="1">
+            <a:schemeClr val="lt1"/>
+          </a:fillRef>
+          <a:effectRef idx="0">
+            <a:schemeClr val="dk1"/>
+          </a:effectRef>
+          <a:fontRef idx="minor">
+            <a:schemeClr val="dk1"/>
+          </a:fontRef>
+        </p:style>
+        <p:txBody>
+          <a:bodyPr rtlCol="0" anchor="ctr"/>
+          <a:lstStyle/>
+          <a:p>
+            <a:pPr algn="ctr"/>
+            <a:endParaRPr lang="pt-BR"/>
+          </a:p>
+        </p:txBody>
+      </p:sp>
+      <p:sp>
+        <p:nvSpPr>
+          <p:cNvPr id="21" name="Elipse 20">
+            <a:extLst>
+              <a:ext uri="{FF2B5EF4-FFF2-40B4-BE49-F238E27FC236}">
+                <a16:creationId xmlns:a16="http://schemas.microsoft.com/office/drawing/2014/main" id="{77ADFB40-E940-48F0-8D7B-5DB8494A3B2C}"/>
+              </a:ext>
+            </a:extLst>
+          </p:cNvPr>
+          <p:cNvSpPr/>
+          <p:nvPr/>
+        </p:nvSpPr>
+        <p:spPr>
+          <a:xfrm>
+            <a:off x="3795621" y="1397479"/>
+            <a:ext cx="586596" cy="586596"/>
+          </a:xfrm>
+          <a:prstGeom prst="ellipse">
+            <a:avLst/>
+          </a:prstGeom>
+          <a:solidFill>
+            <a:schemeClr val="bg1"/>
+          </a:solidFill>
+        </p:spPr>
+        <p:style>
+          <a:lnRef idx="2">
+            <a:schemeClr val="dk1"/>
+          </a:lnRef>
+          <a:fillRef idx="1">
+            <a:schemeClr val="lt1"/>
+          </a:fillRef>
+          <a:effectRef idx="0">
+            <a:schemeClr val="dk1"/>
+          </a:effectRef>
+          <a:fontRef idx="minor">
+            <a:schemeClr val="dk1"/>
+          </a:fontRef>
+        </p:style>
+        <p:txBody>
+          <a:bodyPr rtlCol="0" anchor="ctr"/>
+          <a:lstStyle/>
+          <a:p>
+            <a:pPr algn="ctr"/>
+            <a:endParaRPr lang="pt-BR"/>
+          </a:p>
+        </p:txBody>
+      </p:sp>
+      <p:cxnSp>
+        <p:nvCxnSpPr>
+          <p:cNvPr id="61" name="Conector reto 60">
+            <a:extLst>
+              <a:ext uri="{FF2B5EF4-FFF2-40B4-BE49-F238E27FC236}">
+                <a16:creationId xmlns:a16="http://schemas.microsoft.com/office/drawing/2014/main" id="{E2176CCC-CC34-4D0C-BA4C-C3B6CECF8AD9}"/>
+              </a:ext>
+            </a:extLst>
+          </p:cNvPr>
+          <p:cNvCxnSpPr>
+            <a:cxnSpLocks/>
+          </p:cNvCxnSpPr>
+          <p:nvPr/>
+        </p:nvCxnSpPr>
+        <p:spPr>
+          <a:xfrm>
+            <a:off x="3491098" y="542428"/>
+            <a:ext cx="0" cy="570465"/>
+          </a:xfrm>
+          <a:prstGeom prst="line">
+            <a:avLst/>
+          </a:prstGeom>
+          <a:ln>
+            <a:headEnd type="triangle" w="med" len="med"/>
+            <a:tailEnd type="none" w="med" len="med"/>
+          </a:ln>
+        </p:spPr>
+        <p:style>
+          <a:lnRef idx="3">
+            <a:schemeClr val="dk1"/>
+          </a:lnRef>
+          <a:fillRef idx="0">
+            <a:schemeClr val="dk1"/>
+          </a:fillRef>
+          <a:effectRef idx="2">
+            <a:schemeClr val="dk1"/>
+          </a:effectRef>
+          <a:fontRef idx="minor">
+            <a:schemeClr val="tx1"/>
+          </a:fontRef>
+        </p:style>
+      </p:cxnSp>
+      <mc:AlternateContent xmlns:mc="http://schemas.openxmlformats.org/markup-compatibility/2006" xmlns:a14="http://schemas.microsoft.com/office/drawing/2010/main">
+        <mc:Choice Requires="a14">
+          <p:sp>
+            <p:nvSpPr>
+              <p:cNvPr id="72" name="CaixaDeTexto 71">
+                <a:extLst>
+                  <a:ext uri="{FF2B5EF4-FFF2-40B4-BE49-F238E27FC236}">
+                    <a16:creationId xmlns:a16="http://schemas.microsoft.com/office/drawing/2014/main" id="{338F8913-DA83-4C0D-80E4-AC342BC2BD92}"/>
+                  </a:ext>
+                </a:extLst>
+              </p:cNvPr>
+              <p:cNvSpPr txBox="1"/>
+              <p:nvPr/>
+            </p:nvSpPr>
+            <p:spPr>
+              <a:xfrm>
+                <a:off x="3347757" y="523100"/>
+                <a:ext cx="577419" cy="264881"/>
+              </a:xfrm>
+              <a:prstGeom prst="rect">
+                <a:avLst/>
+              </a:prstGeom>
+              <a:noFill/>
+            </p:spPr>
+            <p:txBody>
+              <a:bodyPr wrap="square" rtlCol="0">
+                <a:spAutoFit/>
+              </a:bodyPr>
+              <a:lstStyle/>
+              <a:p>
+                <a:pPr algn="ctr"/>
+                <a14:m>
+                  <m:oMathPara xmlns:m="http://schemas.openxmlformats.org/officeDocument/2006/math">
+                    <m:oMathParaPr>
+                      <m:jc m:val="centerGroup"/>
+                    </m:oMathParaPr>
+                    <m:oMath xmlns:m="http://schemas.openxmlformats.org/officeDocument/2006/math">
+                      <m:sSub>
+                        <m:sSubPr>
+                          <m:ctrlPr>
+                            <a:rPr lang="pt-BR" sz="1000" i="1" smtClean="0">
+                              <a:latin typeface="Cambria Math" panose="02040503050406030204" pitchFamily="18" charset="0"/>
+                              <a:ea typeface="Cambria Math" panose="02040503050406030204" pitchFamily="18" charset="0"/>
+                            </a:rPr>
+                          </m:ctrlPr>
+                        </m:sSubPr>
+                        <m:e>
+                          <m:acc>
+                            <m:accPr>
+                              <m:chr m:val="⃗"/>
+                              <m:ctrlPr>
+                                <a:rPr lang="pt-BR" sz="1000" i="1" smtClean="0">
+                                  <a:latin typeface="Cambria Math" panose="02040503050406030204" pitchFamily="18" charset="0"/>
+                                  <a:ea typeface="Cambria Math" panose="02040503050406030204" pitchFamily="18" charset="0"/>
+                                </a:rPr>
+                              </m:ctrlPr>
+                            </m:accPr>
+                            <m:e>
+                              <m:r>
+                                <a:rPr lang="pt-BR" sz="1000" b="0" i="1" smtClean="0">
+                                  <a:latin typeface="Cambria Math" panose="02040503050406030204" pitchFamily="18" charset="0"/>
+                                  <a:ea typeface="Cambria Math" panose="02040503050406030204" pitchFamily="18" charset="0"/>
+                                </a:rPr>
+                                <m:t>𝐹</m:t>
+                              </m:r>
+                            </m:e>
+                          </m:acc>
+                        </m:e>
+                        <m:sub>
+                          <m:r>
+                            <a:rPr lang="pt-BR" sz="1000" b="0" i="1" smtClean="0">
+                              <a:latin typeface="Cambria Math" panose="02040503050406030204" pitchFamily="18" charset="0"/>
+                              <a:ea typeface="Cambria Math" panose="02040503050406030204" pitchFamily="18" charset="0"/>
+                            </a:rPr>
+                            <m:t>𝑚</m:t>
+                          </m:r>
+                        </m:sub>
+                      </m:sSub>
+                    </m:oMath>
+                  </m:oMathPara>
+                </a14:m>
+                <a:endParaRPr lang="pt-BR" sz="1000" i="1" dirty="0">
+                  <a:latin typeface="Cambria Math" panose="02040503050406030204" pitchFamily="18" charset="0"/>
+                  <a:ea typeface="Cambria Math" panose="02040503050406030204" pitchFamily="18" charset="0"/>
+                </a:endParaRPr>
+              </a:p>
+            </p:txBody>
+          </p:sp>
+        </mc:Choice>
+        <mc:Fallback xmlns="">
+          <p:sp>
+            <p:nvSpPr>
+              <p:cNvPr id="72" name="CaixaDeTexto 71">
+                <a:extLst>
+                  <a:ext uri="{FF2B5EF4-FFF2-40B4-BE49-F238E27FC236}">
+                    <a16:creationId xmlns:a16="http://schemas.microsoft.com/office/drawing/2014/main" id="{338F8913-DA83-4C0D-80E4-AC342BC2BD92}"/>
+                  </a:ext>
+                </a:extLst>
+              </p:cNvPr>
+              <p:cNvSpPr txBox="1">
+                <a:spLocks noRot="1" noChangeAspect="1" noMove="1" noResize="1" noEditPoints="1" noAdjustHandles="1" noChangeArrowheads="1" noChangeShapeType="1" noTextEdit="1"/>
+              </p:cNvSpPr>
+              <p:nvPr/>
+            </p:nvSpPr>
+            <p:spPr>
+              <a:xfrm>
+                <a:off x="3347757" y="523100"/>
+                <a:ext cx="577419" cy="264881"/>
+              </a:xfrm>
+              <a:prstGeom prst="rect">
+                <a:avLst/>
+              </a:prstGeom>
+              <a:blipFill>
+                <a:blip r:embed="rId21"/>
+                <a:stretch>
+                  <a:fillRect t="-6977"/>
+                </a:stretch>
+              </a:blipFill>
+            </p:spPr>
+            <p:txBody>
+              <a:bodyPr/>
+              <a:lstStyle/>
+              <a:p>
+                <a:r>
+                  <a:rPr lang="pt-BR">
+                    <a:noFill/>
+                  </a:rPr>
+                  <a:t> </a:t>
+                </a:r>
+              </a:p>
+            </p:txBody>
+          </p:sp>
+        </mc:Fallback>
+      </mc:AlternateContent>
+      <p:cxnSp>
+        <p:nvCxnSpPr>
+          <p:cNvPr id="49" name="Conector de Seta Reta 48">
+            <a:extLst>
+              <a:ext uri="{FF2B5EF4-FFF2-40B4-BE49-F238E27FC236}">
+                <a16:creationId xmlns:a16="http://schemas.microsoft.com/office/drawing/2014/main" id="{A738F877-FEC0-41C6-A43D-33772811979D}"/>
+              </a:ext>
+            </a:extLst>
+          </p:cNvPr>
+          <p:cNvCxnSpPr>
+            <a:cxnSpLocks/>
+          </p:cNvCxnSpPr>
+          <p:nvPr/>
+        </p:nvCxnSpPr>
+        <p:spPr>
+          <a:xfrm>
+            <a:off x="3497862" y="3282950"/>
+            <a:ext cx="0" cy="474567"/>
+          </a:xfrm>
+          <a:prstGeom prst="straightConnector1">
+            <a:avLst/>
+          </a:prstGeom>
+          <a:ln w="19050">
+            <a:headEnd type="triangle" w="med" len="med"/>
+            <a:tailEnd type="none" w="med" len="med"/>
+          </a:ln>
+        </p:spPr>
+        <p:style>
+          <a:lnRef idx="3">
+            <a:schemeClr val="dk1"/>
+          </a:lnRef>
+          <a:fillRef idx="0">
+            <a:schemeClr val="dk1"/>
+          </a:fillRef>
+          <a:effectRef idx="2">
+            <a:schemeClr val="dk1"/>
+          </a:effectRef>
+          <a:fontRef idx="minor">
+            <a:schemeClr val="tx1"/>
+          </a:fontRef>
+        </p:style>
+      </p:cxnSp>
+      <mc:AlternateContent xmlns:mc="http://schemas.openxmlformats.org/markup-compatibility/2006">
+        <mc:Choice xmlns:a14="http://schemas.microsoft.com/office/drawing/2010/main" Requires="a14">
+          <p:sp>
+            <p:nvSpPr>
+              <p:cNvPr id="59" name="CaixaDeTexto 58">
+                <a:extLst>
+                  <a:ext uri="{FF2B5EF4-FFF2-40B4-BE49-F238E27FC236}">
+                    <a16:creationId xmlns:a16="http://schemas.microsoft.com/office/drawing/2014/main" id="{28EA52A5-7DF8-43AE-9FEE-AB80450FA1D2}"/>
+                  </a:ext>
+                </a:extLst>
+              </p:cNvPr>
+              <p:cNvSpPr txBox="1"/>
+              <p:nvPr/>
+            </p:nvSpPr>
+            <p:spPr>
+              <a:xfrm>
+                <a:off x="3230350" y="3056772"/>
+                <a:ext cx="577419" cy="264881"/>
+              </a:xfrm>
+              <a:prstGeom prst="rect">
+                <a:avLst/>
+              </a:prstGeom>
+              <a:noFill/>
+            </p:spPr>
+            <p:txBody>
+              <a:bodyPr wrap="square" rtlCol="0">
+                <a:spAutoFit/>
+              </a:bodyPr>
+              <a:lstStyle/>
+              <a:p>
+                <a:pPr algn="ctr"/>
+                <a14:m>
+                  <m:oMathPara xmlns:m="http://schemas.openxmlformats.org/officeDocument/2006/math">
+                    <m:oMathParaPr>
+                      <m:jc m:val="centerGroup"/>
+                    </m:oMathParaPr>
+                    <m:oMath xmlns:m="http://schemas.openxmlformats.org/officeDocument/2006/math">
+                      <m:sSub>
+                        <m:sSubPr>
+                          <m:ctrlPr>
+                            <a:rPr lang="pt-BR" sz="1000" i="1" smtClean="0">
+                              <a:latin typeface="Cambria Math" panose="02040503050406030204" pitchFamily="18" charset="0"/>
+                              <a:ea typeface="Cambria Math" panose="02040503050406030204" pitchFamily="18" charset="0"/>
+                            </a:rPr>
+                          </m:ctrlPr>
+                        </m:sSubPr>
+                        <m:e>
+                          <m:r>
+                            <a:rPr lang="pt-BR" sz="1000" b="0" i="1" smtClean="0">
+                              <a:latin typeface="Cambria Math" panose="02040503050406030204" pitchFamily="18" charset="0"/>
+                              <a:ea typeface="Cambria Math" panose="02040503050406030204" pitchFamily="18" charset="0"/>
+                            </a:rPr>
+                            <m:t>2</m:t>
+                          </m:r>
+                          <m:acc>
+                            <m:accPr>
+                              <m:chr m:val="⃗"/>
+                              <m:ctrlPr>
+                                <a:rPr lang="pt-BR" sz="1000" i="1" smtClean="0">
+                                  <a:latin typeface="Cambria Math" panose="02040503050406030204" pitchFamily="18" charset="0"/>
+                                  <a:ea typeface="Cambria Math" panose="02040503050406030204" pitchFamily="18" charset="0"/>
+                                </a:rPr>
+                              </m:ctrlPr>
+                            </m:accPr>
+                            <m:e>
+                              <m:r>
+                                <a:rPr lang="pt-BR" sz="1000" b="0" i="1" smtClean="0">
+                                  <a:latin typeface="Cambria Math" panose="02040503050406030204" pitchFamily="18" charset="0"/>
+                                  <a:ea typeface="Cambria Math" panose="02040503050406030204" pitchFamily="18" charset="0"/>
+                                </a:rPr>
+                                <m:t>𝑇</m:t>
+                              </m:r>
+                            </m:e>
+                          </m:acc>
+                        </m:e>
+                        <m:sub>
+                          <m:r>
+                            <a:rPr lang="pt-BR" sz="1000" b="0" i="1" smtClean="0">
+                              <a:latin typeface="Cambria Math" panose="02040503050406030204" pitchFamily="18" charset="0"/>
+                              <a:ea typeface="Cambria Math" panose="02040503050406030204" pitchFamily="18" charset="0"/>
+                            </a:rPr>
+                            <m:t>𝑘</m:t>
+                          </m:r>
+                        </m:sub>
+                      </m:sSub>
+                    </m:oMath>
+                  </m:oMathPara>
+                </a14:m>
+                <a:endParaRPr lang="pt-BR" sz="1000" i="1" dirty="0">
+                  <a:latin typeface="Cambria Math" panose="02040503050406030204" pitchFamily="18" charset="0"/>
+                  <a:ea typeface="Cambria Math" panose="02040503050406030204" pitchFamily="18" charset="0"/>
+                </a:endParaRPr>
+              </a:p>
+            </p:txBody>
+          </p:sp>
+        </mc:Choice>
+        <mc:Fallback>
+          <p:sp>
+            <p:nvSpPr>
+              <p:cNvPr id="59" name="CaixaDeTexto 58">
+                <a:extLst>
+                  <a:ext uri="{FF2B5EF4-FFF2-40B4-BE49-F238E27FC236}">
+                    <a16:creationId xmlns:a16="http://schemas.microsoft.com/office/drawing/2014/main" id="{28EA52A5-7DF8-43AE-9FEE-AB80450FA1D2}"/>
+                  </a:ext>
+                </a:extLst>
+              </p:cNvPr>
+              <p:cNvSpPr txBox="1">
+                <a:spLocks noRot="1" noChangeAspect="1" noMove="1" noResize="1" noEditPoints="1" noAdjustHandles="1" noChangeArrowheads="1" noChangeShapeType="1" noTextEdit="1"/>
+              </p:cNvSpPr>
+              <p:nvPr/>
+            </p:nvSpPr>
+            <p:spPr>
+              <a:xfrm>
+                <a:off x="3230350" y="3056772"/>
+                <a:ext cx="577419" cy="264881"/>
+              </a:xfrm>
+              <a:prstGeom prst="rect">
+                <a:avLst/>
+              </a:prstGeom>
+              <a:blipFill>
+                <a:blip r:embed="rId22"/>
+                <a:stretch>
+                  <a:fillRect/>
+                </a:stretch>
+              </a:blipFill>
+            </p:spPr>
+            <p:txBody>
+              <a:bodyPr/>
+              <a:lstStyle/>
+              <a:p>
+                <a:r>
+                  <a:rPr lang="pt-BR">
+                    <a:noFill/>
+                  </a:rPr>
+                  <a:t> </a:t>
+                </a:r>
+              </a:p>
+            </p:txBody>
+          </p:sp>
+        </mc:Fallback>
+      </mc:AlternateContent>
+    </p:spTree>
+    <p:extLst>
+      <p:ext uri="{BB962C8B-B14F-4D97-AF65-F5344CB8AC3E}">
+        <p14:creationId xmlns:p14="http://schemas.microsoft.com/office/powerpoint/2010/main" val="313643366"/>
+      </p:ext>
+    </p:extLst>
+  </p:cSld>
+  <p:clrMapOvr>
+    <a:masterClrMapping/>
+  </p:clrMapOvr>
+</p:sld>
+</file>
+
+<file path=ppt/slides/slide4.xml><?xml version="1.0" encoding="utf-8"?>
+<p:sld xmlns:a="http://schemas.openxmlformats.org/drawingml/2006/main" xmlns:r="http://schemas.openxmlformats.org/officeDocument/2006/relationships" xmlns:p="http://schemas.openxmlformats.org/presentationml/2006/main">
+  <p:cSld>
+    <p:spTree>
+      <p:nvGrpSpPr>
+        <p:cNvPr id="1" name=""/>
+        <p:cNvGrpSpPr/>
+        <p:nvPr/>
+      </p:nvGrpSpPr>
+      <p:grpSpPr>
+        <a:xfrm>
+          <a:off x="0" y="0"/>
+          <a:ext cx="0" cy="0"/>
+          <a:chOff x="0" y="0"/>
+          <a:chExt cx="0" cy="0"/>
+        </a:xfrm>
+      </p:grpSpPr>
+      <p:sp>
+        <p:nvSpPr>
           <p:cNvPr id="2" name="Elipse 1">
             <a:extLst>
               <a:ext uri="{FF2B5EF4-FFF2-40B4-BE49-F238E27FC236}">
@@ -10133,8 +11660,8 @@
           </a:fontRef>
         </p:style>
       </p:cxnSp>
-      <mc:AlternateContent xmlns:mc="http://schemas.openxmlformats.org/markup-compatibility/2006">
-        <mc:Choice xmlns:a14="http://schemas.microsoft.com/office/drawing/2010/main" Requires="a14">
+      <mc:AlternateContent xmlns:mc="http://schemas.openxmlformats.org/markup-compatibility/2006" xmlns:a14="http://schemas.microsoft.com/office/drawing/2010/main">
+        <mc:Choice Requires="a14">
           <p:sp>
             <p:nvSpPr>
               <p:cNvPr id="14" name="CaixaDeTexto 13">
@@ -10201,7 +11728,7 @@
             </p:txBody>
           </p:sp>
         </mc:Choice>
-        <mc:Fallback>
+        <mc:Fallback xmlns="">
           <p:sp>
             <p:nvSpPr>
               <p:cNvPr id="14" name="CaixaDeTexto 13">
@@ -10295,8 +11822,8 @@
           </a:p>
         </p:txBody>
       </p:sp>
-      <mc:AlternateContent xmlns:mc="http://schemas.openxmlformats.org/markup-compatibility/2006">
-        <mc:Choice xmlns:a14="http://schemas.microsoft.com/office/drawing/2010/main" Requires="a14">
+      <mc:AlternateContent xmlns:mc="http://schemas.openxmlformats.org/markup-compatibility/2006" xmlns:a14="http://schemas.microsoft.com/office/drawing/2010/main">
+        <mc:Choice Requires="a14">
           <p:sp>
             <p:nvSpPr>
               <p:cNvPr id="15" name="CaixaDeTexto 14">
@@ -10371,7 +11898,7 @@
             </p:txBody>
           </p:sp>
         </mc:Choice>
-        <mc:Fallback>
+        <mc:Fallback xmlns="">
           <p:sp>
             <p:nvSpPr>
               <p:cNvPr id="15" name="CaixaDeTexto 14">
@@ -10556,8 +12083,8 @@
           </a:fontRef>
         </p:style>
       </p:cxnSp>
-      <mc:AlternateContent xmlns:mc="http://schemas.openxmlformats.org/markup-compatibility/2006">
-        <mc:Choice xmlns:a14="http://schemas.microsoft.com/office/drawing/2010/main" Requires="a14">
+      <mc:AlternateContent xmlns:mc="http://schemas.openxmlformats.org/markup-compatibility/2006" xmlns:a14="http://schemas.microsoft.com/office/drawing/2010/main">
+        <mc:Choice Requires="a14">
           <p:sp>
             <p:nvSpPr>
               <p:cNvPr id="27" name="CaixaDeTexto 26">
@@ -10632,7 +12159,7 @@
             </p:txBody>
           </p:sp>
         </mc:Choice>
-        <mc:Fallback>
+        <mc:Fallback xmlns="">
           <p:sp>
             <p:nvSpPr>
               <p:cNvPr id="27" name="CaixaDeTexto 26">
@@ -10677,8 +12204,8 @@
           </p:sp>
         </mc:Fallback>
       </mc:AlternateContent>
-      <mc:AlternateContent xmlns:mc="http://schemas.openxmlformats.org/markup-compatibility/2006">
-        <mc:Choice xmlns:a14="http://schemas.microsoft.com/office/drawing/2010/main" Requires="a14">
+      <mc:AlternateContent xmlns:mc="http://schemas.openxmlformats.org/markup-compatibility/2006" xmlns:a14="http://schemas.microsoft.com/office/drawing/2010/main">
+        <mc:Choice Requires="a14">
           <p:sp>
             <p:nvSpPr>
               <p:cNvPr id="29" name="CaixaDeTexto 28">
@@ -10753,7 +12280,7 @@
             </p:txBody>
           </p:sp>
         </mc:Choice>
-        <mc:Fallback>
+        <mc:Fallback xmlns="">
           <p:sp>
             <p:nvSpPr>
               <p:cNvPr id="29" name="CaixaDeTexto 28">
@@ -10798,8 +12325,8 @@
           </p:sp>
         </mc:Fallback>
       </mc:AlternateContent>
-      <mc:AlternateContent xmlns:mc="http://schemas.openxmlformats.org/markup-compatibility/2006">
-        <mc:Choice xmlns:a14="http://schemas.microsoft.com/office/drawing/2010/main" Requires="a14">
+      <mc:AlternateContent xmlns:mc="http://schemas.openxmlformats.org/markup-compatibility/2006" xmlns:a14="http://schemas.microsoft.com/office/drawing/2010/main">
+        <mc:Choice Requires="a14">
           <p:sp>
             <p:nvSpPr>
               <p:cNvPr id="30" name="CaixaDeTexto 29">
@@ -10874,7 +12401,7 @@
             </p:txBody>
           </p:sp>
         </mc:Choice>
-        <mc:Fallback>
+        <mc:Fallback xmlns="">
           <p:sp>
             <p:nvSpPr>
               <p:cNvPr id="30" name="CaixaDeTexto 29">

--- a/i/Modelos.pptx
+++ b/i/Modelos.pptx
@@ -9,6 +9,7 @@
     <p:sldId id="261" r:id="rId3"/>
     <p:sldId id="262" r:id="rId4"/>
     <p:sldId id="260" r:id="rId5"/>
+    <p:sldId id="263" r:id="rId6"/>
   </p:sldIdLst>
   <p:sldSz cx="12192000" cy="6858000"/>
   <p:notesSz cx="6858000" cy="9144000"/>
@@ -262,7 +263,7 @@
           <a:p>
             <a:fld id="{BD21E0E1-A2C5-48C6-9105-6CF53D1FF6D2}" type="datetimeFigureOut">
               <a:rPr lang="pt-BR" smtClean="0"/>
-              <a:t>02/11/2019</a:t>
+              <a:t>10/11/2019</a:t>
             </a:fld>
             <a:endParaRPr lang="pt-BR"/>
           </a:p>
@@ -460,7 +461,7 @@
           <a:p>
             <a:fld id="{BD21E0E1-A2C5-48C6-9105-6CF53D1FF6D2}" type="datetimeFigureOut">
               <a:rPr lang="pt-BR" smtClean="0"/>
-              <a:t>02/11/2019</a:t>
+              <a:t>10/11/2019</a:t>
             </a:fld>
             <a:endParaRPr lang="pt-BR"/>
           </a:p>
@@ -668,7 +669,7 @@
           <a:p>
             <a:fld id="{BD21E0E1-A2C5-48C6-9105-6CF53D1FF6D2}" type="datetimeFigureOut">
               <a:rPr lang="pt-BR" smtClean="0"/>
-              <a:t>02/11/2019</a:t>
+              <a:t>10/11/2019</a:t>
             </a:fld>
             <a:endParaRPr lang="pt-BR"/>
           </a:p>
@@ -866,7 +867,7 @@
           <a:p>
             <a:fld id="{BD21E0E1-A2C5-48C6-9105-6CF53D1FF6D2}" type="datetimeFigureOut">
               <a:rPr lang="pt-BR" smtClean="0"/>
-              <a:t>02/11/2019</a:t>
+              <a:t>10/11/2019</a:t>
             </a:fld>
             <a:endParaRPr lang="pt-BR"/>
           </a:p>
@@ -1141,7 +1142,7 @@
           <a:p>
             <a:fld id="{BD21E0E1-A2C5-48C6-9105-6CF53D1FF6D2}" type="datetimeFigureOut">
               <a:rPr lang="pt-BR" smtClean="0"/>
-              <a:t>02/11/2019</a:t>
+              <a:t>10/11/2019</a:t>
             </a:fld>
             <a:endParaRPr lang="pt-BR"/>
           </a:p>
@@ -1406,7 +1407,7 @@
           <a:p>
             <a:fld id="{BD21E0E1-A2C5-48C6-9105-6CF53D1FF6D2}" type="datetimeFigureOut">
               <a:rPr lang="pt-BR" smtClean="0"/>
-              <a:t>02/11/2019</a:t>
+              <a:t>10/11/2019</a:t>
             </a:fld>
             <a:endParaRPr lang="pt-BR"/>
           </a:p>
@@ -1818,7 +1819,7 @@
           <a:p>
             <a:fld id="{BD21E0E1-A2C5-48C6-9105-6CF53D1FF6D2}" type="datetimeFigureOut">
               <a:rPr lang="pt-BR" smtClean="0"/>
-              <a:t>02/11/2019</a:t>
+              <a:t>10/11/2019</a:t>
             </a:fld>
             <a:endParaRPr lang="pt-BR"/>
           </a:p>
@@ -1959,7 +1960,7 @@
           <a:p>
             <a:fld id="{BD21E0E1-A2C5-48C6-9105-6CF53D1FF6D2}" type="datetimeFigureOut">
               <a:rPr lang="pt-BR" smtClean="0"/>
-              <a:t>02/11/2019</a:t>
+              <a:t>10/11/2019</a:t>
             </a:fld>
             <a:endParaRPr lang="pt-BR"/>
           </a:p>
@@ -2072,7 +2073,7 @@
           <a:p>
             <a:fld id="{BD21E0E1-A2C5-48C6-9105-6CF53D1FF6D2}" type="datetimeFigureOut">
               <a:rPr lang="pt-BR" smtClean="0"/>
-              <a:t>02/11/2019</a:t>
+              <a:t>10/11/2019</a:t>
             </a:fld>
             <a:endParaRPr lang="pt-BR"/>
           </a:p>
@@ -2383,7 +2384,7 @@
           <a:p>
             <a:fld id="{BD21E0E1-A2C5-48C6-9105-6CF53D1FF6D2}" type="datetimeFigureOut">
               <a:rPr lang="pt-BR" smtClean="0"/>
-              <a:t>02/11/2019</a:t>
+              <a:t>10/11/2019</a:t>
             </a:fld>
             <a:endParaRPr lang="pt-BR"/>
           </a:p>
@@ -2671,7 +2672,7 @@
           <a:p>
             <a:fld id="{BD21E0E1-A2C5-48C6-9105-6CF53D1FF6D2}" type="datetimeFigureOut">
               <a:rPr lang="pt-BR" smtClean="0"/>
-              <a:t>02/11/2019</a:t>
+              <a:t>10/11/2019</a:t>
             </a:fld>
             <a:endParaRPr lang="pt-BR"/>
           </a:p>
@@ -2912,7 +2913,7 @@
           <a:p>
             <a:fld id="{BD21E0E1-A2C5-48C6-9105-6CF53D1FF6D2}" type="datetimeFigureOut">
               <a:rPr lang="pt-BR" smtClean="0"/>
-              <a:t>02/11/2019</a:t>
+              <a:t>10/11/2019</a:t>
             </a:fld>
             <a:endParaRPr lang="pt-BR"/>
           </a:p>
@@ -9866,8 +9867,8 @@
           </a:fontRef>
         </p:style>
       </p:cxnSp>
-      <mc:AlternateContent xmlns:mc="http://schemas.openxmlformats.org/markup-compatibility/2006">
-        <mc:Choice xmlns:a14="http://schemas.microsoft.com/office/drawing/2010/main" Requires="a14">
+      <mc:AlternateContent xmlns:mc="http://schemas.openxmlformats.org/markup-compatibility/2006" xmlns:a14="http://schemas.microsoft.com/office/drawing/2010/main">
+        <mc:Choice Requires="a14">
           <p:sp>
             <p:nvSpPr>
               <p:cNvPr id="95" name="CaixaDeTexto 94">
@@ -9955,7 +9956,7 @@
             </p:txBody>
           </p:sp>
         </mc:Choice>
-        <mc:Fallback>
+        <mc:Fallback xmlns="">
           <p:sp>
             <p:nvSpPr>
               <p:cNvPr id="95" name="CaixaDeTexto 94">
@@ -10310,8 +10311,8 @@
           </p:sp>
         </mc:Fallback>
       </mc:AlternateContent>
-      <mc:AlternateContent xmlns:mc="http://schemas.openxmlformats.org/markup-compatibility/2006">
-        <mc:Choice xmlns:a14="http://schemas.microsoft.com/office/drawing/2010/main" Requires="a14">
+      <mc:AlternateContent xmlns:mc="http://schemas.openxmlformats.org/markup-compatibility/2006" xmlns:a14="http://schemas.microsoft.com/office/drawing/2010/main">
+        <mc:Choice Requires="a14">
           <p:sp>
             <p:nvSpPr>
               <p:cNvPr id="57" name="CaixaDeTexto 56">
@@ -10399,7 +10400,7 @@
             </p:txBody>
           </p:sp>
         </mc:Choice>
-        <mc:Fallback>
+        <mc:Fallback xmlns="">
           <p:sp>
             <p:nvSpPr>
               <p:cNvPr id="57" name="CaixaDeTexto 56">
@@ -10810,8 +10811,8 @@
           </a:fontRef>
         </p:style>
       </p:cxnSp>
-      <mc:AlternateContent xmlns:mc="http://schemas.openxmlformats.org/markup-compatibility/2006">
-        <mc:Choice xmlns:a14="http://schemas.microsoft.com/office/drawing/2010/main" Requires="a14">
+      <mc:AlternateContent xmlns:mc="http://schemas.openxmlformats.org/markup-compatibility/2006" xmlns:a14="http://schemas.microsoft.com/office/drawing/2010/main">
+        <mc:Choice Requires="a14">
           <p:sp>
             <p:nvSpPr>
               <p:cNvPr id="59" name="CaixaDeTexto 58">
@@ -10906,7 +10907,7 @@
             </p:txBody>
           </p:sp>
         </mc:Choice>
-        <mc:Fallback>
+        <mc:Fallback xmlns="">
           <p:sp>
             <p:nvSpPr>
               <p:cNvPr id="59" name="CaixaDeTexto 58">
@@ -12459,6 +12460,6298 @@
 </p:sld>
 </file>
 
+<file path=ppt/slides/slide5.xml><?xml version="1.0" encoding="utf-8"?>
+<p:sld xmlns:a="http://schemas.openxmlformats.org/drawingml/2006/main" xmlns:r="http://schemas.openxmlformats.org/officeDocument/2006/relationships" xmlns:p="http://schemas.openxmlformats.org/presentationml/2006/main">
+  <p:cSld>
+    <p:spTree>
+      <p:nvGrpSpPr>
+        <p:cNvPr id="1" name=""/>
+        <p:cNvGrpSpPr/>
+        <p:nvPr/>
+      </p:nvGrpSpPr>
+      <p:grpSpPr>
+        <a:xfrm>
+          <a:off x="0" y="0"/>
+          <a:ext cx="0" cy="0"/>
+          <a:chOff x="0" y="0"/>
+          <a:chExt cx="0" cy="0"/>
+        </a:xfrm>
+      </p:grpSpPr>
+      <p:sp>
+        <p:nvSpPr>
+          <p:cNvPr id="18" name="Elipse 17">
+            <a:extLst>
+              <a:ext uri="{FF2B5EF4-FFF2-40B4-BE49-F238E27FC236}">
+                <a16:creationId xmlns:a16="http://schemas.microsoft.com/office/drawing/2014/main" id="{3930E931-F8FF-4FB5-BB2D-A3F6127BBDD0}"/>
+              </a:ext>
+            </a:extLst>
+          </p:cNvPr>
+          <p:cNvSpPr/>
+          <p:nvPr/>
+        </p:nvSpPr>
+        <p:spPr>
+          <a:xfrm>
+            <a:off x="1373289" y="4048447"/>
+            <a:ext cx="360000" cy="360000"/>
+          </a:xfrm>
+          <a:prstGeom prst="ellipse">
+            <a:avLst/>
+          </a:prstGeom>
+          <a:ln w="19050"/>
+        </p:spPr>
+        <p:style>
+          <a:lnRef idx="2">
+            <a:schemeClr val="dk1"/>
+          </a:lnRef>
+          <a:fillRef idx="1">
+            <a:schemeClr val="lt1"/>
+          </a:fillRef>
+          <a:effectRef idx="0">
+            <a:schemeClr val="dk1"/>
+          </a:effectRef>
+          <a:fontRef idx="minor">
+            <a:schemeClr val="dk1"/>
+          </a:fontRef>
+        </p:style>
+        <p:txBody>
+          <a:bodyPr rtlCol="0" anchor="ctr"/>
+          <a:lstStyle/>
+          <a:p>
+            <a:pPr algn="ctr"/>
+            <a:endParaRPr lang="pt-BR"/>
+          </a:p>
+        </p:txBody>
+      </p:sp>
+      <mc:AlternateContent xmlns:mc="http://schemas.openxmlformats.org/markup-compatibility/2006">
+        <mc:Choice xmlns:a14="http://schemas.microsoft.com/office/drawing/2010/main" Requires="a14">
+          <p:sp>
+            <p:nvSpPr>
+              <p:cNvPr id="19" name="Elipse 18">
+                <a:extLst>
+                  <a:ext uri="{FF2B5EF4-FFF2-40B4-BE49-F238E27FC236}">
+                    <a16:creationId xmlns:a16="http://schemas.microsoft.com/office/drawing/2014/main" id="{EC3F9F27-B1A0-4B0D-8BA0-527CF054F85B}"/>
+                  </a:ext>
+                </a:extLst>
+              </p:cNvPr>
+              <p:cNvSpPr/>
+              <p:nvPr/>
+            </p:nvSpPr>
+            <p:spPr>
+              <a:xfrm>
+                <a:off x="2094315" y="4063391"/>
+                <a:ext cx="360000" cy="360000"/>
+              </a:xfrm>
+              <a:prstGeom prst="ellipse">
+                <a:avLst/>
+              </a:prstGeom>
+              <a:ln w="19050"/>
+            </p:spPr>
+            <p:style>
+              <a:lnRef idx="1">
+                <a:schemeClr val="dk1"/>
+              </a:lnRef>
+              <a:fillRef idx="2">
+                <a:schemeClr val="dk1"/>
+              </a:fillRef>
+              <a:effectRef idx="1">
+                <a:schemeClr val="dk1"/>
+              </a:effectRef>
+              <a:fontRef idx="minor">
+                <a:schemeClr val="dk1"/>
+              </a:fontRef>
+            </p:style>
+            <p:txBody>
+              <a:bodyPr rtlCol="0" anchor="ctr"/>
+              <a:lstStyle/>
+              <a:p>
+                <a:pPr algn="ctr"/>
+                <a14:m>
+                  <m:oMathPara xmlns:m="http://schemas.openxmlformats.org/officeDocument/2006/math">
+                    <m:oMathParaPr>
+                      <m:jc m:val="center"/>
+                    </m:oMathParaPr>
+                    <m:oMath xmlns:m="http://schemas.openxmlformats.org/officeDocument/2006/math">
+                      <m:r>
+                        <m:rPr>
+                          <m:sty m:val="p"/>
+                        </m:rPr>
+                        <a:rPr lang="pt-BR" sz="1000" i="0" dirty="0">
+                          <a:solidFill>
+                            <a:schemeClr val="bg1"/>
+                          </a:solidFill>
+                          <a:latin typeface="Cambria Math" panose="02040503050406030204" pitchFamily="18" charset="0"/>
+                          <a:ea typeface="Cambria Math" panose="02040503050406030204" pitchFamily="18" charset="0"/>
+                        </a:rPr>
+                        <m:t>SG</m:t>
+                      </m:r>
+                    </m:oMath>
+                  </m:oMathPara>
+                </a14:m>
+                <a:endParaRPr lang="pt-BR" sz="1000" dirty="0"/>
+              </a:p>
+            </p:txBody>
+          </p:sp>
+        </mc:Choice>
+        <mc:Fallback>
+          <p:sp>
+            <p:nvSpPr>
+              <p:cNvPr id="19" name="Elipse 18">
+                <a:extLst>
+                  <a:ext uri="{FF2B5EF4-FFF2-40B4-BE49-F238E27FC236}">
+                    <a16:creationId xmlns:a16="http://schemas.microsoft.com/office/drawing/2014/main" id="{EC3F9F27-B1A0-4B0D-8BA0-527CF054F85B}"/>
+                  </a:ext>
+                </a:extLst>
+              </p:cNvPr>
+              <p:cNvSpPr>
+                <a:spLocks noRot="1" noChangeAspect="1" noMove="1" noResize="1" noEditPoints="1" noAdjustHandles="1" noChangeArrowheads="1" noChangeShapeType="1" noTextEdit="1"/>
+              </p:cNvSpPr>
+              <p:nvPr/>
+            </p:nvSpPr>
+            <p:spPr>
+              <a:xfrm>
+                <a:off x="2094315" y="4063391"/>
+                <a:ext cx="360000" cy="360000"/>
+              </a:xfrm>
+              <a:prstGeom prst="ellipse">
+                <a:avLst/>
+              </a:prstGeom>
+              <a:blipFill>
+                <a:blip r:embed="rId2"/>
+                <a:stretch>
+                  <a:fillRect/>
+                </a:stretch>
+              </a:blipFill>
+              <a:ln w="19050"/>
+            </p:spPr>
+            <p:txBody>
+              <a:bodyPr/>
+              <a:lstStyle/>
+              <a:p>
+                <a:r>
+                  <a:rPr lang="pt-BR">
+                    <a:noFill/>
+                  </a:rPr>
+                  <a:t> </a:t>
+                </a:r>
+              </a:p>
+            </p:txBody>
+          </p:sp>
+        </mc:Fallback>
+      </mc:AlternateContent>
+      <p:sp>
+        <p:nvSpPr>
+          <p:cNvPr id="22" name="Elipse 21">
+            <a:extLst>
+              <a:ext uri="{FF2B5EF4-FFF2-40B4-BE49-F238E27FC236}">
+                <a16:creationId xmlns:a16="http://schemas.microsoft.com/office/drawing/2014/main" id="{2E26E1BB-B5AD-45B2-B01D-4E59035F8441}"/>
+              </a:ext>
+            </a:extLst>
+          </p:cNvPr>
+          <p:cNvSpPr/>
+          <p:nvPr/>
+        </p:nvSpPr>
+        <p:spPr>
+          <a:xfrm>
+            <a:off x="2808798" y="4063391"/>
+            <a:ext cx="360000" cy="360000"/>
+          </a:xfrm>
+          <a:prstGeom prst="ellipse">
+            <a:avLst/>
+          </a:prstGeom>
+          <a:ln w="19050"/>
+        </p:spPr>
+        <p:style>
+          <a:lnRef idx="2">
+            <a:schemeClr val="dk1"/>
+          </a:lnRef>
+          <a:fillRef idx="1">
+            <a:schemeClr val="lt1"/>
+          </a:fillRef>
+          <a:effectRef idx="0">
+            <a:schemeClr val="dk1"/>
+          </a:effectRef>
+          <a:fontRef idx="minor">
+            <a:schemeClr val="dk1"/>
+          </a:fontRef>
+        </p:style>
+        <p:txBody>
+          <a:bodyPr rtlCol="0" anchor="ctr"/>
+          <a:lstStyle/>
+          <a:p>
+            <a:pPr algn="ctr"/>
+            <a:endParaRPr lang="pt-BR"/>
+          </a:p>
+        </p:txBody>
+      </p:sp>
+      <p:cxnSp>
+        <p:nvCxnSpPr>
+          <p:cNvPr id="28" name="Conector reto 27">
+            <a:extLst>
+              <a:ext uri="{FF2B5EF4-FFF2-40B4-BE49-F238E27FC236}">
+                <a16:creationId xmlns:a16="http://schemas.microsoft.com/office/drawing/2014/main" id="{FF0B5FC9-F94C-46B7-A436-B55A397C5335}"/>
+              </a:ext>
+            </a:extLst>
+          </p:cNvPr>
+          <p:cNvCxnSpPr>
+            <a:cxnSpLocks/>
+            <a:endCxn id="18" idx="6"/>
+          </p:cNvCxnSpPr>
+          <p:nvPr/>
+        </p:nvCxnSpPr>
+        <p:spPr>
+          <a:xfrm>
+            <a:off x="1733289" y="2780821"/>
+            <a:ext cx="0" cy="1447626"/>
+          </a:xfrm>
+          <a:prstGeom prst="line">
+            <a:avLst/>
+          </a:prstGeom>
+          <a:ln>
+            <a:headEnd type="none"/>
+          </a:ln>
+        </p:spPr>
+        <p:style>
+          <a:lnRef idx="3">
+            <a:schemeClr val="dk1"/>
+          </a:lnRef>
+          <a:fillRef idx="0">
+            <a:schemeClr val="dk1"/>
+          </a:fillRef>
+          <a:effectRef idx="2">
+            <a:schemeClr val="dk1"/>
+          </a:effectRef>
+          <a:fontRef idx="minor">
+            <a:schemeClr val="tx1"/>
+          </a:fontRef>
+        </p:style>
+      </p:cxnSp>
+      <p:cxnSp>
+        <p:nvCxnSpPr>
+          <p:cNvPr id="32" name="Conector reto 31">
+            <a:extLst>
+              <a:ext uri="{FF2B5EF4-FFF2-40B4-BE49-F238E27FC236}">
+                <a16:creationId xmlns:a16="http://schemas.microsoft.com/office/drawing/2014/main" id="{9EBCC2EA-1D45-47DB-877A-E05F91AED2E2}"/>
+              </a:ext>
+            </a:extLst>
+          </p:cNvPr>
+          <p:cNvCxnSpPr>
+            <a:cxnSpLocks/>
+            <a:stCxn id="2" idx="6"/>
+            <a:endCxn id="19" idx="2"/>
+          </p:cNvCxnSpPr>
+          <p:nvPr/>
+        </p:nvCxnSpPr>
+        <p:spPr>
+          <a:xfrm flipH="1">
+            <a:off x="2094315" y="2789283"/>
+            <a:ext cx="2" cy="1454108"/>
+          </a:xfrm>
+          <a:prstGeom prst="line">
+            <a:avLst/>
+          </a:prstGeom>
+        </p:spPr>
+        <p:style>
+          <a:lnRef idx="3">
+            <a:schemeClr val="dk1"/>
+          </a:lnRef>
+          <a:fillRef idx="0">
+            <a:schemeClr val="dk1"/>
+          </a:fillRef>
+          <a:effectRef idx="2">
+            <a:schemeClr val="dk1"/>
+          </a:effectRef>
+          <a:fontRef idx="minor">
+            <a:schemeClr val="tx1"/>
+          </a:fontRef>
+        </p:style>
+      </p:cxnSp>
+      <p:cxnSp>
+        <p:nvCxnSpPr>
+          <p:cNvPr id="37" name="Conector reto 36">
+            <a:extLst>
+              <a:ext uri="{FF2B5EF4-FFF2-40B4-BE49-F238E27FC236}">
+                <a16:creationId xmlns:a16="http://schemas.microsoft.com/office/drawing/2014/main" id="{23750380-3435-4D73-BB2E-9D16BB6D096D}"/>
+              </a:ext>
+            </a:extLst>
+          </p:cNvPr>
+          <p:cNvCxnSpPr>
+            <a:cxnSpLocks/>
+            <a:stCxn id="21" idx="2"/>
+            <a:endCxn id="19" idx="6"/>
+          </p:cNvCxnSpPr>
+          <p:nvPr/>
+        </p:nvCxnSpPr>
+        <p:spPr>
+          <a:xfrm>
+            <a:off x="2450763" y="2789283"/>
+            <a:ext cx="3552" cy="1454108"/>
+          </a:xfrm>
+          <a:prstGeom prst="line">
+            <a:avLst/>
+          </a:prstGeom>
+        </p:spPr>
+        <p:style>
+          <a:lnRef idx="3">
+            <a:schemeClr val="dk1"/>
+          </a:lnRef>
+          <a:fillRef idx="0">
+            <a:schemeClr val="dk1"/>
+          </a:fillRef>
+          <a:effectRef idx="2">
+            <a:schemeClr val="dk1"/>
+          </a:effectRef>
+          <a:fontRef idx="minor">
+            <a:schemeClr val="tx1"/>
+          </a:fontRef>
+        </p:style>
+      </p:cxnSp>
+      <p:cxnSp>
+        <p:nvCxnSpPr>
+          <p:cNvPr id="39" name="Conector reto 38">
+            <a:extLst>
+              <a:ext uri="{FF2B5EF4-FFF2-40B4-BE49-F238E27FC236}">
+                <a16:creationId xmlns:a16="http://schemas.microsoft.com/office/drawing/2014/main" id="{165D9810-C214-427F-BE44-8F01378E9938}"/>
+              </a:ext>
+            </a:extLst>
+          </p:cNvPr>
+          <p:cNvCxnSpPr>
+            <a:cxnSpLocks/>
+            <a:stCxn id="21" idx="6"/>
+            <a:endCxn id="22" idx="2"/>
+          </p:cNvCxnSpPr>
+          <p:nvPr/>
+        </p:nvCxnSpPr>
+        <p:spPr>
+          <a:xfrm flipH="1">
+            <a:off x="2808798" y="2789283"/>
+            <a:ext cx="1965" cy="1454108"/>
+          </a:xfrm>
+          <a:prstGeom prst="line">
+            <a:avLst/>
+          </a:prstGeom>
+        </p:spPr>
+        <p:style>
+          <a:lnRef idx="3">
+            <a:schemeClr val="dk1"/>
+          </a:lnRef>
+          <a:fillRef idx="0">
+            <a:schemeClr val="dk1"/>
+          </a:fillRef>
+          <a:effectRef idx="2">
+            <a:schemeClr val="dk1"/>
+          </a:effectRef>
+          <a:fontRef idx="minor">
+            <a:schemeClr val="tx1"/>
+          </a:fontRef>
+        </p:style>
+      </p:cxnSp>
+      <p:cxnSp>
+        <p:nvCxnSpPr>
+          <p:cNvPr id="41" name="Conector reto 40">
+            <a:extLst>
+              <a:ext uri="{FF2B5EF4-FFF2-40B4-BE49-F238E27FC236}">
+                <a16:creationId xmlns:a16="http://schemas.microsoft.com/office/drawing/2014/main" id="{897020E8-94B4-431E-A589-28FA461CD1C8}"/>
+              </a:ext>
+            </a:extLst>
+          </p:cNvPr>
+          <p:cNvCxnSpPr>
+            <a:cxnSpLocks/>
+            <a:endCxn id="22" idx="4"/>
+          </p:cNvCxnSpPr>
+          <p:nvPr/>
+        </p:nvCxnSpPr>
+        <p:spPr>
+          <a:xfrm flipH="1" flipV="1">
+            <a:off x="2988798" y="4423391"/>
+            <a:ext cx="974982" cy="0"/>
+          </a:xfrm>
+          <a:prstGeom prst="line">
+            <a:avLst/>
+          </a:prstGeom>
+          <a:ln>
+            <a:headEnd type="triangle"/>
+          </a:ln>
+        </p:spPr>
+        <p:style>
+          <a:lnRef idx="3">
+            <a:schemeClr val="dk1"/>
+          </a:lnRef>
+          <a:fillRef idx="0">
+            <a:schemeClr val="dk1"/>
+          </a:fillRef>
+          <a:effectRef idx="2">
+            <a:schemeClr val="dk1"/>
+          </a:effectRef>
+          <a:fontRef idx="minor">
+            <a:schemeClr val="tx1"/>
+          </a:fontRef>
+        </p:style>
+      </p:cxnSp>
+      <p:cxnSp>
+        <p:nvCxnSpPr>
+          <p:cNvPr id="42" name="Conector reto 41">
+            <a:extLst>
+              <a:ext uri="{FF2B5EF4-FFF2-40B4-BE49-F238E27FC236}">
+                <a16:creationId xmlns:a16="http://schemas.microsoft.com/office/drawing/2014/main" id="{D29E849B-C8A6-486E-9D32-A92DADDBBEA0}"/>
+              </a:ext>
+            </a:extLst>
+          </p:cNvPr>
+          <p:cNvCxnSpPr>
+            <a:cxnSpLocks/>
+          </p:cNvCxnSpPr>
+          <p:nvPr/>
+        </p:nvCxnSpPr>
+        <p:spPr>
+          <a:xfrm>
+            <a:off x="673678" y="4408447"/>
+            <a:ext cx="860400" cy="0"/>
+          </a:xfrm>
+          <a:prstGeom prst="line">
+            <a:avLst/>
+          </a:prstGeom>
+          <a:ln>
+            <a:headEnd type="triangle" w="med" len="med"/>
+            <a:tailEnd type="none" w="med" len="med"/>
+          </a:ln>
+        </p:spPr>
+        <p:style>
+          <a:lnRef idx="3">
+            <a:schemeClr val="dk1"/>
+          </a:lnRef>
+          <a:fillRef idx="0">
+            <a:schemeClr val="dk1"/>
+          </a:fillRef>
+          <a:effectRef idx="2">
+            <a:schemeClr val="dk1"/>
+          </a:effectRef>
+          <a:fontRef idx="minor">
+            <a:schemeClr val="tx1"/>
+          </a:fontRef>
+        </p:style>
+      </p:cxnSp>
+      <mc:AlternateContent xmlns:mc="http://schemas.openxmlformats.org/markup-compatibility/2006">
+        <mc:Choice xmlns:a14="http://schemas.microsoft.com/office/drawing/2010/main" Requires="a14">
+          <p:sp>
+            <p:nvSpPr>
+              <p:cNvPr id="56" name="CaixaDeTexto 55">
+                <a:extLst>
+                  <a:ext uri="{FF2B5EF4-FFF2-40B4-BE49-F238E27FC236}">
+                    <a16:creationId xmlns:a16="http://schemas.microsoft.com/office/drawing/2014/main" id="{DE4EF16F-0DE5-4439-82F3-5A7BEBC3DE0E}"/>
+                  </a:ext>
+                </a:extLst>
+              </p:cNvPr>
+              <p:cNvSpPr txBox="1"/>
+              <p:nvPr/>
+            </p:nvSpPr>
+            <p:spPr>
+              <a:xfrm>
+                <a:off x="3770187" y="4268426"/>
+                <a:ext cx="577419" cy="264881"/>
+              </a:xfrm>
+              <a:prstGeom prst="rect">
+                <a:avLst/>
+              </a:prstGeom>
+              <a:noFill/>
+            </p:spPr>
+            <p:txBody>
+              <a:bodyPr wrap="square" rtlCol="0">
+                <a:spAutoFit/>
+              </a:bodyPr>
+              <a:lstStyle/>
+              <a:p>
+                <a:pPr algn="ctr"/>
+                <a14:m>
+                  <m:oMathPara xmlns:m="http://schemas.openxmlformats.org/officeDocument/2006/math">
+                    <m:oMathParaPr>
+                      <m:jc m:val="centerGroup"/>
+                    </m:oMathParaPr>
+                    <m:oMath xmlns:m="http://schemas.openxmlformats.org/officeDocument/2006/math">
+                      <m:sSub>
+                        <m:sSubPr>
+                          <m:ctrlPr>
+                            <a:rPr lang="pt-BR" sz="1000" i="1" smtClean="0">
+                              <a:latin typeface="Cambria Math" panose="02040503050406030204" pitchFamily="18" charset="0"/>
+                              <a:ea typeface="Cambria Math" panose="02040503050406030204" pitchFamily="18" charset="0"/>
+                            </a:rPr>
+                          </m:ctrlPr>
+                        </m:sSubPr>
+                        <m:e>
+                          <m:acc>
+                            <m:accPr>
+                              <m:chr m:val="⃗"/>
+                              <m:ctrlPr>
+                                <a:rPr lang="pt-BR" sz="1000" i="1" smtClean="0">
+                                  <a:latin typeface="Cambria Math" panose="02040503050406030204" pitchFamily="18" charset="0"/>
+                                  <a:ea typeface="Cambria Math" panose="02040503050406030204" pitchFamily="18" charset="0"/>
+                                </a:rPr>
+                              </m:ctrlPr>
+                            </m:accPr>
+                            <m:e>
+                              <m:r>
+                                <a:rPr lang="pt-BR" sz="1000" b="0" i="1" smtClean="0">
+                                  <a:latin typeface="Cambria Math" panose="02040503050406030204" pitchFamily="18" charset="0"/>
+                                  <a:ea typeface="Cambria Math" panose="02040503050406030204" pitchFamily="18" charset="0"/>
+                                </a:rPr>
+                                <m:t>𝑇</m:t>
+                              </m:r>
+                            </m:e>
+                          </m:acc>
+                        </m:e>
+                        <m:sub>
+                          <m:r>
+                            <a:rPr lang="pt-BR" sz="1000" b="0" i="1" smtClean="0">
+                              <a:latin typeface="Cambria Math" panose="02040503050406030204" pitchFamily="18" charset="0"/>
+                              <a:ea typeface="Cambria Math" panose="02040503050406030204" pitchFamily="18" charset="0"/>
+                            </a:rPr>
+                            <m:t>𝑜</m:t>
+                          </m:r>
+                        </m:sub>
+                      </m:sSub>
+                    </m:oMath>
+                  </m:oMathPara>
+                </a14:m>
+                <a:endParaRPr lang="pt-BR" sz="1000" i="1" dirty="0">
+                  <a:latin typeface="Cambria Math" panose="02040503050406030204" pitchFamily="18" charset="0"/>
+                  <a:ea typeface="Cambria Math" panose="02040503050406030204" pitchFamily="18" charset="0"/>
+                </a:endParaRPr>
+              </a:p>
+            </p:txBody>
+          </p:sp>
+        </mc:Choice>
+        <mc:Fallback>
+          <p:sp>
+            <p:nvSpPr>
+              <p:cNvPr id="56" name="CaixaDeTexto 55">
+                <a:extLst>
+                  <a:ext uri="{FF2B5EF4-FFF2-40B4-BE49-F238E27FC236}">
+                    <a16:creationId xmlns:a16="http://schemas.microsoft.com/office/drawing/2014/main" id="{DE4EF16F-0DE5-4439-82F3-5A7BEBC3DE0E}"/>
+                  </a:ext>
+                </a:extLst>
+              </p:cNvPr>
+              <p:cNvSpPr txBox="1">
+                <a:spLocks noRot="1" noChangeAspect="1" noMove="1" noResize="1" noEditPoints="1" noAdjustHandles="1" noChangeArrowheads="1" noChangeShapeType="1" noTextEdit="1"/>
+              </p:cNvSpPr>
+              <p:nvPr/>
+            </p:nvSpPr>
+            <p:spPr>
+              <a:xfrm>
+                <a:off x="3770187" y="4268426"/>
+                <a:ext cx="577419" cy="264881"/>
+              </a:xfrm>
+              <a:prstGeom prst="rect">
+                <a:avLst/>
+              </a:prstGeom>
+              <a:blipFill>
+                <a:blip r:embed="rId3"/>
+                <a:stretch>
+                  <a:fillRect/>
+                </a:stretch>
+              </a:blipFill>
+            </p:spPr>
+            <p:txBody>
+              <a:bodyPr/>
+              <a:lstStyle/>
+              <a:p>
+                <a:r>
+                  <a:rPr lang="pt-BR">
+                    <a:noFill/>
+                  </a:rPr>
+                  <a:t> </a:t>
+                </a:r>
+              </a:p>
+            </p:txBody>
+          </p:sp>
+        </mc:Fallback>
+      </mc:AlternateContent>
+      <mc:AlternateContent xmlns:mc="http://schemas.openxmlformats.org/markup-compatibility/2006">
+        <mc:Choice xmlns:a14="http://schemas.microsoft.com/office/drawing/2010/main" Requires="a14">
+          <p:sp>
+            <p:nvSpPr>
+              <p:cNvPr id="57" name="CaixaDeTexto 56">
+                <a:extLst>
+                  <a:ext uri="{FF2B5EF4-FFF2-40B4-BE49-F238E27FC236}">
+                    <a16:creationId xmlns:a16="http://schemas.microsoft.com/office/drawing/2014/main" id="{75B43D06-1195-4372-A085-DE20407AA23F}"/>
+                  </a:ext>
+                </a:extLst>
+              </p:cNvPr>
+              <p:cNvSpPr txBox="1"/>
+              <p:nvPr/>
+            </p:nvSpPr>
+            <p:spPr>
+              <a:xfrm>
+                <a:off x="327542" y="4241751"/>
+                <a:ext cx="577419" cy="264881"/>
+              </a:xfrm>
+              <a:prstGeom prst="rect">
+                <a:avLst/>
+              </a:prstGeom>
+              <a:noFill/>
+            </p:spPr>
+            <p:txBody>
+              <a:bodyPr wrap="square" rtlCol="0">
+                <a:spAutoFit/>
+              </a:bodyPr>
+              <a:lstStyle/>
+              <a:p>
+                <a:pPr algn="ctr"/>
+                <a14:m>
+                  <m:oMathPara xmlns:m="http://schemas.openxmlformats.org/officeDocument/2006/math">
+                    <m:oMathParaPr>
+                      <m:jc m:val="centerGroup"/>
+                    </m:oMathParaPr>
+                    <m:oMath xmlns:m="http://schemas.openxmlformats.org/officeDocument/2006/math">
+                      <m:sSub>
+                        <m:sSubPr>
+                          <m:ctrlPr>
+                            <a:rPr lang="pt-BR" sz="1000" i="1" smtClean="0">
+                              <a:latin typeface="Cambria Math" panose="02040503050406030204" pitchFamily="18" charset="0"/>
+                              <a:ea typeface="Cambria Math" panose="02040503050406030204" pitchFamily="18" charset="0"/>
+                            </a:rPr>
+                          </m:ctrlPr>
+                        </m:sSubPr>
+                        <m:e>
+                          <m:acc>
+                            <m:accPr>
+                              <m:chr m:val="⃗"/>
+                              <m:ctrlPr>
+                                <a:rPr lang="pt-BR" sz="1000" i="1" smtClean="0">
+                                  <a:latin typeface="Cambria Math" panose="02040503050406030204" pitchFamily="18" charset="0"/>
+                                  <a:ea typeface="Cambria Math" panose="02040503050406030204" pitchFamily="18" charset="0"/>
+                                </a:rPr>
+                              </m:ctrlPr>
+                            </m:accPr>
+                            <m:e>
+                              <m:r>
+                                <a:rPr lang="pt-BR" sz="1000" b="0" i="1" smtClean="0">
+                                  <a:latin typeface="Cambria Math" panose="02040503050406030204" pitchFamily="18" charset="0"/>
+                                  <a:ea typeface="Cambria Math" panose="02040503050406030204" pitchFamily="18" charset="0"/>
+                                </a:rPr>
+                                <m:t>𝑇</m:t>
+                              </m:r>
+                            </m:e>
+                          </m:acc>
+                        </m:e>
+                        <m:sub>
+                          <m:r>
+                            <a:rPr lang="pt-BR" sz="1000" b="0" i="1" smtClean="0">
+                              <a:latin typeface="Cambria Math" panose="02040503050406030204" pitchFamily="18" charset="0"/>
+                              <a:ea typeface="Cambria Math" panose="02040503050406030204" pitchFamily="18" charset="0"/>
+                            </a:rPr>
+                            <m:t>𝑖</m:t>
+                          </m:r>
+                        </m:sub>
+                      </m:sSub>
+                    </m:oMath>
+                  </m:oMathPara>
+                </a14:m>
+                <a:endParaRPr lang="pt-BR" sz="1000" i="1" dirty="0">
+                  <a:latin typeface="Cambria Math" panose="02040503050406030204" pitchFamily="18" charset="0"/>
+                  <a:ea typeface="Cambria Math" panose="02040503050406030204" pitchFamily="18" charset="0"/>
+                </a:endParaRPr>
+              </a:p>
+            </p:txBody>
+          </p:sp>
+        </mc:Choice>
+        <mc:Fallback>
+          <p:sp>
+            <p:nvSpPr>
+              <p:cNvPr id="57" name="CaixaDeTexto 56">
+                <a:extLst>
+                  <a:ext uri="{FF2B5EF4-FFF2-40B4-BE49-F238E27FC236}">
+                    <a16:creationId xmlns:a16="http://schemas.microsoft.com/office/drawing/2014/main" id="{75B43D06-1195-4372-A085-DE20407AA23F}"/>
+                  </a:ext>
+                </a:extLst>
+              </p:cNvPr>
+              <p:cNvSpPr txBox="1">
+                <a:spLocks noRot="1" noChangeAspect="1" noMove="1" noResize="1" noEditPoints="1" noAdjustHandles="1" noChangeArrowheads="1" noChangeShapeType="1" noTextEdit="1"/>
+              </p:cNvSpPr>
+              <p:nvPr/>
+            </p:nvSpPr>
+            <p:spPr>
+              <a:xfrm>
+                <a:off x="327542" y="4241751"/>
+                <a:ext cx="577419" cy="264881"/>
+              </a:xfrm>
+              <a:prstGeom prst="rect">
+                <a:avLst/>
+              </a:prstGeom>
+              <a:blipFill>
+                <a:blip r:embed="rId4"/>
+                <a:stretch>
+                  <a:fillRect/>
+                </a:stretch>
+              </a:blipFill>
+            </p:spPr>
+            <p:txBody>
+              <a:bodyPr/>
+              <a:lstStyle/>
+              <a:p>
+                <a:r>
+                  <a:rPr lang="pt-BR">
+                    <a:noFill/>
+                  </a:rPr>
+                  <a:t> </a:t>
+                </a:r>
+              </a:p>
+            </p:txBody>
+          </p:sp>
+        </mc:Fallback>
+      </mc:AlternateContent>
+      <p:sp>
+        <p:nvSpPr>
+          <p:cNvPr id="16" name="Retângulo 15">
+            <a:extLst>
+              <a:ext uri="{FF2B5EF4-FFF2-40B4-BE49-F238E27FC236}">
+                <a16:creationId xmlns:a16="http://schemas.microsoft.com/office/drawing/2014/main" id="{6E2A14EB-88D7-4AA6-AD1D-2B14EE989C21}"/>
+              </a:ext>
+            </a:extLst>
+          </p:cNvPr>
+          <p:cNvSpPr/>
+          <p:nvPr/>
+        </p:nvSpPr>
+        <p:spPr>
+          <a:xfrm>
+            <a:off x="1243012" y="2445305"/>
+            <a:ext cx="2055003" cy="344477"/>
+          </a:xfrm>
+          <a:prstGeom prst="rect">
+            <a:avLst/>
+          </a:prstGeom>
+          <a:noFill/>
+          <a:ln w="12700" cap="flat" cmpd="sng" algn="ctr">
+            <a:solidFill>
+              <a:schemeClr val="dk1"/>
+            </a:solidFill>
+            <a:prstDash val="solid"/>
+            <a:round/>
+            <a:headEnd type="none" w="med" len="med"/>
+            <a:tailEnd type="none" w="med" len="med"/>
+          </a:ln>
+        </p:spPr>
+        <p:style>
+          <a:lnRef idx="0">
+            <a:scrgbClr r="0" g="0" b="0"/>
+          </a:lnRef>
+          <a:fillRef idx="0">
+            <a:scrgbClr r="0" g="0" b="0"/>
+          </a:fillRef>
+          <a:effectRef idx="0">
+            <a:scrgbClr r="0" g="0" b="0"/>
+          </a:effectRef>
+          <a:fontRef idx="minor">
+            <a:schemeClr val="dk1"/>
+          </a:fontRef>
+        </p:style>
+        <p:txBody>
+          <a:bodyPr rtlCol="0" anchor="ctr"/>
+          <a:lstStyle/>
+          <a:p>
+            <a:pPr algn="ctr"/>
+            <a:endParaRPr lang="pt-BR"/>
+          </a:p>
+        </p:txBody>
+      </p:sp>
+      <p:sp>
+        <p:nvSpPr>
+          <p:cNvPr id="2" name="Elipse 1">
+            <a:extLst>
+              <a:ext uri="{FF2B5EF4-FFF2-40B4-BE49-F238E27FC236}">
+                <a16:creationId xmlns:a16="http://schemas.microsoft.com/office/drawing/2014/main" id="{D4774D1D-5F08-420E-8821-966BAB8C5A00}"/>
+              </a:ext>
+            </a:extLst>
+          </p:cNvPr>
+          <p:cNvSpPr/>
+          <p:nvPr/>
+        </p:nvSpPr>
+        <p:spPr>
+          <a:xfrm>
+            <a:off x="1734317" y="2609283"/>
+            <a:ext cx="360000" cy="360000"/>
+          </a:xfrm>
+          <a:prstGeom prst="ellipse">
+            <a:avLst/>
+          </a:prstGeom>
+          <a:solidFill>
+            <a:schemeClr val="bg1"/>
+          </a:solidFill>
+          <a:ln w="19050"/>
+        </p:spPr>
+        <p:style>
+          <a:lnRef idx="2">
+            <a:schemeClr val="dk1"/>
+          </a:lnRef>
+          <a:fillRef idx="1">
+            <a:schemeClr val="lt1"/>
+          </a:fillRef>
+          <a:effectRef idx="0">
+            <a:schemeClr val="dk1"/>
+          </a:effectRef>
+          <a:fontRef idx="minor">
+            <a:schemeClr val="dk1"/>
+          </a:fontRef>
+        </p:style>
+        <p:txBody>
+          <a:bodyPr rtlCol="0" anchor="ctr"/>
+          <a:lstStyle/>
+          <a:p>
+            <a:pPr algn="ctr"/>
+            <a:endParaRPr lang="pt-BR"/>
+          </a:p>
+        </p:txBody>
+      </p:sp>
+      <p:sp>
+        <p:nvSpPr>
+          <p:cNvPr id="21" name="Elipse 20">
+            <a:extLst>
+              <a:ext uri="{FF2B5EF4-FFF2-40B4-BE49-F238E27FC236}">
+                <a16:creationId xmlns:a16="http://schemas.microsoft.com/office/drawing/2014/main" id="{77ADFB40-E940-48F0-8D7B-5DB8494A3B2C}"/>
+              </a:ext>
+            </a:extLst>
+          </p:cNvPr>
+          <p:cNvSpPr/>
+          <p:nvPr/>
+        </p:nvSpPr>
+        <p:spPr>
+          <a:xfrm>
+            <a:off x="2450763" y="2609283"/>
+            <a:ext cx="360000" cy="360000"/>
+          </a:xfrm>
+          <a:prstGeom prst="ellipse">
+            <a:avLst/>
+          </a:prstGeom>
+          <a:solidFill>
+            <a:schemeClr val="bg1"/>
+          </a:solidFill>
+          <a:ln w="19050"/>
+        </p:spPr>
+        <p:style>
+          <a:lnRef idx="2">
+            <a:schemeClr val="dk1"/>
+          </a:lnRef>
+          <a:fillRef idx="1">
+            <a:schemeClr val="lt1"/>
+          </a:fillRef>
+          <a:effectRef idx="0">
+            <a:schemeClr val="dk1"/>
+          </a:effectRef>
+          <a:fontRef idx="minor">
+            <a:schemeClr val="dk1"/>
+          </a:fontRef>
+        </p:style>
+        <p:txBody>
+          <a:bodyPr rtlCol="0" anchor="ctr"/>
+          <a:lstStyle/>
+          <a:p>
+            <a:pPr algn="ctr"/>
+            <a:endParaRPr lang="pt-BR"/>
+          </a:p>
+        </p:txBody>
+      </p:sp>
+      <p:cxnSp>
+        <p:nvCxnSpPr>
+          <p:cNvPr id="61" name="Conector reto 60">
+            <a:extLst>
+              <a:ext uri="{FF2B5EF4-FFF2-40B4-BE49-F238E27FC236}">
+                <a16:creationId xmlns:a16="http://schemas.microsoft.com/office/drawing/2014/main" id="{E2176CCC-CC34-4D0C-BA4C-C3B6CECF8AD9}"/>
+              </a:ext>
+            </a:extLst>
+          </p:cNvPr>
+          <p:cNvCxnSpPr>
+            <a:cxnSpLocks/>
+            <a:endCxn id="16" idx="0"/>
+          </p:cNvCxnSpPr>
+          <p:nvPr/>
+        </p:nvCxnSpPr>
+        <p:spPr>
+          <a:xfrm flipH="1">
+            <a:off x="2270514" y="1996240"/>
+            <a:ext cx="2800" cy="449065"/>
+          </a:xfrm>
+          <a:prstGeom prst="line">
+            <a:avLst/>
+          </a:prstGeom>
+          <a:ln>
+            <a:headEnd type="none" w="med" len="med"/>
+            <a:tailEnd type="none" w="med" len="med"/>
+          </a:ln>
+        </p:spPr>
+        <p:style>
+          <a:lnRef idx="3">
+            <a:schemeClr val="dk1"/>
+          </a:lnRef>
+          <a:fillRef idx="0">
+            <a:schemeClr val="dk1"/>
+          </a:fillRef>
+          <a:effectRef idx="2">
+            <a:schemeClr val="dk1"/>
+          </a:effectRef>
+          <a:fontRef idx="minor">
+            <a:schemeClr val="tx1"/>
+          </a:fontRef>
+        </p:style>
+      </p:cxnSp>
+      <mc:AlternateContent xmlns:mc="http://schemas.openxmlformats.org/markup-compatibility/2006">
+        <mc:Choice xmlns:a14="http://schemas.microsoft.com/office/drawing/2010/main" Requires="a14">
+          <p:sp>
+            <p:nvSpPr>
+              <p:cNvPr id="72" name="CaixaDeTexto 71">
+                <a:extLst>
+                  <a:ext uri="{FF2B5EF4-FFF2-40B4-BE49-F238E27FC236}">
+                    <a16:creationId xmlns:a16="http://schemas.microsoft.com/office/drawing/2014/main" id="{338F8913-DA83-4C0D-80E4-AC342BC2BD92}"/>
+                  </a:ext>
+                </a:extLst>
+              </p:cNvPr>
+              <p:cNvSpPr txBox="1"/>
+              <p:nvPr/>
+            </p:nvSpPr>
+            <p:spPr>
+              <a:xfrm>
+                <a:off x="1789756" y="1465452"/>
+                <a:ext cx="577419" cy="246221"/>
+              </a:xfrm>
+              <a:prstGeom prst="rect">
+                <a:avLst/>
+              </a:prstGeom>
+              <a:noFill/>
+            </p:spPr>
+            <p:txBody>
+              <a:bodyPr wrap="square" rtlCol="0">
+                <a:spAutoFit/>
+              </a:bodyPr>
+              <a:lstStyle/>
+              <a:p>
+                <a:pPr algn="ctr"/>
+                <a14:m>
+                  <m:oMathPara xmlns:m="http://schemas.openxmlformats.org/officeDocument/2006/math">
+                    <m:oMathParaPr>
+                      <m:jc m:val="centerGroup"/>
+                    </m:oMathParaPr>
+                    <m:oMath xmlns:m="http://schemas.openxmlformats.org/officeDocument/2006/math">
+                      <m:sSub>
+                        <m:sSubPr>
+                          <m:ctrlPr>
+                            <a:rPr lang="pt-BR" sz="1000" i="1" smtClean="0">
+                              <a:latin typeface="Cambria Math" panose="02040503050406030204" pitchFamily="18" charset="0"/>
+                              <a:ea typeface="Cambria Math" panose="02040503050406030204" pitchFamily="18" charset="0"/>
+                            </a:rPr>
+                          </m:ctrlPr>
+                        </m:sSubPr>
+                        <m:e>
+                          <m:acc>
+                            <m:accPr>
+                              <m:chr m:val="⃗"/>
+                              <m:ctrlPr>
+                                <a:rPr lang="pt-BR" sz="1000" i="1" smtClean="0">
+                                  <a:latin typeface="Cambria Math" panose="02040503050406030204" pitchFamily="18" charset="0"/>
+                                  <a:ea typeface="Cambria Math" panose="02040503050406030204" pitchFamily="18" charset="0"/>
+                                </a:rPr>
+                              </m:ctrlPr>
+                            </m:accPr>
+                            <m:e>
+                              <m:r>
+                                <m:rPr>
+                                  <m:sty m:val="p"/>
+                                </m:rPr>
+                                <a:rPr lang="el-GR" sz="1000" b="0" i="1" smtClean="0">
+                                  <a:latin typeface="Cambria Math" panose="02040503050406030204" pitchFamily="18" charset="0"/>
+                                  <a:ea typeface="Cambria Math" panose="02040503050406030204" pitchFamily="18" charset="0"/>
+                                </a:rPr>
+                                <m:t>ω</m:t>
+                              </m:r>
+                            </m:e>
+                          </m:acc>
+                        </m:e>
+                        <m:sub>
+                          <m:r>
+                            <a:rPr lang="pt-BR" sz="1000" b="0" i="1" smtClean="0">
+                              <a:latin typeface="Cambria Math" panose="02040503050406030204" pitchFamily="18" charset="0"/>
+                              <a:ea typeface="Cambria Math" panose="02040503050406030204" pitchFamily="18" charset="0"/>
+                            </a:rPr>
+                            <m:t>𝑚</m:t>
+                          </m:r>
+                        </m:sub>
+                      </m:sSub>
+                    </m:oMath>
+                  </m:oMathPara>
+                </a14:m>
+                <a:endParaRPr lang="pt-BR" sz="1000" i="1" dirty="0">
+                  <a:latin typeface="Cambria Math" panose="02040503050406030204" pitchFamily="18" charset="0"/>
+                  <a:ea typeface="Cambria Math" panose="02040503050406030204" pitchFamily="18" charset="0"/>
+                </a:endParaRPr>
+              </a:p>
+            </p:txBody>
+          </p:sp>
+        </mc:Choice>
+        <mc:Fallback>
+          <p:sp>
+            <p:nvSpPr>
+              <p:cNvPr id="72" name="CaixaDeTexto 71">
+                <a:extLst>
+                  <a:ext uri="{FF2B5EF4-FFF2-40B4-BE49-F238E27FC236}">
+                    <a16:creationId xmlns:a16="http://schemas.microsoft.com/office/drawing/2014/main" id="{338F8913-DA83-4C0D-80E4-AC342BC2BD92}"/>
+                  </a:ext>
+                </a:extLst>
+              </p:cNvPr>
+              <p:cNvSpPr txBox="1">
+                <a:spLocks noRot="1" noChangeAspect="1" noMove="1" noResize="1" noEditPoints="1" noAdjustHandles="1" noChangeArrowheads="1" noChangeShapeType="1" noTextEdit="1"/>
+              </p:cNvSpPr>
+              <p:nvPr/>
+            </p:nvSpPr>
+            <p:spPr>
+              <a:xfrm>
+                <a:off x="1789756" y="1465452"/>
+                <a:ext cx="577419" cy="246221"/>
+              </a:xfrm>
+              <a:prstGeom prst="rect">
+                <a:avLst/>
+              </a:prstGeom>
+              <a:blipFill>
+                <a:blip r:embed="rId5"/>
+                <a:stretch>
+                  <a:fillRect/>
+                </a:stretch>
+              </a:blipFill>
+            </p:spPr>
+            <p:txBody>
+              <a:bodyPr/>
+              <a:lstStyle/>
+              <a:p>
+                <a:r>
+                  <a:rPr lang="pt-BR">
+                    <a:noFill/>
+                  </a:rPr>
+                  <a:t> </a:t>
+                </a:r>
+              </a:p>
+            </p:txBody>
+          </p:sp>
+        </mc:Fallback>
+      </mc:AlternateContent>
+      <p:sp>
+        <p:nvSpPr>
+          <p:cNvPr id="33" name="Elipse 32">
+            <a:extLst>
+              <a:ext uri="{FF2B5EF4-FFF2-40B4-BE49-F238E27FC236}">
+                <a16:creationId xmlns:a16="http://schemas.microsoft.com/office/drawing/2014/main" id="{59595C9D-A2E2-41A6-9E8D-DEE755E09560}"/>
+              </a:ext>
+            </a:extLst>
+          </p:cNvPr>
+          <p:cNvSpPr/>
+          <p:nvPr/>
+        </p:nvSpPr>
+        <p:spPr>
+          <a:xfrm>
+            <a:off x="2884628" y="1365338"/>
+            <a:ext cx="387576" cy="387576"/>
+          </a:xfrm>
+          <a:prstGeom prst="ellipse">
+            <a:avLst/>
+          </a:prstGeom>
+          <a:ln w="19050"/>
+        </p:spPr>
+        <p:style>
+          <a:lnRef idx="1">
+            <a:schemeClr val="dk1"/>
+          </a:lnRef>
+          <a:fillRef idx="2">
+            <a:schemeClr val="dk1"/>
+          </a:fillRef>
+          <a:effectRef idx="1">
+            <a:schemeClr val="dk1"/>
+          </a:effectRef>
+          <a:fontRef idx="minor">
+            <a:schemeClr val="dk1"/>
+          </a:fontRef>
+        </p:style>
+        <p:txBody>
+          <a:bodyPr rtlCol="0" anchor="ctr"/>
+          <a:lstStyle/>
+          <a:p>
+            <a:pPr algn="ctr"/>
+            <a:r>
+              <a:rPr lang="pt-BR" sz="1000" dirty="0">
+                <a:solidFill>
+                  <a:schemeClr val="bg1"/>
+                </a:solidFill>
+                <a:latin typeface="Cambria Math" panose="02040503050406030204" pitchFamily="18" charset="0"/>
+                <a:ea typeface="Cambria Math" panose="02040503050406030204" pitchFamily="18" charset="0"/>
+              </a:rPr>
+              <a:t>M</a:t>
+            </a:r>
+            <a:endParaRPr lang="pt-BR" sz="1400" dirty="0">
+              <a:solidFill>
+                <a:schemeClr val="bg1"/>
+              </a:solidFill>
+              <a:latin typeface="Cambria Math" panose="02040503050406030204" pitchFamily="18" charset="0"/>
+              <a:ea typeface="Cambria Math" panose="02040503050406030204" pitchFamily="18" charset="0"/>
+            </a:endParaRPr>
+          </a:p>
+        </p:txBody>
+      </p:sp>
+      <p:sp>
+        <p:nvSpPr>
+          <p:cNvPr id="44" name="Cilindro 43">
+            <a:extLst>
+              <a:ext uri="{FF2B5EF4-FFF2-40B4-BE49-F238E27FC236}">
+                <a16:creationId xmlns:a16="http://schemas.microsoft.com/office/drawing/2014/main" id="{46384960-A423-4FA8-8BB6-C9AA64033A61}"/>
+              </a:ext>
+            </a:extLst>
+          </p:cNvPr>
+          <p:cNvSpPr/>
+          <p:nvPr/>
+        </p:nvSpPr>
+        <p:spPr>
+          <a:xfrm rot="16200000">
+            <a:off x="2783064" y="1481033"/>
+            <a:ext cx="45719" cy="156187"/>
+          </a:xfrm>
+          <a:prstGeom prst="can">
+            <a:avLst/>
+          </a:prstGeom>
+        </p:spPr>
+        <p:style>
+          <a:lnRef idx="2">
+            <a:schemeClr val="dk1"/>
+          </a:lnRef>
+          <a:fillRef idx="1">
+            <a:schemeClr val="lt1"/>
+          </a:fillRef>
+          <a:effectRef idx="0">
+            <a:schemeClr val="dk1"/>
+          </a:effectRef>
+          <a:fontRef idx="minor">
+            <a:schemeClr val="dk1"/>
+          </a:fontRef>
+        </p:style>
+        <p:txBody>
+          <a:bodyPr rtlCol="0" anchor="ctr"/>
+          <a:lstStyle/>
+          <a:p>
+            <a:pPr algn="ctr"/>
+            <a:endParaRPr lang="pt-BR"/>
+          </a:p>
+        </p:txBody>
+      </p:sp>
+      <p:sp>
+        <p:nvSpPr>
+          <p:cNvPr id="45" name="Cilindro 44">
+            <a:extLst>
+              <a:ext uri="{FF2B5EF4-FFF2-40B4-BE49-F238E27FC236}">
+                <a16:creationId xmlns:a16="http://schemas.microsoft.com/office/drawing/2014/main" id="{B93F8775-C89B-4860-8EDA-09EA874B7C37}"/>
+              </a:ext>
+            </a:extLst>
+          </p:cNvPr>
+          <p:cNvSpPr/>
+          <p:nvPr/>
+        </p:nvSpPr>
+        <p:spPr>
+          <a:xfrm rot="16200000">
+            <a:off x="2483132" y="1821261"/>
+            <a:ext cx="423306" cy="107158"/>
+          </a:xfrm>
+          <a:prstGeom prst="can">
+            <a:avLst/>
+          </a:prstGeom>
+        </p:spPr>
+        <p:style>
+          <a:lnRef idx="2">
+            <a:schemeClr val="dk1"/>
+          </a:lnRef>
+          <a:fillRef idx="1">
+            <a:schemeClr val="lt1"/>
+          </a:fillRef>
+          <a:effectRef idx="0">
+            <a:schemeClr val="dk1"/>
+          </a:effectRef>
+          <a:fontRef idx="minor">
+            <a:schemeClr val="dk1"/>
+          </a:fontRef>
+        </p:style>
+        <p:txBody>
+          <a:bodyPr rtlCol="0" anchor="ctr"/>
+          <a:lstStyle/>
+          <a:p>
+            <a:pPr algn="ctr"/>
+            <a:endParaRPr lang="pt-BR"/>
+          </a:p>
+        </p:txBody>
+      </p:sp>
+      <p:sp>
+        <p:nvSpPr>
+          <p:cNvPr id="4" name="Cilindro 3">
+            <a:extLst>
+              <a:ext uri="{FF2B5EF4-FFF2-40B4-BE49-F238E27FC236}">
+                <a16:creationId xmlns:a16="http://schemas.microsoft.com/office/drawing/2014/main" id="{426CAB0B-53B7-47C8-85F2-714450C9C9C8}"/>
+              </a:ext>
+            </a:extLst>
+          </p:cNvPr>
+          <p:cNvSpPr/>
+          <p:nvPr/>
+        </p:nvSpPr>
+        <p:spPr>
+          <a:xfrm rot="16200000">
+            <a:off x="2591972" y="1505548"/>
+            <a:ext cx="205626" cy="107157"/>
+          </a:xfrm>
+          <a:prstGeom prst="can">
+            <a:avLst/>
+          </a:prstGeom>
+        </p:spPr>
+        <p:style>
+          <a:lnRef idx="2">
+            <a:schemeClr val="dk1"/>
+          </a:lnRef>
+          <a:fillRef idx="1">
+            <a:schemeClr val="lt1"/>
+          </a:fillRef>
+          <a:effectRef idx="0">
+            <a:schemeClr val="dk1"/>
+          </a:effectRef>
+          <a:fontRef idx="minor">
+            <a:schemeClr val="dk1"/>
+          </a:fontRef>
+        </p:style>
+        <p:txBody>
+          <a:bodyPr rtlCol="0" anchor="ctr"/>
+          <a:lstStyle/>
+          <a:p>
+            <a:pPr algn="ctr"/>
+            <a:endParaRPr lang="pt-BR"/>
+          </a:p>
+        </p:txBody>
+      </p:sp>
+      <p:sp>
+        <p:nvSpPr>
+          <p:cNvPr id="46" name="Cilindro 45">
+            <a:extLst>
+              <a:ext uri="{FF2B5EF4-FFF2-40B4-BE49-F238E27FC236}">
+                <a16:creationId xmlns:a16="http://schemas.microsoft.com/office/drawing/2014/main" id="{EAB3FBF3-D766-4266-9C4B-85A4B819BB52}"/>
+              </a:ext>
+            </a:extLst>
+          </p:cNvPr>
+          <p:cNvSpPr/>
+          <p:nvPr/>
+        </p:nvSpPr>
+        <p:spPr>
+          <a:xfrm rot="16200000">
+            <a:off x="2481576" y="1718651"/>
+            <a:ext cx="46785" cy="312376"/>
+          </a:xfrm>
+          <a:prstGeom prst="can">
+            <a:avLst/>
+          </a:prstGeom>
+        </p:spPr>
+        <p:style>
+          <a:lnRef idx="2">
+            <a:schemeClr val="dk1"/>
+          </a:lnRef>
+          <a:fillRef idx="1">
+            <a:schemeClr val="lt1"/>
+          </a:fillRef>
+          <a:effectRef idx="0">
+            <a:schemeClr val="dk1"/>
+          </a:effectRef>
+          <a:fontRef idx="minor">
+            <a:schemeClr val="dk1"/>
+          </a:fontRef>
+        </p:style>
+        <p:txBody>
+          <a:bodyPr rtlCol="0" anchor="ctr"/>
+          <a:lstStyle/>
+          <a:p>
+            <a:pPr algn="ctr"/>
+            <a:endParaRPr lang="pt-BR"/>
+          </a:p>
+        </p:txBody>
+      </p:sp>
+      <p:sp>
+        <p:nvSpPr>
+          <p:cNvPr id="47" name="Cilindro 46">
+            <a:extLst>
+              <a:ext uri="{FF2B5EF4-FFF2-40B4-BE49-F238E27FC236}">
+                <a16:creationId xmlns:a16="http://schemas.microsoft.com/office/drawing/2014/main" id="{C1C31AD1-CFF3-4529-88CA-8C1C4DBC0107}"/>
+              </a:ext>
+            </a:extLst>
+          </p:cNvPr>
+          <p:cNvSpPr/>
+          <p:nvPr/>
+        </p:nvSpPr>
+        <p:spPr>
+          <a:xfrm rot="16200000">
+            <a:off x="2177305" y="1762364"/>
+            <a:ext cx="235755" cy="224950"/>
+          </a:xfrm>
+          <a:prstGeom prst="can">
+            <a:avLst/>
+          </a:prstGeom>
+        </p:spPr>
+        <p:style>
+          <a:lnRef idx="2">
+            <a:schemeClr val="dk1"/>
+          </a:lnRef>
+          <a:fillRef idx="1">
+            <a:schemeClr val="lt1"/>
+          </a:fillRef>
+          <a:effectRef idx="0">
+            <a:schemeClr val="dk1"/>
+          </a:effectRef>
+          <a:fontRef idx="minor">
+            <a:schemeClr val="dk1"/>
+          </a:fontRef>
+        </p:style>
+        <p:txBody>
+          <a:bodyPr rtlCol="0" anchor="ctr"/>
+          <a:lstStyle/>
+          <a:p>
+            <a:pPr algn="ctr"/>
+            <a:endParaRPr lang="pt-BR"/>
+          </a:p>
+        </p:txBody>
+      </p:sp>
+      <p:cxnSp>
+        <p:nvCxnSpPr>
+          <p:cNvPr id="51" name="Conector reto 50">
+            <a:extLst>
+              <a:ext uri="{FF2B5EF4-FFF2-40B4-BE49-F238E27FC236}">
+                <a16:creationId xmlns:a16="http://schemas.microsoft.com/office/drawing/2014/main" id="{E98205BB-991E-463C-943D-686C781C5D91}"/>
+              </a:ext>
+            </a:extLst>
+          </p:cNvPr>
+          <p:cNvCxnSpPr>
+            <a:cxnSpLocks/>
+          </p:cNvCxnSpPr>
+          <p:nvPr/>
+        </p:nvCxnSpPr>
+        <p:spPr>
+          <a:xfrm>
+            <a:off x="2339372" y="1987550"/>
+            <a:ext cx="0" cy="228877"/>
+          </a:xfrm>
+          <a:prstGeom prst="line">
+            <a:avLst/>
+          </a:prstGeom>
+          <a:ln>
+            <a:headEnd type="none" w="med" len="med"/>
+            <a:tailEnd type="none" w="med" len="med"/>
+          </a:ln>
+        </p:spPr>
+        <p:style>
+          <a:lnRef idx="3">
+            <a:schemeClr val="dk1"/>
+          </a:lnRef>
+          <a:fillRef idx="0">
+            <a:schemeClr val="dk1"/>
+          </a:fillRef>
+          <a:effectRef idx="2">
+            <a:schemeClr val="dk1"/>
+          </a:effectRef>
+          <a:fontRef idx="minor">
+            <a:schemeClr val="tx1"/>
+          </a:fontRef>
+        </p:style>
+      </p:cxnSp>
+      <p:sp>
+        <p:nvSpPr>
+          <p:cNvPr id="12" name="Arco 11">
+            <a:extLst>
+              <a:ext uri="{FF2B5EF4-FFF2-40B4-BE49-F238E27FC236}">
+                <a16:creationId xmlns:a16="http://schemas.microsoft.com/office/drawing/2014/main" id="{979AAD5A-AC7A-42E9-8958-EBBF064BB365}"/>
+              </a:ext>
+            </a:extLst>
+          </p:cNvPr>
+          <p:cNvSpPr/>
+          <p:nvPr/>
+        </p:nvSpPr>
+        <p:spPr>
+          <a:xfrm>
+            <a:off x="2295182" y="1756961"/>
+            <a:ext cx="45719" cy="481414"/>
+          </a:xfrm>
+          <a:prstGeom prst="arc">
+            <a:avLst/>
+          </a:prstGeom>
+        </p:spPr>
+        <p:style>
+          <a:lnRef idx="3">
+            <a:schemeClr val="dk1"/>
+          </a:lnRef>
+          <a:fillRef idx="0">
+            <a:schemeClr val="dk1"/>
+          </a:fillRef>
+          <a:effectRef idx="2">
+            <a:schemeClr val="dk1"/>
+          </a:effectRef>
+          <a:fontRef idx="minor">
+            <a:schemeClr val="tx1"/>
+          </a:fontRef>
+        </p:style>
+        <p:txBody>
+          <a:bodyPr rtlCol="0" anchor="ctr"/>
+          <a:lstStyle/>
+          <a:p>
+            <a:pPr algn="ctr"/>
+            <a:endParaRPr lang="pt-BR"/>
+          </a:p>
+        </p:txBody>
+      </p:sp>
+      <p:sp>
+        <p:nvSpPr>
+          <p:cNvPr id="54" name="Cilindro 53">
+            <a:extLst>
+              <a:ext uri="{FF2B5EF4-FFF2-40B4-BE49-F238E27FC236}">
+                <a16:creationId xmlns:a16="http://schemas.microsoft.com/office/drawing/2014/main" id="{69206381-0E18-4DA8-BF03-385FA757071F}"/>
+              </a:ext>
+            </a:extLst>
+          </p:cNvPr>
+          <p:cNvSpPr/>
+          <p:nvPr/>
+        </p:nvSpPr>
+        <p:spPr>
+          <a:xfrm rot="16200000">
+            <a:off x="2108741" y="1789150"/>
+            <a:ext cx="46786" cy="171378"/>
+          </a:xfrm>
+          <a:prstGeom prst="can">
+            <a:avLst/>
+          </a:prstGeom>
+        </p:spPr>
+        <p:style>
+          <a:lnRef idx="2">
+            <a:schemeClr val="dk1"/>
+          </a:lnRef>
+          <a:fillRef idx="1">
+            <a:schemeClr val="lt1"/>
+          </a:fillRef>
+          <a:effectRef idx="0">
+            <a:schemeClr val="dk1"/>
+          </a:effectRef>
+          <a:fontRef idx="minor">
+            <a:schemeClr val="dk1"/>
+          </a:fontRef>
+        </p:style>
+        <p:txBody>
+          <a:bodyPr rtlCol="0" anchor="ctr"/>
+          <a:lstStyle/>
+          <a:p>
+            <a:pPr algn="ctr"/>
+            <a:endParaRPr lang="pt-BR"/>
+          </a:p>
+        </p:txBody>
+      </p:sp>
+      <mc:AlternateContent xmlns:mc="http://schemas.openxmlformats.org/markup-compatibility/2006">
+        <mc:Choice xmlns:a14="http://schemas.microsoft.com/office/drawing/2010/main" Requires="a14">
+          <p:sp>
+            <p:nvSpPr>
+              <p:cNvPr id="55" name="Elipse 54">
+                <a:extLst>
+                  <a:ext uri="{FF2B5EF4-FFF2-40B4-BE49-F238E27FC236}">
+                    <a16:creationId xmlns:a16="http://schemas.microsoft.com/office/drawing/2014/main" id="{865B831E-EFD6-4D3E-8255-AA61FB9F5CC4}"/>
+                  </a:ext>
+                </a:extLst>
+              </p:cNvPr>
+              <p:cNvSpPr/>
+              <p:nvPr/>
+            </p:nvSpPr>
+            <p:spPr>
+              <a:xfrm>
+                <a:off x="1675130" y="1676195"/>
+                <a:ext cx="387576" cy="387576"/>
+              </a:xfrm>
+              <a:prstGeom prst="ellipse">
+                <a:avLst/>
+              </a:prstGeom>
+              <a:ln w="19050"/>
+            </p:spPr>
+            <p:style>
+              <a:lnRef idx="1">
+                <a:schemeClr val="dk1"/>
+              </a:lnRef>
+              <a:fillRef idx="2">
+                <a:schemeClr val="dk1"/>
+              </a:fillRef>
+              <a:effectRef idx="1">
+                <a:schemeClr val="dk1"/>
+              </a:effectRef>
+              <a:fontRef idx="minor">
+                <a:schemeClr val="dk1"/>
+              </a:fontRef>
+            </p:style>
+            <p:txBody>
+              <a:bodyPr rtlCol="0" anchor="ctr"/>
+              <a:lstStyle/>
+              <a:p>
+                <a:pPr algn="ctr"/>
+                <a14:m>
+                  <m:oMathPara xmlns:m="http://schemas.openxmlformats.org/officeDocument/2006/math">
+                    <m:oMathParaPr>
+                      <m:jc m:val="centerGroup"/>
+                    </m:oMathParaPr>
+                    <m:oMath xmlns:m="http://schemas.openxmlformats.org/officeDocument/2006/math">
+                      <m:r>
+                        <m:rPr>
+                          <m:sty m:val="p"/>
+                        </m:rPr>
+                        <a:rPr lang="pt-BR" sz="1000" i="0" dirty="0">
+                          <a:solidFill>
+                            <a:schemeClr val="bg1"/>
+                          </a:solidFill>
+                          <a:latin typeface="Cambria Math" panose="02040503050406030204" pitchFamily="18" charset="0"/>
+                          <a:ea typeface="Cambria Math" panose="02040503050406030204" pitchFamily="18" charset="0"/>
+                        </a:rPr>
+                        <m:t>ENC</m:t>
+                      </m:r>
+                    </m:oMath>
+                  </m:oMathPara>
+                </a14:m>
+                <a:endParaRPr lang="pt-BR" sz="1000" dirty="0"/>
+              </a:p>
+            </p:txBody>
+          </p:sp>
+        </mc:Choice>
+        <mc:Fallback>
+          <p:sp>
+            <p:nvSpPr>
+              <p:cNvPr id="55" name="Elipse 54">
+                <a:extLst>
+                  <a:ext uri="{FF2B5EF4-FFF2-40B4-BE49-F238E27FC236}">
+                    <a16:creationId xmlns:a16="http://schemas.microsoft.com/office/drawing/2014/main" id="{865B831E-EFD6-4D3E-8255-AA61FB9F5CC4}"/>
+                  </a:ext>
+                </a:extLst>
+              </p:cNvPr>
+              <p:cNvSpPr>
+                <a:spLocks noRot="1" noChangeAspect="1" noMove="1" noResize="1" noEditPoints="1" noAdjustHandles="1" noChangeArrowheads="1" noChangeShapeType="1" noTextEdit="1"/>
+              </p:cNvSpPr>
+              <p:nvPr/>
+            </p:nvSpPr>
+            <p:spPr>
+              <a:xfrm>
+                <a:off x="1675130" y="1676195"/>
+                <a:ext cx="387576" cy="387576"/>
+              </a:xfrm>
+              <a:prstGeom prst="ellipse">
+                <a:avLst/>
+              </a:prstGeom>
+              <a:blipFill>
+                <a:blip r:embed="rId6"/>
+                <a:stretch>
+                  <a:fillRect/>
+                </a:stretch>
+              </a:blipFill>
+              <a:ln w="19050"/>
+            </p:spPr>
+            <p:txBody>
+              <a:bodyPr/>
+              <a:lstStyle/>
+              <a:p>
+                <a:r>
+                  <a:rPr lang="pt-BR">
+                    <a:noFill/>
+                  </a:rPr>
+                  <a:t> </a:t>
+                </a:r>
+              </a:p>
+            </p:txBody>
+          </p:sp>
+        </mc:Fallback>
+      </mc:AlternateContent>
+      <p:cxnSp>
+        <p:nvCxnSpPr>
+          <p:cNvPr id="15" name="Conector de Seta Reta 14">
+            <a:extLst>
+              <a:ext uri="{FF2B5EF4-FFF2-40B4-BE49-F238E27FC236}">
+                <a16:creationId xmlns:a16="http://schemas.microsoft.com/office/drawing/2014/main" id="{A0C8E095-FBA6-4E3F-A764-5BF5878A983C}"/>
+              </a:ext>
+            </a:extLst>
+          </p:cNvPr>
+          <p:cNvCxnSpPr/>
+          <p:nvPr/>
+        </p:nvCxnSpPr>
+        <p:spPr>
+          <a:xfrm flipV="1">
+            <a:off x="2270514" y="2245793"/>
+            <a:ext cx="0" cy="196227"/>
+          </a:xfrm>
+          <a:prstGeom prst="straightConnector1">
+            <a:avLst/>
+          </a:prstGeom>
+          <a:ln>
+            <a:tailEnd type="triangle"/>
+          </a:ln>
+        </p:spPr>
+        <p:style>
+          <a:lnRef idx="3">
+            <a:schemeClr val="dk1"/>
+          </a:lnRef>
+          <a:fillRef idx="0">
+            <a:schemeClr val="dk1"/>
+          </a:fillRef>
+          <a:effectRef idx="2">
+            <a:schemeClr val="dk1"/>
+          </a:effectRef>
+          <a:fontRef idx="minor">
+            <a:schemeClr val="tx1"/>
+          </a:fontRef>
+        </p:style>
+      </p:cxnSp>
+      <mc:AlternateContent xmlns:mc="http://schemas.openxmlformats.org/markup-compatibility/2006">
+        <mc:Choice xmlns:a14="http://schemas.microsoft.com/office/drawing/2010/main" Requires="a14">
+          <p:sp>
+            <p:nvSpPr>
+              <p:cNvPr id="60" name="CaixaDeTexto 59">
+                <a:extLst>
+                  <a:ext uri="{FF2B5EF4-FFF2-40B4-BE49-F238E27FC236}">
+                    <a16:creationId xmlns:a16="http://schemas.microsoft.com/office/drawing/2014/main" id="{28AD2FEB-42F0-42D1-8A85-BB6164EEEAF8}"/>
+                  </a:ext>
+                </a:extLst>
+              </p:cNvPr>
+              <p:cNvSpPr txBox="1"/>
+              <p:nvPr/>
+            </p:nvSpPr>
+            <p:spPr>
+              <a:xfrm>
+                <a:off x="2419677" y="1236810"/>
+                <a:ext cx="577419" cy="246221"/>
+              </a:xfrm>
+              <a:prstGeom prst="rect">
+                <a:avLst/>
+              </a:prstGeom>
+              <a:noFill/>
+            </p:spPr>
+            <p:txBody>
+              <a:bodyPr wrap="square" rtlCol="0">
+                <a:spAutoFit/>
+              </a:bodyPr>
+              <a:lstStyle/>
+              <a:p>
+                <a:pPr algn="ctr"/>
+                <a14:m>
+                  <m:oMathPara xmlns:m="http://schemas.openxmlformats.org/officeDocument/2006/math">
+                    <m:oMathParaPr>
+                      <m:jc m:val="centerGroup"/>
+                    </m:oMathParaPr>
+                    <m:oMath xmlns:m="http://schemas.openxmlformats.org/officeDocument/2006/math">
+                      <m:r>
+                        <a:rPr lang="pt-BR" sz="1000" b="0" i="1" smtClean="0">
+                          <a:latin typeface="Cambria Math" panose="02040503050406030204" pitchFamily="18" charset="0"/>
+                          <a:ea typeface="Cambria Math" panose="02040503050406030204" pitchFamily="18" charset="0"/>
+                        </a:rPr>
+                        <m:t>𝑁</m:t>
+                      </m:r>
+                    </m:oMath>
+                  </m:oMathPara>
+                </a14:m>
+                <a:endParaRPr lang="pt-BR" sz="1000" i="1" dirty="0">
+                  <a:latin typeface="Cambria Math" panose="02040503050406030204" pitchFamily="18" charset="0"/>
+                  <a:ea typeface="Cambria Math" panose="02040503050406030204" pitchFamily="18" charset="0"/>
+                </a:endParaRPr>
+              </a:p>
+            </p:txBody>
+          </p:sp>
+        </mc:Choice>
+        <mc:Fallback>
+          <p:sp>
+            <p:nvSpPr>
+              <p:cNvPr id="60" name="CaixaDeTexto 59">
+                <a:extLst>
+                  <a:ext uri="{FF2B5EF4-FFF2-40B4-BE49-F238E27FC236}">
+                    <a16:creationId xmlns:a16="http://schemas.microsoft.com/office/drawing/2014/main" id="{28AD2FEB-42F0-42D1-8A85-BB6164EEEAF8}"/>
+                  </a:ext>
+                </a:extLst>
+              </p:cNvPr>
+              <p:cNvSpPr txBox="1">
+                <a:spLocks noRot="1" noChangeAspect="1" noMove="1" noResize="1" noEditPoints="1" noAdjustHandles="1" noChangeArrowheads="1" noChangeShapeType="1" noTextEdit="1"/>
+              </p:cNvSpPr>
+              <p:nvPr/>
+            </p:nvSpPr>
+            <p:spPr>
+              <a:xfrm>
+                <a:off x="2419677" y="1236810"/>
+                <a:ext cx="577419" cy="246221"/>
+              </a:xfrm>
+              <a:prstGeom prst="rect">
+                <a:avLst/>
+              </a:prstGeom>
+              <a:blipFill>
+                <a:blip r:embed="rId7"/>
+                <a:stretch>
+                  <a:fillRect/>
+                </a:stretch>
+              </a:blipFill>
+            </p:spPr>
+            <p:txBody>
+              <a:bodyPr/>
+              <a:lstStyle/>
+              <a:p>
+                <a:r>
+                  <a:rPr lang="pt-BR">
+                    <a:noFill/>
+                  </a:rPr>
+                  <a:t> </a:t>
+                </a:r>
+              </a:p>
+            </p:txBody>
+          </p:sp>
+        </mc:Fallback>
+      </mc:AlternateContent>
+      <p:sp>
+        <p:nvSpPr>
+          <p:cNvPr id="63" name="Fluxograma: Processo 62">
+            <a:extLst>
+              <a:ext uri="{FF2B5EF4-FFF2-40B4-BE49-F238E27FC236}">
+                <a16:creationId xmlns:a16="http://schemas.microsoft.com/office/drawing/2014/main" id="{55395543-F472-44E6-8735-7934F58409C2}"/>
+              </a:ext>
+            </a:extLst>
+          </p:cNvPr>
+          <p:cNvSpPr/>
+          <p:nvPr/>
+        </p:nvSpPr>
+        <p:spPr>
+          <a:xfrm>
+            <a:off x="9371300" y="1118687"/>
+            <a:ext cx="653616" cy="408552"/>
+          </a:xfrm>
+          <a:prstGeom prst="flowChartProcess">
+            <a:avLst/>
+          </a:prstGeom>
+        </p:spPr>
+        <p:style>
+          <a:lnRef idx="2">
+            <a:schemeClr val="dk1"/>
+          </a:lnRef>
+          <a:fillRef idx="1">
+            <a:schemeClr val="lt1"/>
+          </a:fillRef>
+          <a:effectRef idx="0">
+            <a:schemeClr val="dk1"/>
+          </a:effectRef>
+          <a:fontRef idx="minor">
+            <a:schemeClr val="dk1"/>
+          </a:fontRef>
+        </p:style>
+        <p:txBody>
+          <a:bodyPr rtlCol="0" anchor="ctr"/>
+          <a:lstStyle/>
+          <a:p>
+            <a:pPr algn="ctr"/>
+            <a:r>
+              <a:rPr lang="pt-BR" sz="1200" dirty="0"/>
+              <a:t>PID</a:t>
+            </a:r>
+          </a:p>
+          <a:p>
+            <a:pPr algn="ctr"/>
+            <a:r>
+              <a:rPr lang="pt-BR" sz="800" dirty="0"/>
+              <a:t>Posição</a:t>
+            </a:r>
+            <a:endParaRPr lang="pt-BR" sz="1200" dirty="0"/>
+          </a:p>
+        </p:txBody>
+      </p:sp>
+      <p:cxnSp>
+        <p:nvCxnSpPr>
+          <p:cNvPr id="64" name="Conector de Seta Reta 63">
+            <a:extLst>
+              <a:ext uri="{FF2B5EF4-FFF2-40B4-BE49-F238E27FC236}">
+                <a16:creationId xmlns:a16="http://schemas.microsoft.com/office/drawing/2014/main" id="{57E69EF6-9F50-474B-BFE7-474795E722D8}"/>
+              </a:ext>
+            </a:extLst>
+          </p:cNvPr>
+          <p:cNvCxnSpPr>
+            <a:cxnSpLocks/>
+          </p:cNvCxnSpPr>
+          <p:nvPr/>
+        </p:nvCxnSpPr>
+        <p:spPr>
+          <a:xfrm>
+            <a:off x="11282825" y="1322963"/>
+            <a:ext cx="720000" cy="0"/>
+          </a:xfrm>
+          <a:prstGeom prst="straightConnector1">
+            <a:avLst/>
+          </a:prstGeom>
+          <a:ln>
+            <a:tailEnd type="triangle"/>
+          </a:ln>
+        </p:spPr>
+        <p:style>
+          <a:lnRef idx="1">
+            <a:schemeClr val="dk1"/>
+          </a:lnRef>
+          <a:fillRef idx="0">
+            <a:schemeClr val="dk1"/>
+          </a:fillRef>
+          <a:effectRef idx="0">
+            <a:schemeClr val="dk1"/>
+          </a:effectRef>
+          <a:fontRef idx="minor">
+            <a:schemeClr val="tx1"/>
+          </a:fontRef>
+        </p:style>
+      </p:cxnSp>
+      <mc:AlternateContent xmlns:mc="http://schemas.openxmlformats.org/markup-compatibility/2006">
+        <mc:Choice xmlns:a14="http://schemas.microsoft.com/office/drawing/2010/main" Requires="a14">
+          <p:sp>
+            <p:nvSpPr>
+              <p:cNvPr id="65" name="CaixaDeTexto 64">
+                <a:extLst>
+                  <a:ext uri="{FF2B5EF4-FFF2-40B4-BE49-F238E27FC236}">
+                    <a16:creationId xmlns:a16="http://schemas.microsoft.com/office/drawing/2014/main" id="{5FC7C96F-F598-476E-8700-5A1E8FF20729}"/>
+                  </a:ext>
+                </a:extLst>
+              </p:cNvPr>
+              <p:cNvSpPr txBox="1"/>
+              <p:nvPr/>
+            </p:nvSpPr>
+            <p:spPr>
+              <a:xfrm>
+                <a:off x="11567878" y="1045910"/>
+                <a:ext cx="553758" cy="276999"/>
+              </a:xfrm>
+              <a:prstGeom prst="rect">
+                <a:avLst/>
+              </a:prstGeom>
+              <a:noFill/>
+            </p:spPr>
+            <p:txBody>
+              <a:bodyPr wrap="square" rtlCol="0">
+                <a:spAutoFit/>
+              </a:bodyPr>
+              <a:lstStyle/>
+              <a:p>
+                <a:pPr/>
+                <a14:m>
+                  <m:oMathPara xmlns:m="http://schemas.openxmlformats.org/officeDocument/2006/math">
+                    <m:oMathParaPr>
+                      <m:jc m:val="center"/>
+                    </m:oMathParaPr>
+                    <m:oMath xmlns:m="http://schemas.openxmlformats.org/officeDocument/2006/math">
+                      <m:sSub>
+                        <m:sSubPr>
+                          <m:ctrlPr>
+                            <a:rPr lang="pt-BR" sz="1200" b="0" i="1" smtClean="0">
+                              <a:latin typeface="Cambria Math" panose="02040503050406030204" pitchFamily="18" charset="0"/>
+                            </a:rPr>
+                          </m:ctrlPr>
+                        </m:sSubPr>
+                        <m:e>
+                          <m:r>
+                            <a:rPr lang="pt-BR" sz="1200" b="0" i="1" smtClean="0">
+                              <a:latin typeface="Cambria Math" panose="02040503050406030204" pitchFamily="18" charset="0"/>
+                            </a:rPr>
+                            <m:t>𝑃</m:t>
+                          </m:r>
+                        </m:e>
+                        <m:sub>
+                          <m:r>
+                            <a:rPr lang="pt-BR" sz="1200" b="0" i="1" smtClean="0">
+                              <a:latin typeface="Cambria Math" panose="02040503050406030204" pitchFamily="18" charset="0"/>
+                            </a:rPr>
+                            <m:t>𝑃𝑉</m:t>
+                          </m:r>
+                        </m:sub>
+                      </m:sSub>
+                    </m:oMath>
+                  </m:oMathPara>
+                </a14:m>
+                <a:endParaRPr lang="pt-BR" sz="1200" dirty="0"/>
+              </a:p>
+            </p:txBody>
+          </p:sp>
+        </mc:Choice>
+        <mc:Fallback>
+          <p:sp>
+            <p:nvSpPr>
+              <p:cNvPr id="65" name="CaixaDeTexto 64">
+                <a:extLst>
+                  <a:ext uri="{FF2B5EF4-FFF2-40B4-BE49-F238E27FC236}">
+                    <a16:creationId xmlns:a16="http://schemas.microsoft.com/office/drawing/2014/main" id="{5FC7C96F-F598-476E-8700-5A1E8FF20729}"/>
+                  </a:ext>
+                </a:extLst>
+              </p:cNvPr>
+              <p:cNvSpPr txBox="1">
+                <a:spLocks noRot="1" noChangeAspect="1" noMove="1" noResize="1" noEditPoints="1" noAdjustHandles="1" noChangeArrowheads="1" noChangeShapeType="1" noTextEdit="1"/>
+              </p:cNvSpPr>
+              <p:nvPr/>
+            </p:nvSpPr>
+            <p:spPr>
+              <a:xfrm>
+                <a:off x="11567878" y="1045910"/>
+                <a:ext cx="553758" cy="276999"/>
+              </a:xfrm>
+              <a:prstGeom prst="rect">
+                <a:avLst/>
+              </a:prstGeom>
+              <a:blipFill>
+                <a:blip r:embed="rId8"/>
+                <a:stretch>
+                  <a:fillRect/>
+                </a:stretch>
+              </a:blipFill>
+            </p:spPr>
+            <p:txBody>
+              <a:bodyPr/>
+              <a:lstStyle/>
+              <a:p>
+                <a:r>
+                  <a:rPr lang="pt-BR">
+                    <a:noFill/>
+                  </a:rPr>
+                  <a:t> </a:t>
+                </a:r>
+              </a:p>
+            </p:txBody>
+          </p:sp>
+        </mc:Fallback>
+      </mc:AlternateContent>
+      <p:sp>
+        <p:nvSpPr>
+          <p:cNvPr id="66" name="Fluxograma: Processo 65">
+            <a:extLst>
+              <a:ext uri="{FF2B5EF4-FFF2-40B4-BE49-F238E27FC236}">
+                <a16:creationId xmlns:a16="http://schemas.microsoft.com/office/drawing/2014/main" id="{DD86B90C-8603-41A9-999D-1C199E0D0E4A}"/>
+              </a:ext>
+            </a:extLst>
+          </p:cNvPr>
+          <p:cNvSpPr/>
+          <p:nvPr/>
+        </p:nvSpPr>
+        <p:spPr>
+          <a:xfrm>
+            <a:off x="10333266" y="982322"/>
+            <a:ext cx="949559" cy="649479"/>
+          </a:xfrm>
+          <a:prstGeom prst="flowChartProcess">
+            <a:avLst/>
+          </a:prstGeom>
+        </p:spPr>
+        <p:style>
+          <a:lnRef idx="2">
+            <a:schemeClr val="dk1"/>
+          </a:lnRef>
+          <a:fillRef idx="1">
+            <a:schemeClr val="lt1"/>
+          </a:fillRef>
+          <a:effectRef idx="0">
+            <a:schemeClr val="dk1"/>
+          </a:effectRef>
+          <a:fontRef idx="minor">
+            <a:schemeClr val="dk1"/>
+          </a:fontRef>
+        </p:style>
+        <p:txBody>
+          <a:bodyPr rtlCol="0" anchor="ctr"/>
+          <a:lstStyle/>
+          <a:p>
+            <a:pPr algn="ctr"/>
+            <a:r>
+              <a:rPr lang="pt-BR" sz="1100" dirty="0">
+                <a:ea typeface="Cambria Math" panose="02040503050406030204" pitchFamily="18" charset="0"/>
+              </a:rPr>
+              <a:t>Acumulador</a:t>
+            </a:r>
+          </a:p>
+        </p:txBody>
+      </p:sp>
+      <p:cxnSp>
+        <p:nvCxnSpPr>
+          <p:cNvPr id="67" name="Conector de Seta Reta 66">
+            <a:extLst>
+              <a:ext uri="{FF2B5EF4-FFF2-40B4-BE49-F238E27FC236}">
+                <a16:creationId xmlns:a16="http://schemas.microsoft.com/office/drawing/2014/main" id="{D4779E56-0E0E-4F26-B09E-BB6F4E42F170}"/>
+              </a:ext>
+            </a:extLst>
+          </p:cNvPr>
+          <p:cNvCxnSpPr>
+            <a:cxnSpLocks/>
+          </p:cNvCxnSpPr>
+          <p:nvPr/>
+        </p:nvCxnSpPr>
+        <p:spPr>
+          <a:xfrm>
+            <a:off x="10024916" y="1322963"/>
+            <a:ext cx="308352" cy="0"/>
+          </a:xfrm>
+          <a:prstGeom prst="straightConnector1">
+            <a:avLst/>
+          </a:prstGeom>
+          <a:ln>
+            <a:tailEnd type="triangle"/>
+          </a:ln>
+        </p:spPr>
+        <p:style>
+          <a:lnRef idx="1">
+            <a:schemeClr val="dk1"/>
+          </a:lnRef>
+          <a:fillRef idx="0">
+            <a:schemeClr val="dk1"/>
+          </a:fillRef>
+          <a:effectRef idx="0">
+            <a:schemeClr val="dk1"/>
+          </a:effectRef>
+          <a:fontRef idx="minor">
+            <a:schemeClr val="tx1"/>
+          </a:fontRef>
+        </p:style>
+      </p:cxnSp>
+      <p:sp>
+        <p:nvSpPr>
+          <p:cNvPr id="68" name="Fluxograma: Conector 67">
+            <a:extLst>
+              <a:ext uri="{FF2B5EF4-FFF2-40B4-BE49-F238E27FC236}">
+                <a16:creationId xmlns:a16="http://schemas.microsoft.com/office/drawing/2014/main" id="{682BB178-560C-42FC-9F2A-FCECCA3EE139}"/>
+              </a:ext>
+            </a:extLst>
+          </p:cNvPr>
+          <p:cNvSpPr/>
+          <p:nvPr/>
+        </p:nvSpPr>
+        <p:spPr>
+          <a:xfrm>
+            <a:off x="8662896" y="1189613"/>
+            <a:ext cx="266700" cy="266700"/>
+          </a:xfrm>
+          <a:prstGeom prst="flowChartConnector">
+            <a:avLst/>
+          </a:prstGeom>
+        </p:spPr>
+        <p:style>
+          <a:lnRef idx="2">
+            <a:schemeClr val="dk1"/>
+          </a:lnRef>
+          <a:fillRef idx="1">
+            <a:schemeClr val="lt1"/>
+          </a:fillRef>
+          <a:effectRef idx="0">
+            <a:schemeClr val="dk1"/>
+          </a:effectRef>
+          <a:fontRef idx="minor">
+            <a:schemeClr val="dk1"/>
+          </a:fontRef>
+        </p:style>
+        <p:txBody>
+          <a:bodyPr rtlCol="0" anchor="ctr"/>
+          <a:lstStyle/>
+          <a:p>
+            <a:pPr algn="ctr"/>
+            <a:r>
+              <a:rPr lang="el-GR" sz="1050" b="1" dirty="0">
+                <a:latin typeface="Cambria Math" panose="02040503050406030204" pitchFamily="18" charset="0"/>
+                <a:ea typeface="Cambria Math" panose="02040503050406030204" pitchFamily="18" charset="0"/>
+              </a:rPr>
+              <a:t>Σ</a:t>
+            </a:r>
+            <a:endParaRPr lang="pt-BR" sz="1050" b="1" dirty="0">
+              <a:latin typeface="Cambria Math" panose="02040503050406030204" pitchFamily="18" charset="0"/>
+              <a:ea typeface="Cambria Math" panose="02040503050406030204" pitchFamily="18" charset="0"/>
+            </a:endParaRPr>
+          </a:p>
+        </p:txBody>
+      </p:sp>
+      <p:cxnSp>
+        <p:nvCxnSpPr>
+          <p:cNvPr id="69" name="Conector: Angulado 68">
+            <a:extLst>
+              <a:ext uri="{FF2B5EF4-FFF2-40B4-BE49-F238E27FC236}">
+                <a16:creationId xmlns:a16="http://schemas.microsoft.com/office/drawing/2014/main" id="{281D3B75-7F5D-4F55-A55A-58DBBA9243BC}"/>
+              </a:ext>
+            </a:extLst>
+          </p:cNvPr>
+          <p:cNvCxnSpPr>
+            <a:cxnSpLocks/>
+            <a:stCxn id="73" idx="4"/>
+            <a:endCxn id="68" idx="4"/>
+          </p:cNvCxnSpPr>
+          <p:nvPr/>
+        </p:nvCxnSpPr>
+        <p:spPr>
+          <a:xfrm rot="5400000">
+            <a:off x="10149896" y="-7826"/>
+            <a:ext cx="110490" cy="2817789"/>
+          </a:xfrm>
+          <a:prstGeom prst="bentConnector3">
+            <a:avLst>
+              <a:gd name="adj1" fmla="val 536782"/>
+            </a:avLst>
+          </a:prstGeom>
+          <a:ln>
+            <a:tailEnd type="triangle"/>
+          </a:ln>
+        </p:spPr>
+        <p:style>
+          <a:lnRef idx="1">
+            <a:schemeClr val="dk1"/>
+          </a:lnRef>
+          <a:fillRef idx="0">
+            <a:schemeClr val="dk1"/>
+          </a:fillRef>
+          <a:effectRef idx="0">
+            <a:schemeClr val="dk1"/>
+          </a:effectRef>
+          <a:fontRef idx="minor">
+            <a:schemeClr val="tx1"/>
+          </a:fontRef>
+        </p:style>
+      </p:cxnSp>
+      <p:sp>
+        <p:nvSpPr>
+          <p:cNvPr id="70" name="CaixaDeTexto 69">
+            <a:extLst>
+              <a:ext uri="{FF2B5EF4-FFF2-40B4-BE49-F238E27FC236}">
+                <a16:creationId xmlns:a16="http://schemas.microsoft.com/office/drawing/2014/main" id="{9FD4A5C3-0E51-4ED6-9B22-9820C8AF84E4}"/>
+              </a:ext>
+            </a:extLst>
+          </p:cNvPr>
+          <p:cNvSpPr txBox="1"/>
+          <p:nvPr/>
+        </p:nvSpPr>
+        <p:spPr>
+          <a:xfrm>
+            <a:off x="8599528" y="1372692"/>
+            <a:ext cx="266700" cy="276999"/>
+          </a:xfrm>
+          <a:prstGeom prst="rect">
+            <a:avLst/>
+          </a:prstGeom>
+          <a:noFill/>
+        </p:spPr>
+        <p:txBody>
+          <a:bodyPr wrap="square" rtlCol="0">
+            <a:spAutoFit/>
+          </a:bodyPr>
+          <a:lstStyle/>
+          <a:p>
+            <a:pPr algn="ctr"/>
+            <a:r>
+              <a:rPr lang="pt-BR" sz="1200" dirty="0"/>
+              <a:t>-</a:t>
+            </a:r>
+          </a:p>
+        </p:txBody>
+      </p:sp>
+      <mc:AlternateContent xmlns:mc="http://schemas.openxmlformats.org/markup-compatibility/2006">
+        <mc:Choice xmlns:a14="http://schemas.microsoft.com/office/drawing/2010/main" Requires="a14">
+          <p:sp>
+            <p:nvSpPr>
+              <p:cNvPr id="71" name="CaixaDeTexto 70">
+                <a:extLst>
+                  <a:ext uri="{FF2B5EF4-FFF2-40B4-BE49-F238E27FC236}">
+                    <a16:creationId xmlns:a16="http://schemas.microsoft.com/office/drawing/2014/main" id="{C6E6B499-2F99-4A66-84D5-2680BAF0BFAB}"/>
+                  </a:ext>
+                </a:extLst>
+              </p:cNvPr>
+              <p:cNvSpPr txBox="1"/>
+              <p:nvPr/>
+            </p:nvSpPr>
+            <p:spPr>
+              <a:xfrm>
+                <a:off x="7747748" y="1081065"/>
+                <a:ext cx="553758" cy="276999"/>
+              </a:xfrm>
+              <a:prstGeom prst="rect">
+                <a:avLst/>
+              </a:prstGeom>
+              <a:noFill/>
+            </p:spPr>
+            <p:txBody>
+              <a:bodyPr wrap="square" rtlCol="0">
+                <a:spAutoFit/>
+              </a:bodyPr>
+              <a:lstStyle/>
+              <a:p>
+                <a:pPr/>
+                <a14:m>
+                  <m:oMathPara xmlns:m="http://schemas.openxmlformats.org/officeDocument/2006/math">
+                    <m:oMathParaPr>
+                      <m:jc m:val="center"/>
+                    </m:oMathParaPr>
+                    <m:oMath xmlns:m="http://schemas.openxmlformats.org/officeDocument/2006/math">
+                      <m:sSub>
+                        <m:sSubPr>
+                          <m:ctrlPr>
+                            <a:rPr lang="pt-BR" sz="1200" b="0" i="1" smtClean="0">
+                              <a:latin typeface="Cambria Math" panose="02040503050406030204" pitchFamily="18" charset="0"/>
+                            </a:rPr>
+                          </m:ctrlPr>
+                        </m:sSubPr>
+                        <m:e>
+                          <m:r>
+                            <a:rPr lang="pt-BR" sz="1200" b="0" i="1" smtClean="0">
+                              <a:latin typeface="Cambria Math" panose="02040503050406030204" pitchFamily="18" charset="0"/>
+                            </a:rPr>
+                            <m:t>𝑃</m:t>
+                          </m:r>
+                        </m:e>
+                        <m:sub>
+                          <m:r>
+                            <a:rPr lang="pt-BR" sz="1200" b="0" i="1" smtClean="0">
+                              <a:latin typeface="Cambria Math" panose="02040503050406030204" pitchFamily="18" charset="0"/>
+                            </a:rPr>
+                            <m:t>𝑆𝑃</m:t>
+                          </m:r>
+                        </m:sub>
+                      </m:sSub>
+                    </m:oMath>
+                  </m:oMathPara>
+                </a14:m>
+                <a:endParaRPr lang="pt-BR" sz="1200" dirty="0"/>
+              </a:p>
+            </p:txBody>
+          </p:sp>
+        </mc:Choice>
+        <mc:Fallback>
+          <p:sp>
+            <p:nvSpPr>
+              <p:cNvPr id="71" name="CaixaDeTexto 70">
+                <a:extLst>
+                  <a:ext uri="{FF2B5EF4-FFF2-40B4-BE49-F238E27FC236}">
+                    <a16:creationId xmlns:a16="http://schemas.microsoft.com/office/drawing/2014/main" id="{C6E6B499-2F99-4A66-84D5-2680BAF0BFAB}"/>
+                  </a:ext>
+                </a:extLst>
+              </p:cNvPr>
+              <p:cNvSpPr txBox="1">
+                <a:spLocks noRot="1" noChangeAspect="1" noMove="1" noResize="1" noEditPoints="1" noAdjustHandles="1" noChangeArrowheads="1" noChangeShapeType="1" noTextEdit="1"/>
+              </p:cNvSpPr>
+              <p:nvPr/>
+            </p:nvSpPr>
+            <p:spPr>
+              <a:xfrm>
+                <a:off x="7747748" y="1081065"/>
+                <a:ext cx="553758" cy="276999"/>
+              </a:xfrm>
+              <a:prstGeom prst="rect">
+                <a:avLst/>
+              </a:prstGeom>
+              <a:blipFill>
+                <a:blip r:embed="rId9"/>
+                <a:stretch>
+                  <a:fillRect/>
+                </a:stretch>
+              </a:blipFill>
+            </p:spPr>
+            <p:txBody>
+              <a:bodyPr/>
+              <a:lstStyle/>
+              <a:p>
+                <a:r>
+                  <a:rPr lang="pt-BR">
+                    <a:noFill/>
+                  </a:rPr>
+                  <a:t> </a:t>
+                </a:r>
+              </a:p>
+            </p:txBody>
+          </p:sp>
+        </mc:Fallback>
+      </mc:AlternateContent>
+      <p:sp>
+        <p:nvSpPr>
+          <p:cNvPr id="73" name="Elipse 72">
+            <a:extLst>
+              <a:ext uri="{FF2B5EF4-FFF2-40B4-BE49-F238E27FC236}">
+                <a16:creationId xmlns:a16="http://schemas.microsoft.com/office/drawing/2014/main" id="{B849A9E6-7B0A-48CF-B47A-26D33153870D}"/>
+              </a:ext>
+            </a:extLst>
+          </p:cNvPr>
+          <p:cNvSpPr/>
+          <p:nvPr/>
+        </p:nvSpPr>
+        <p:spPr>
+          <a:xfrm>
+            <a:off x="11591175" y="1300104"/>
+            <a:ext cx="45719" cy="45719"/>
+          </a:xfrm>
+          <a:prstGeom prst="ellipse">
+            <a:avLst/>
+          </a:prstGeom>
+        </p:spPr>
+        <p:style>
+          <a:lnRef idx="2">
+            <a:schemeClr val="dk1">
+              <a:shade val="50000"/>
+            </a:schemeClr>
+          </a:lnRef>
+          <a:fillRef idx="1">
+            <a:schemeClr val="dk1"/>
+          </a:fillRef>
+          <a:effectRef idx="0">
+            <a:schemeClr val="dk1"/>
+          </a:effectRef>
+          <a:fontRef idx="minor">
+            <a:schemeClr val="lt1"/>
+          </a:fontRef>
+        </p:style>
+        <p:txBody>
+          <a:bodyPr rtlCol="0" anchor="ctr"/>
+          <a:lstStyle/>
+          <a:p>
+            <a:pPr algn="ctr"/>
+            <a:endParaRPr lang="pt-BR"/>
+          </a:p>
+        </p:txBody>
+      </p:sp>
+      <p:cxnSp>
+        <p:nvCxnSpPr>
+          <p:cNvPr id="74" name="Conector de Seta Reta 73">
+            <a:extLst>
+              <a:ext uri="{FF2B5EF4-FFF2-40B4-BE49-F238E27FC236}">
+                <a16:creationId xmlns:a16="http://schemas.microsoft.com/office/drawing/2014/main" id="{4623D93F-631F-4601-B365-3173AAB4B447}"/>
+              </a:ext>
+            </a:extLst>
+          </p:cNvPr>
+          <p:cNvCxnSpPr>
+            <a:cxnSpLocks/>
+          </p:cNvCxnSpPr>
+          <p:nvPr/>
+        </p:nvCxnSpPr>
+        <p:spPr>
+          <a:xfrm>
+            <a:off x="8929596" y="1322962"/>
+            <a:ext cx="441704" cy="2"/>
+          </a:xfrm>
+          <a:prstGeom prst="straightConnector1">
+            <a:avLst/>
+          </a:prstGeom>
+          <a:ln>
+            <a:tailEnd type="triangle"/>
+          </a:ln>
+        </p:spPr>
+        <p:style>
+          <a:lnRef idx="1">
+            <a:schemeClr val="dk1"/>
+          </a:lnRef>
+          <a:fillRef idx="0">
+            <a:schemeClr val="dk1"/>
+          </a:fillRef>
+          <a:effectRef idx="0">
+            <a:schemeClr val="dk1"/>
+          </a:effectRef>
+          <a:fontRef idx="minor">
+            <a:schemeClr val="tx1"/>
+          </a:fontRef>
+        </p:style>
+      </p:cxnSp>
+      <p:cxnSp>
+        <p:nvCxnSpPr>
+          <p:cNvPr id="75" name="Conector de Seta Reta 74">
+            <a:extLst>
+              <a:ext uri="{FF2B5EF4-FFF2-40B4-BE49-F238E27FC236}">
+                <a16:creationId xmlns:a16="http://schemas.microsoft.com/office/drawing/2014/main" id="{BDEDEE35-F18E-4DB2-ABF2-ABF437C1A8B1}"/>
+              </a:ext>
+            </a:extLst>
+          </p:cNvPr>
+          <p:cNvCxnSpPr>
+            <a:cxnSpLocks/>
+          </p:cNvCxnSpPr>
+          <p:nvPr/>
+        </p:nvCxnSpPr>
+        <p:spPr>
+          <a:xfrm>
+            <a:off x="7941318" y="1322963"/>
+            <a:ext cx="720000" cy="0"/>
+          </a:xfrm>
+          <a:prstGeom prst="straightConnector1">
+            <a:avLst/>
+          </a:prstGeom>
+          <a:ln>
+            <a:tailEnd type="triangle"/>
+          </a:ln>
+        </p:spPr>
+        <p:style>
+          <a:lnRef idx="1">
+            <a:schemeClr val="dk1"/>
+          </a:lnRef>
+          <a:fillRef idx="0">
+            <a:schemeClr val="dk1"/>
+          </a:fillRef>
+          <a:effectRef idx="0">
+            <a:schemeClr val="dk1"/>
+          </a:effectRef>
+          <a:fontRef idx="minor">
+            <a:schemeClr val="tx1"/>
+          </a:fontRef>
+        </p:style>
+      </p:cxnSp>
+      <p:sp>
+        <p:nvSpPr>
+          <p:cNvPr id="76" name="CaixaDeTexto 75">
+            <a:extLst>
+              <a:ext uri="{FF2B5EF4-FFF2-40B4-BE49-F238E27FC236}">
+                <a16:creationId xmlns:a16="http://schemas.microsoft.com/office/drawing/2014/main" id="{7216056B-F5BF-42E1-B449-B035AA4A0F8B}"/>
+              </a:ext>
+            </a:extLst>
+          </p:cNvPr>
+          <p:cNvSpPr txBox="1"/>
+          <p:nvPr/>
+        </p:nvSpPr>
+        <p:spPr>
+          <a:xfrm>
+            <a:off x="8661318" y="1736372"/>
+            <a:ext cx="1309890" cy="246221"/>
+          </a:xfrm>
+          <a:prstGeom prst="rect">
+            <a:avLst/>
+          </a:prstGeom>
+          <a:noFill/>
+        </p:spPr>
+        <p:txBody>
+          <a:bodyPr wrap="square" rtlCol="0" anchor="ctr" anchorCtr="1">
+            <a:spAutoFit/>
+          </a:bodyPr>
+          <a:lstStyle/>
+          <a:p>
+            <a:pPr algn="ctr"/>
+            <a:r>
+              <a:rPr lang="pt-BR" sz="1000" dirty="0"/>
+              <a:t>Sensor de Posição</a:t>
+            </a:r>
+          </a:p>
+        </p:txBody>
+      </p:sp>
+      <p:cxnSp>
+        <p:nvCxnSpPr>
+          <p:cNvPr id="77" name="Conector de Seta Reta 76">
+            <a:extLst>
+              <a:ext uri="{FF2B5EF4-FFF2-40B4-BE49-F238E27FC236}">
+                <a16:creationId xmlns:a16="http://schemas.microsoft.com/office/drawing/2014/main" id="{99B78072-CD42-48D5-9A9B-75344292A05D}"/>
+              </a:ext>
+            </a:extLst>
+          </p:cNvPr>
+          <p:cNvCxnSpPr>
+            <a:cxnSpLocks/>
+          </p:cNvCxnSpPr>
+          <p:nvPr/>
+        </p:nvCxnSpPr>
+        <p:spPr>
+          <a:xfrm>
+            <a:off x="10808046" y="627218"/>
+            <a:ext cx="0" cy="355104"/>
+          </a:xfrm>
+          <a:prstGeom prst="straightConnector1">
+            <a:avLst/>
+          </a:prstGeom>
+          <a:ln>
+            <a:tailEnd type="triangle"/>
+          </a:ln>
+        </p:spPr>
+        <p:style>
+          <a:lnRef idx="1">
+            <a:schemeClr val="dk1"/>
+          </a:lnRef>
+          <a:fillRef idx="0">
+            <a:schemeClr val="dk1"/>
+          </a:fillRef>
+          <a:effectRef idx="0">
+            <a:schemeClr val="dk1"/>
+          </a:effectRef>
+          <a:fontRef idx="minor">
+            <a:schemeClr val="tx1"/>
+          </a:fontRef>
+        </p:style>
+      </p:cxnSp>
+      <mc:AlternateContent xmlns:mc="http://schemas.openxmlformats.org/markup-compatibility/2006">
+        <mc:Choice xmlns:a14="http://schemas.microsoft.com/office/drawing/2010/main" Requires="a14">
+          <p:sp>
+            <p:nvSpPr>
+              <p:cNvPr id="78" name="CaixaDeTexto 77">
+                <a:extLst>
+                  <a:ext uri="{FF2B5EF4-FFF2-40B4-BE49-F238E27FC236}">
+                    <a16:creationId xmlns:a16="http://schemas.microsoft.com/office/drawing/2014/main" id="{22BF5F5D-8169-4FB7-88E4-29717A674863}"/>
+                  </a:ext>
+                </a:extLst>
+              </p:cNvPr>
+              <p:cNvSpPr txBox="1"/>
+              <p:nvPr/>
+            </p:nvSpPr>
+            <p:spPr>
+              <a:xfrm>
+                <a:off x="10531166" y="350219"/>
+                <a:ext cx="553758" cy="276999"/>
+              </a:xfrm>
+              <a:prstGeom prst="rect">
+                <a:avLst/>
+              </a:prstGeom>
+              <a:noFill/>
+            </p:spPr>
+            <p:txBody>
+              <a:bodyPr wrap="square" rtlCol="0">
+                <a:spAutoFit/>
+              </a:bodyPr>
+              <a:lstStyle/>
+              <a:p>
+                <a:pPr/>
+                <a14:m>
+                  <m:oMathPara xmlns:m="http://schemas.openxmlformats.org/officeDocument/2006/math">
+                    <m:oMathParaPr>
+                      <m:jc m:val="center"/>
+                    </m:oMathParaPr>
+                    <m:oMath xmlns:m="http://schemas.openxmlformats.org/officeDocument/2006/math">
+                      <m:sSub>
+                        <m:sSubPr>
+                          <m:ctrlPr>
+                            <a:rPr lang="pt-BR" sz="1200" b="0" i="1" smtClean="0">
+                              <a:latin typeface="Cambria Math" panose="02040503050406030204" pitchFamily="18" charset="0"/>
+                            </a:rPr>
+                          </m:ctrlPr>
+                        </m:sSubPr>
+                        <m:e>
+                          <m:r>
+                            <a:rPr lang="pt-BR" sz="1200" b="0" i="1" smtClean="0">
+                              <a:latin typeface="Cambria Math" panose="02040503050406030204" pitchFamily="18" charset="0"/>
+                            </a:rPr>
+                            <m:t>𝑇</m:t>
+                          </m:r>
+                        </m:e>
+                        <m:sub>
+                          <m:r>
+                            <a:rPr lang="pt-BR" sz="1200" b="0" i="1" smtClean="0">
+                              <a:latin typeface="Cambria Math" panose="02040503050406030204" pitchFamily="18" charset="0"/>
+                            </a:rPr>
+                            <m:t>𝑐</m:t>
+                          </m:r>
+                        </m:sub>
+                      </m:sSub>
+                    </m:oMath>
+                  </m:oMathPara>
+                </a14:m>
+                <a:endParaRPr lang="pt-BR" sz="1200" i="1" dirty="0"/>
+              </a:p>
+            </p:txBody>
+          </p:sp>
+        </mc:Choice>
+        <mc:Fallback>
+          <p:sp>
+            <p:nvSpPr>
+              <p:cNvPr id="78" name="CaixaDeTexto 77">
+                <a:extLst>
+                  <a:ext uri="{FF2B5EF4-FFF2-40B4-BE49-F238E27FC236}">
+                    <a16:creationId xmlns:a16="http://schemas.microsoft.com/office/drawing/2014/main" id="{22BF5F5D-8169-4FB7-88E4-29717A674863}"/>
+                  </a:ext>
+                </a:extLst>
+              </p:cNvPr>
+              <p:cNvSpPr txBox="1">
+                <a:spLocks noRot="1" noChangeAspect="1" noMove="1" noResize="1" noEditPoints="1" noAdjustHandles="1" noChangeArrowheads="1" noChangeShapeType="1" noTextEdit="1"/>
+              </p:cNvSpPr>
+              <p:nvPr/>
+            </p:nvSpPr>
+            <p:spPr>
+              <a:xfrm>
+                <a:off x="10531166" y="350219"/>
+                <a:ext cx="553758" cy="276999"/>
+              </a:xfrm>
+              <a:prstGeom prst="rect">
+                <a:avLst/>
+              </a:prstGeom>
+              <a:blipFill>
+                <a:blip r:embed="rId10"/>
+                <a:stretch>
+                  <a:fillRect/>
+                </a:stretch>
+              </a:blipFill>
+            </p:spPr>
+            <p:txBody>
+              <a:bodyPr/>
+              <a:lstStyle/>
+              <a:p>
+                <a:r>
+                  <a:rPr lang="pt-BR">
+                    <a:noFill/>
+                  </a:rPr>
+                  <a:t> </a:t>
+                </a:r>
+              </a:p>
+            </p:txBody>
+          </p:sp>
+        </mc:Fallback>
+      </mc:AlternateContent>
+      <p:sp>
+        <p:nvSpPr>
+          <p:cNvPr id="145" name="Retângulo 144">
+            <a:extLst>
+              <a:ext uri="{FF2B5EF4-FFF2-40B4-BE49-F238E27FC236}">
+                <a16:creationId xmlns:a16="http://schemas.microsoft.com/office/drawing/2014/main" id="{8590765C-8734-470C-98EA-16F5A914DBE7}"/>
+              </a:ext>
+            </a:extLst>
+          </p:cNvPr>
+          <p:cNvSpPr/>
+          <p:nvPr/>
+        </p:nvSpPr>
+        <p:spPr>
+          <a:xfrm>
+            <a:off x="4707606" y="1906259"/>
+            <a:ext cx="1525217" cy="2688226"/>
+          </a:xfrm>
+          <a:prstGeom prst="rect">
+            <a:avLst/>
+          </a:prstGeom>
+          <a:noFill/>
+          <a:ln w="9525" cap="flat" cmpd="sng" algn="ctr">
+            <a:solidFill>
+              <a:schemeClr val="dk1"/>
+            </a:solidFill>
+            <a:prstDash val="solid"/>
+            <a:round/>
+            <a:headEnd type="none" w="med" len="med"/>
+            <a:tailEnd type="none" w="med" len="med"/>
+          </a:ln>
+        </p:spPr>
+        <p:style>
+          <a:lnRef idx="0">
+            <a:scrgbClr r="0" g="0" b="0"/>
+          </a:lnRef>
+          <a:fillRef idx="0">
+            <a:scrgbClr r="0" g="0" b="0"/>
+          </a:fillRef>
+          <a:effectRef idx="0">
+            <a:scrgbClr r="0" g="0" b="0"/>
+          </a:effectRef>
+          <a:fontRef idx="minor">
+            <a:schemeClr val="dk1"/>
+          </a:fontRef>
+        </p:style>
+        <p:txBody>
+          <a:bodyPr rtlCol="0" anchor="ctr"/>
+          <a:lstStyle/>
+          <a:p>
+            <a:pPr algn="ctr"/>
+            <a:endParaRPr lang="pt-BR"/>
+          </a:p>
+        </p:txBody>
+      </p:sp>
+      <p:pic>
+        <p:nvPicPr>
+          <p:cNvPr id="146" name="Imagem 145">
+            <a:extLst>
+              <a:ext uri="{FF2B5EF4-FFF2-40B4-BE49-F238E27FC236}">
+                <a16:creationId xmlns:a16="http://schemas.microsoft.com/office/drawing/2014/main" id="{E0CE125E-1E04-469E-8609-C08BC1DEC1C8}"/>
+              </a:ext>
+            </a:extLst>
+          </p:cNvPr>
+          <p:cNvPicPr>
+            <a:picLocks noChangeAspect="1"/>
+          </p:cNvPicPr>
+          <p:nvPr/>
+        </p:nvPicPr>
+        <p:blipFill>
+          <a:blip r:embed="rId11"/>
+          <a:stretch>
+            <a:fillRect/>
+          </a:stretch>
+        </p:blipFill>
+        <p:spPr>
+          <a:xfrm>
+            <a:off x="4973141" y="2908816"/>
+            <a:ext cx="994147" cy="683113"/>
+          </a:xfrm>
+          <a:prstGeom prst="rect">
+            <a:avLst/>
+          </a:prstGeom>
+        </p:spPr>
+      </p:pic>
+      <p:sp>
+        <p:nvSpPr>
+          <p:cNvPr id="180" name="Retângulo 179">
+            <a:extLst>
+              <a:ext uri="{FF2B5EF4-FFF2-40B4-BE49-F238E27FC236}">
+                <a16:creationId xmlns:a16="http://schemas.microsoft.com/office/drawing/2014/main" id="{A3EC81C8-EB69-41AD-A15A-CC64E2F6BB43}"/>
+              </a:ext>
+            </a:extLst>
+          </p:cNvPr>
+          <p:cNvSpPr/>
+          <p:nvPr/>
+        </p:nvSpPr>
+        <p:spPr>
+          <a:xfrm>
+            <a:off x="4219050" y="1379126"/>
+            <a:ext cx="540000" cy="360000"/>
+          </a:xfrm>
+          <a:prstGeom prst="rect">
+            <a:avLst/>
+          </a:prstGeom>
+          <a:noFill/>
+          <a:ln w="9525" cap="flat" cmpd="sng" algn="ctr">
+            <a:solidFill>
+              <a:schemeClr val="dk1"/>
+            </a:solidFill>
+            <a:prstDash val="solid"/>
+            <a:round/>
+            <a:headEnd type="none" w="med" len="med"/>
+            <a:tailEnd type="none" w="med" len="med"/>
+          </a:ln>
+        </p:spPr>
+        <p:style>
+          <a:lnRef idx="0">
+            <a:scrgbClr r="0" g="0" b="0"/>
+          </a:lnRef>
+          <a:fillRef idx="0">
+            <a:scrgbClr r="0" g="0" b="0"/>
+          </a:fillRef>
+          <a:effectRef idx="0">
+            <a:scrgbClr r="0" g="0" b="0"/>
+          </a:effectRef>
+          <a:fontRef idx="minor">
+            <a:schemeClr val="dk1"/>
+          </a:fontRef>
+        </p:style>
+        <p:txBody>
+          <a:bodyPr rtlCol="0" anchor="ctr"/>
+          <a:lstStyle/>
+          <a:p>
+            <a:pPr algn="ctr"/>
+            <a:r>
+              <a:rPr lang="pt-BR" sz="800" dirty="0"/>
+              <a:t>Módulo</a:t>
+            </a:r>
+          </a:p>
+          <a:p>
+            <a:pPr algn="ctr"/>
+            <a:r>
+              <a:rPr lang="pt-BR" sz="800" dirty="0"/>
+              <a:t>L298</a:t>
+            </a:r>
+          </a:p>
+        </p:txBody>
+      </p:sp>
+      <p:sp>
+        <p:nvSpPr>
+          <p:cNvPr id="185" name="Retângulo 184">
+            <a:extLst>
+              <a:ext uri="{FF2B5EF4-FFF2-40B4-BE49-F238E27FC236}">
+                <a16:creationId xmlns:a16="http://schemas.microsoft.com/office/drawing/2014/main" id="{298E99AD-EDB0-4D5D-9FBB-7678F1FDE748}"/>
+              </a:ext>
+            </a:extLst>
+          </p:cNvPr>
+          <p:cNvSpPr/>
+          <p:nvPr/>
+        </p:nvSpPr>
+        <p:spPr>
+          <a:xfrm>
+            <a:off x="3493953" y="1379126"/>
+            <a:ext cx="540000" cy="360000"/>
+          </a:xfrm>
+          <a:prstGeom prst="rect">
+            <a:avLst/>
+          </a:prstGeom>
+          <a:noFill/>
+          <a:ln w="9525" cap="flat" cmpd="sng" algn="ctr">
+            <a:solidFill>
+              <a:schemeClr val="dk1"/>
+            </a:solidFill>
+            <a:prstDash val="solid"/>
+            <a:round/>
+            <a:headEnd type="none" w="med" len="med"/>
+            <a:tailEnd type="none" w="med" len="med"/>
+          </a:ln>
+        </p:spPr>
+        <p:style>
+          <a:lnRef idx="0">
+            <a:scrgbClr r="0" g="0" b="0"/>
+          </a:lnRef>
+          <a:fillRef idx="0">
+            <a:scrgbClr r="0" g="0" b="0"/>
+          </a:fillRef>
+          <a:effectRef idx="0">
+            <a:scrgbClr r="0" g="0" b="0"/>
+          </a:effectRef>
+          <a:fontRef idx="minor">
+            <a:schemeClr val="dk1"/>
+          </a:fontRef>
+        </p:style>
+        <p:txBody>
+          <a:bodyPr rtlCol="0" anchor="ctr"/>
+          <a:lstStyle/>
+          <a:p>
+            <a:pPr algn="ctr"/>
+            <a:r>
+              <a:rPr lang="pt-BR" sz="800" dirty="0"/>
+              <a:t>Módulo</a:t>
+            </a:r>
+          </a:p>
+          <a:p>
+            <a:pPr algn="ctr"/>
+            <a:r>
+              <a:rPr lang="pt-BR" sz="800" dirty="0"/>
+              <a:t>INA219</a:t>
+            </a:r>
+          </a:p>
+        </p:txBody>
+      </p:sp>
+      <p:sp>
+        <p:nvSpPr>
+          <p:cNvPr id="188" name="Retângulo 187">
+            <a:extLst>
+              <a:ext uri="{FF2B5EF4-FFF2-40B4-BE49-F238E27FC236}">
+                <a16:creationId xmlns:a16="http://schemas.microsoft.com/office/drawing/2014/main" id="{A5288011-363D-4659-AA5A-F3139217696C}"/>
+              </a:ext>
+            </a:extLst>
+          </p:cNvPr>
+          <p:cNvSpPr/>
+          <p:nvPr/>
+        </p:nvSpPr>
+        <p:spPr>
+          <a:xfrm>
+            <a:off x="891379" y="1689983"/>
+            <a:ext cx="540000" cy="360000"/>
+          </a:xfrm>
+          <a:prstGeom prst="rect">
+            <a:avLst/>
+          </a:prstGeom>
+          <a:noFill/>
+          <a:ln w="9525" cap="flat" cmpd="sng" algn="ctr">
+            <a:solidFill>
+              <a:schemeClr val="dk1"/>
+            </a:solidFill>
+            <a:prstDash val="solid"/>
+            <a:round/>
+            <a:headEnd type="none" w="med" len="med"/>
+            <a:tailEnd type="none" w="med" len="med"/>
+          </a:ln>
+        </p:spPr>
+        <p:style>
+          <a:lnRef idx="0">
+            <a:scrgbClr r="0" g="0" b="0"/>
+          </a:lnRef>
+          <a:fillRef idx="0">
+            <a:scrgbClr r="0" g="0" b="0"/>
+          </a:fillRef>
+          <a:effectRef idx="0">
+            <a:scrgbClr r="0" g="0" b="0"/>
+          </a:effectRef>
+          <a:fontRef idx="minor">
+            <a:schemeClr val="dk1"/>
+          </a:fontRef>
+        </p:style>
+        <p:txBody>
+          <a:bodyPr rtlCol="0" anchor="ctr"/>
+          <a:lstStyle/>
+          <a:p>
+            <a:pPr algn="ctr"/>
+            <a:r>
+              <a:rPr lang="pt-BR" sz="800" dirty="0">
+                <a:ea typeface="Cambria Math" panose="02040503050406030204" pitchFamily="18" charset="0"/>
+              </a:rPr>
+              <a:t>Módulo</a:t>
+            </a:r>
+          </a:p>
+          <a:p>
+            <a:pPr algn="ctr"/>
+            <a:r>
+              <a:rPr lang="pt-BR" sz="800" dirty="0">
+                <a:ea typeface="Cambria Math" panose="02040503050406030204" pitchFamily="18" charset="0"/>
+              </a:rPr>
+              <a:t>KY-040</a:t>
+            </a:r>
+          </a:p>
+        </p:txBody>
+      </p:sp>
+      <p:pic>
+        <p:nvPicPr>
+          <p:cNvPr id="198" name="Imagem 197">
+            <a:extLst>
+              <a:ext uri="{FF2B5EF4-FFF2-40B4-BE49-F238E27FC236}">
+                <a16:creationId xmlns:a16="http://schemas.microsoft.com/office/drawing/2014/main" id="{FCA32423-7A25-4D52-BB47-0E5D8AD476B9}"/>
+              </a:ext>
+            </a:extLst>
+          </p:cNvPr>
+          <p:cNvPicPr/>
+          <p:nvPr/>
+        </p:nvPicPr>
+        <p:blipFill>
+          <a:blip r:embed="rId12">
+            <a:duotone>
+              <a:schemeClr val="accent3">
+                <a:shade val="45000"/>
+                <a:satMod val="135000"/>
+              </a:schemeClr>
+              <a:prstClr val="white"/>
+            </a:duotone>
+            <a:extLst>
+              <a:ext uri="{BEBA8EAE-BF5A-486C-A8C5-ECC9F3942E4B}">
+                <a14:imgProps xmlns:a14="http://schemas.microsoft.com/office/drawing/2010/main">
+                  <a14:imgLayer r:embed="rId13">
+                    <a14:imgEffect>
+                      <a14:sharpenSoften amount="100000"/>
+                    </a14:imgEffect>
+                    <a14:imgEffect>
+                      <a14:saturation sat="0"/>
+                    </a14:imgEffect>
+                    <a14:imgEffect>
+                      <a14:brightnessContrast contrast="100000"/>
+                    </a14:imgEffect>
+                  </a14:imgLayer>
+                </a14:imgProps>
+              </a:ext>
+              <a:ext uri="{28A0092B-C50C-407E-A947-70E740481C1C}">
+                <a14:useLocalDpi xmlns:a14="http://schemas.microsoft.com/office/drawing/2010/main" val="0"/>
+              </a:ext>
+            </a:extLst>
+          </a:blip>
+          <a:srcRect/>
+          <a:stretch>
+            <a:fillRect/>
+          </a:stretch>
+        </p:blipFill>
+        <p:spPr bwMode="auto">
+          <a:xfrm>
+            <a:off x="7070795" y="2952512"/>
+            <a:ext cx="633107" cy="565783"/>
+          </a:xfrm>
+          <a:prstGeom prst="rect">
+            <a:avLst/>
+          </a:prstGeom>
+          <a:noFill/>
+          <a:ln cap="sq">
+            <a:solidFill>
+              <a:schemeClr val="dk1"/>
+            </a:solidFill>
+          </a:ln>
+        </p:spPr>
+      </p:pic>
+      <p:cxnSp>
+        <p:nvCxnSpPr>
+          <p:cNvPr id="199" name="Conector de Seta Reta 198">
+            <a:extLst>
+              <a:ext uri="{FF2B5EF4-FFF2-40B4-BE49-F238E27FC236}">
+                <a16:creationId xmlns:a16="http://schemas.microsoft.com/office/drawing/2014/main" id="{46AB0260-332A-4663-AF8A-2588E10FC419}"/>
+              </a:ext>
+            </a:extLst>
+          </p:cNvPr>
+          <p:cNvCxnSpPr/>
+          <p:nvPr/>
+        </p:nvCxnSpPr>
+        <p:spPr>
+          <a:xfrm>
+            <a:off x="6238546" y="3235403"/>
+            <a:ext cx="821076" cy="1"/>
+          </a:xfrm>
+          <a:prstGeom prst="straightConnector1">
+            <a:avLst/>
+          </a:prstGeom>
+          <a:ln>
+            <a:headEnd type="triangle"/>
+            <a:tailEnd type="triangle"/>
+          </a:ln>
+        </p:spPr>
+        <p:style>
+          <a:lnRef idx="2">
+            <a:schemeClr val="dk1"/>
+          </a:lnRef>
+          <a:fillRef idx="0">
+            <a:schemeClr val="dk1"/>
+          </a:fillRef>
+          <a:effectRef idx="1">
+            <a:schemeClr val="dk1"/>
+          </a:effectRef>
+          <a:fontRef idx="minor">
+            <a:schemeClr val="tx1"/>
+          </a:fontRef>
+        </p:style>
+      </p:cxnSp>
+      <p:sp>
+        <p:nvSpPr>
+          <p:cNvPr id="200" name="CaixaDeTexto 199">
+            <a:extLst>
+              <a:ext uri="{FF2B5EF4-FFF2-40B4-BE49-F238E27FC236}">
+                <a16:creationId xmlns:a16="http://schemas.microsoft.com/office/drawing/2014/main" id="{00AB3F06-CEFF-4165-B51F-65150CB05444}"/>
+              </a:ext>
+            </a:extLst>
+          </p:cNvPr>
+          <p:cNvSpPr txBox="1"/>
+          <p:nvPr/>
+        </p:nvSpPr>
+        <p:spPr>
+          <a:xfrm>
+            <a:off x="6939673" y="3456994"/>
+            <a:ext cx="895350" cy="246221"/>
+          </a:xfrm>
+          <a:prstGeom prst="rect">
+            <a:avLst/>
+          </a:prstGeom>
+          <a:noFill/>
+        </p:spPr>
+        <p:txBody>
+          <a:bodyPr wrap="square" rtlCol="0">
+            <a:spAutoFit/>
+          </a:bodyPr>
+          <a:lstStyle/>
+          <a:p>
+            <a:pPr algn="ctr"/>
+            <a:r>
+              <a:rPr lang="pt-BR" sz="1000" dirty="0"/>
+              <a:t>Supervisório</a:t>
+            </a:r>
+          </a:p>
+        </p:txBody>
+      </p:sp>
+      <p:sp>
+        <p:nvSpPr>
+          <p:cNvPr id="201" name="CaixaDeTexto 200">
+            <a:extLst>
+              <a:ext uri="{FF2B5EF4-FFF2-40B4-BE49-F238E27FC236}">
+                <a16:creationId xmlns:a16="http://schemas.microsoft.com/office/drawing/2014/main" id="{2D826552-1BE2-430B-A235-4DBEDC5A1F23}"/>
+              </a:ext>
+            </a:extLst>
+          </p:cNvPr>
+          <p:cNvSpPr txBox="1"/>
+          <p:nvPr/>
+        </p:nvSpPr>
+        <p:spPr>
+          <a:xfrm>
+            <a:off x="6325744" y="3052380"/>
+            <a:ext cx="646680" cy="215444"/>
+          </a:xfrm>
+          <a:prstGeom prst="rect">
+            <a:avLst/>
+          </a:prstGeom>
+          <a:noFill/>
+        </p:spPr>
+        <p:txBody>
+          <a:bodyPr wrap="square" rtlCol="0">
+            <a:spAutoFit/>
+          </a:bodyPr>
+          <a:lstStyle/>
+          <a:p>
+            <a:pPr algn="ctr"/>
+            <a:r>
+              <a:rPr lang="pt-BR" sz="800" dirty="0"/>
+              <a:t>Serial/USB</a:t>
+            </a:r>
+          </a:p>
+        </p:txBody>
+      </p:sp>
+      <p:pic>
+        <p:nvPicPr>
+          <p:cNvPr id="206" name="Imagem 205">
+            <a:extLst>
+              <a:ext uri="{FF2B5EF4-FFF2-40B4-BE49-F238E27FC236}">
+                <a16:creationId xmlns:a16="http://schemas.microsoft.com/office/drawing/2014/main" id="{B2828346-86BB-4ADD-9609-9CCDB11B9E2D}"/>
+              </a:ext>
+            </a:extLst>
+          </p:cNvPr>
+          <p:cNvPicPr>
+            <a:picLocks noChangeAspect="1"/>
+          </p:cNvPicPr>
+          <p:nvPr/>
+        </p:nvPicPr>
+        <p:blipFill>
+          <a:blip r:embed="rId14">
+            <a:extLst>
+              <a:ext uri="{28A0092B-C50C-407E-A947-70E740481C1C}">
+                <a14:useLocalDpi xmlns:a14="http://schemas.microsoft.com/office/drawing/2010/main" val="0"/>
+              </a:ext>
+            </a:extLst>
+          </a:blip>
+          <a:stretch>
+            <a:fillRect/>
+          </a:stretch>
+        </p:blipFill>
+        <p:spPr>
+          <a:xfrm>
+            <a:off x="7311934" y="3093816"/>
+            <a:ext cx="141587" cy="141587"/>
+          </a:xfrm>
+          <a:prstGeom prst="rect">
+            <a:avLst/>
+          </a:prstGeom>
+        </p:spPr>
+      </p:pic>
+      <p:cxnSp>
+        <p:nvCxnSpPr>
+          <p:cNvPr id="207" name="Conector de Seta Reta 206">
+            <a:extLst>
+              <a:ext uri="{FF2B5EF4-FFF2-40B4-BE49-F238E27FC236}">
+                <a16:creationId xmlns:a16="http://schemas.microsoft.com/office/drawing/2014/main" id="{B72E42F3-E659-4692-AE84-F6E7B7C87522}"/>
+              </a:ext>
+            </a:extLst>
+          </p:cNvPr>
+          <p:cNvCxnSpPr/>
+          <p:nvPr/>
+        </p:nvCxnSpPr>
+        <p:spPr>
+          <a:xfrm>
+            <a:off x="2094126" y="3053926"/>
+            <a:ext cx="0" cy="247650"/>
+          </a:xfrm>
+          <a:prstGeom prst="straightConnector1">
+            <a:avLst/>
+          </a:prstGeom>
+          <a:ln w="19050">
+            <a:headEnd type="triangle" w="med" len="med"/>
+            <a:tailEnd type="none" w="med" len="med"/>
+          </a:ln>
+        </p:spPr>
+        <p:style>
+          <a:lnRef idx="3">
+            <a:schemeClr val="dk1"/>
+          </a:lnRef>
+          <a:fillRef idx="0">
+            <a:schemeClr val="dk1"/>
+          </a:fillRef>
+          <a:effectRef idx="2">
+            <a:schemeClr val="dk1"/>
+          </a:effectRef>
+          <a:fontRef idx="minor">
+            <a:schemeClr val="tx1"/>
+          </a:fontRef>
+        </p:style>
+      </p:cxnSp>
+      <p:cxnSp>
+        <p:nvCxnSpPr>
+          <p:cNvPr id="208" name="Conector de Seta Reta 207">
+            <a:extLst>
+              <a:ext uri="{FF2B5EF4-FFF2-40B4-BE49-F238E27FC236}">
+                <a16:creationId xmlns:a16="http://schemas.microsoft.com/office/drawing/2014/main" id="{032FA781-EC1D-4E55-BCC2-824A99C4093C}"/>
+              </a:ext>
+            </a:extLst>
+          </p:cNvPr>
+          <p:cNvCxnSpPr>
+            <a:cxnSpLocks/>
+          </p:cNvCxnSpPr>
+          <p:nvPr/>
+        </p:nvCxnSpPr>
+        <p:spPr>
+          <a:xfrm>
+            <a:off x="2450763" y="3053926"/>
+            <a:ext cx="0" cy="247650"/>
+          </a:xfrm>
+          <a:prstGeom prst="straightConnector1">
+            <a:avLst/>
+          </a:prstGeom>
+          <a:ln w="19050">
+            <a:headEnd type="triangle" w="med" len="med"/>
+            <a:tailEnd type="none" w="med" len="med"/>
+          </a:ln>
+        </p:spPr>
+        <p:style>
+          <a:lnRef idx="3">
+            <a:schemeClr val="dk1"/>
+          </a:lnRef>
+          <a:fillRef idx="0">
+            <a:schemeClr val="dk1"/>
+          </a:fillRef>
+          <a:effectRef idx="2">
+            <a:schemeClr val="dk1"/>
+          </a:effectRef>
+          <a:fontRef idx="minor">
+            <a:schemeClr val="tx1"/>
+          </a:fontRef>
+        </p:style>
+      </p:cxnSp>
+      <mc:AlternateContent xmlns:mc="http://schemas.openxmlformats.org/markup-compatibility/2006">
+        <mc:Choice xmlns:a14="http://schemas.microsoft.com/office/drawing/2010/main" Requires="a14">
+          <p:sp>
+            <p:nvSpPr>
+              <p:cNvPr id="209" name="CaixaDeTexto 208">
+                <a:extLst>
+                  <a:ext uri="{FF2B5EF4-FFF2-40B4-BE49-F238E27FC236}">
+                    <a16:creationId xmlns:a16="http://schemas.microsoft.com/office/drawing/2014/main" id="{369F3DC8-B79C-4715-965E-E3BC80A0FDFC}"/>
+                  </a:ext>
+                </a:extLst>
+              </p:cNvPr>
+              <p:cNvSpPr txBox="1"/>
+              <p:nvPr/>
+            </p:nvSpPr>
+            <p:spPr>
+              <a:xfrm>
+                <a:off x="2305421" y="3103996"/>
+                <a:ext cx="577419" cy="264881"/>
+              </a:xfrm>
+              <a:prstGeom prst="rect">
+                <a:avLst/>
+              </a:prstGeom>
+              <a:noFill/>
+            </p:spPr>
+            <p:txBody>
+              <a:bodyPr wrap="square" rtlCol="0">
+                <a:spAutoFit/>
+              </a:bodyPr>
+              <a:lstStyle/>
+              <a:p>
+                <a:pPr algn="ctr"/>
+                <a14:m>
+                  <m:oMathPara xmlns:m="http://schemas.openxmlformats.org/officeDocument/2006/math">
+                    <m:oMathParaPr>
+                      <m:jc m:val="centerGroup"/>
+                    </m:oMathParaPr>
+                    <m:oMath xmlns:m="http://schemas.openxmlformats.org/officeDocument/2006/math">
+                      <m:sSub>
+                        <m:sSubPr>
+                          <m:ctrlPr>
+                            <a:rPr lang="pt-BR" sz="1000" i="1" smtClean="0">
+                              <a:latin typeface="Cambria Math" panose="02040503050406030204" pitchFamily="18" charset="0"/>
+                              <a:ea typeface="Cambria Math" panose="02040503050406030204" pitchFamily="18" charset="0"/>
+                            </a:rPr>
+                          </m:ctrlPr>
+                        </m:sSubPr>
+                        <m:e>
+                          <m:acc>
+                            <m:accPr>
+                              <m:chr m:val="⃗"/>
+                              <m:ctrlPr>
+                                <a:rPr lang="pt-BR" sz="1000" i="1" smtClean="0">
+                                  <a:latin typeface="Cambria Math" panose="02040503050406030204" pitchFamily="18" charset="0"/>
+                                  <a:ea typeface="Cambria Math" panose="02040503050406030204" pitchFamily="18" charset="0"/>
+                                </a:rPr>
+                              </m:ctrlPr>
+                            </m:accPr>
+                            <m:e>
+                              <m:r>
+                                <a:rPr lang="pt-BR" sz="1000" b="0" i="1" smtClean="0">
+                                  <a:latin typeface="Cambria Math" panose="02040503050406030204" pitchFamily="18" charset="0"/>
+                                  <a:ea typeface="Cambria Math" panose="02040503050406030204" pitchFamily="18" charset="0"/>
+                                </a:rPr>
+                                <m:t>𝑇</m:t>
+                              </m:r>
+                            </m:e>
+                          </m:acc>
+                        </m:e>
+                        <m:sub>
+                          <m:r>
+                            <a:rPr lang="pt-BR" sz="1000" b="0" i="1" smtClean="0">
+                              <a:latin typeface="Cambria Math" panose="02040503050406030204" pitchFamily="18" charset="0"/>
+                              <a:ea typeface="Cambria Math" panose="02040503050406030204" pitchFamily="18" charset="0"/>
+                            </a:rPr>
+                            <m:t>𝑘</m:t>
+                          </m:r>
+                        </m:sub>
+                      </m:sSub>
+                    </m:oMath>
+                  </m:oMathPara>
+                </a14:m>
+                <a:endParaRPr lang="pt-BR" sz="1000" i="1" dirty="0">
+                  <a:latin typeface="Cambria Math" panose="02040503050406030204" pitchFamily="18" charset="0"/>
+                  <a:ea typeface="Cambria Math" panose="02040503050406030204" pitchFamily="18" charset="0"/>
+                </a:endParaRPr>
+              </a:p>
+            </p:txBody>
+          </p:sp>
+        </mc:Choice>
+        <mc:Fallback>
+          <p:sp>
+            <p:nvSpPr>
+              <p:cNvPr id="209" name="CaixaDeTexto 208">
+                <a:extLst>
+                  <a:ext uri="{FF2B5EF4-FFF2-40B4-BE49-F238E27FC236}">
+                    <a16:creationId xmlns:a16="http://schemas.microsoft.com/office/drawing/2014/main" id="{369F3DC8-B79C-4715-965E-E3BC80A0FDFC}"/>
+                  </a:ext>
+                </a:extLst>
+              </p:cNvPr>
+              <p:cNvSpPr txBox="1">
+                <a:spLocks noRot="1" noChangeAspect="1" noMove="1" noResize="1" noEditPoints="1" noAdjustHandles="1" noChangeArrowheads="1" noChangeShapeType="1" noTextEdit="1"/>
+              </p:cNvSpPr>
+              <p:nvPr/>
+            </p:nvSpPr>
+            <p:spPr>
+              <a:xfrm>
+                <a:off x="2305421" y="3103996"/>
+                <a:ext cx="577419" cy="264881"/>
+              </a:xfrm>
+              <a:prstGeom prst="rect">
+                <a:avLst/>
+              </a:prstGeom>
+              <a:blipFill>
+                <a:blip r:embed="rId15"/>
+                <a:stretch>
+                  <a:fillRect/>
+                </a:stretch>
+              </a:blipFill>
+            </p:spPr>
+            <p:txBody>
+              <a:bodyPr/>
+              <a:lstStyle/>
+              <a:p>
+                <a:r>
+                  <a:rPr lang="pt-BR">
+                    <a:noFill/>
+                  </a:rPr>
+                  <a:t> </a:t>
+                </a:r>
+              </a:p>
+            </p:txBody>
+          </p:sp>
+        </mc:Fallback>
+      </mc:AlternateContent>
+      <mc:AlternateContent xmlns:mc="http://schemas.openxmlformats.org/markup-compatibility/2006">
+        <mc:Choice xmlns:a14="http://schemas.microsoft.com/office/drawing/2010/main" Requires="a14">
+          <p:sp>
+            <p:nvSpPr>
+              <p:cNvPr id="210" name="CaixaDeTexto 209">
+                <a:extLst>
+                  <a:ext uri="{FF2B5EF4-FFF2-40B4-BE49-F238E27FC236}">
+                    <a16:creationId xmlns:a16="http://schemas.microsoft.com/office/drawing/2014/main" id="{9454D6B5-40B0-4C60-90F6-F5E7936CE6B3}"/>
+                  </a:ext>
+                </a:extLst>
+              </p:cNvPr>
+              <p:cNvSpPr txBox="1"/>
+              <p:nvPr/>
+            </p:nvSpPr>
+            <p:spPr>
+              <a:xfrm>
+                <a:off x="1956297" y="3103996"/>
+                <a:ext cx="577419" cy="264881"/>
+              </a:xfrm>
+              <a:prstGeom prst="rect">
+                <a:avLst/>
+              </a:prstGeom>
+              <a:noFill/>
+            </p:spPr>
+            <p:txBody>
+              <a:bodyPr wrap="square" rtlCol="0">
+                <a:spAutoFit/>
+              </a:bodyPr>
+              <a:lstStyle/>
+              <a:p>
+                <a:pPr algn="ctr"/>
+                <a14:m>
+                  <m:oMathPara xmlns:m="http://schemas.openxmlformats.org/officeDocument/2006/math">
+                    <m:oMathParaPr>
+                      <m:jc m:val="centerGroup"/>
+                    </m:oMathParaPr>
+                    <m:oMath xmlns:m="http://schemas.openxmlformats.org/officeDocument/2006/math">
+                      <m:sSub>
+                        <m:sSubPr>
+                          <m:ctrlPr>
+                            <a:rPr lang="pt-BR" sz="1000" i="1" smtClean="0">
+                              <a:latin typeface="Cambria Math" panose="02040503050406030204" pitchFamily="18" charset="0"/>
+                              <a:ea typeface="Cambria Math" panose="02040503050406030204" pitchFamily="18" charset="0"/>
+                            </a:rPr>
+                          </m:ctrlPr>
+                        </m:sSubPr>
+                        <m:e>
+                          <m:acc>
+                            <m:accPr>
+                              <m:chr m:val="⃗"/>
+                              <m:ctrlPr>
+                                <a:rPr lang="pt-BR" sz="1000" i="1" smtClean="0">
+                                  <a:latin typeface="Cambria Math" panose="02040503050406030204" pitchFamily="18" charset="0"/>
+                                  <a:ea typeface="Cambria Math" panose="02040503050406030204" pitchFamily="18" charset="0"/>
+                                </a:rPr>
+                              </m:ctrlPr>
+                            </m:accPr>
+                            <m:e>
+                              <m:r>
+                                <a:rPr lang="pt-BR" sz="1000" b="0" i="1" smtClean="0">
+                                  <a:latin typeface="Cambria Math" panose="02040503050406030204" pitchFamily="18" charset="0"/>
+                                  <a:ea typeface="Cambria Math" panose="02040503050406030204" pitchFamily="18" charset="0"/>
+                                </a:rPr>
+                                <m:t>𝑇</m:t>
+                              </m:r>
+                            </m:e>
+                          </m:acc>
+                        </m:e>
+                        <m:sub>
+                          <m:r>
+                            <a:rPr lang="pt-BR" sz="1000" b="0" i="1" smtClean="0">
+                              <a:latin typeface="Cambria Math" panose="02040503050406030204" pitchFamily="18" charset="0"/>
+                              <a:ea typeface="Cambria Math" panose="02040503050406030204" pitchFamily="18" charset="0"/>
+                            </a:rPr>
+                            <m:t>𝑘</m:t>
+                          </m:r>
+                        </m:sub>
+                      </m:sSub>
+                    </m:oMath>
+                  </m:oMathPara>
+                </a14:m>
+                <a:endParaRPr lang="pt-BR" sz="1000" i="1" dirty="0">
+                  <a:latin typeface="Cambria Math" panose="02040503050406030204" pitchFamily="18" charset="0"/>
+                  <a:ea typeface="Cambria Math" panose="02040503050406030204" pitchFamily="18" charset="0"/>
+                </a:endParaRPr>
+              </a:p>
+            </p:txBody>
+          </p:sp>
+        </mc:Choice>
+        <mc:Fallback>
+          <p:sp>
+            <p:nvSpPr>
+              <p:cNvPr id="210" name="CaixaDeTexto 209">
+                <a:extLst>
+                  <a:ext uri="{FF2B5EF4-FFF2-40B4-BE49-F238E27FC236}">
+                    <a16:creationId xmlns:a16="http://schemas.microsoft.com/office/drawing/2014/main" id="{9454D6B5-40B0-4C60-90F6-F5E7936CE6B3}"/>
+                  </a:ext>
+                </a:extLst>
+              </p:cNvPr>
+              <p:cNvSpPr txBox="1">
+                <a:spLocks noRot="1" noChangeAspect="1" noMove="1" noResize="1" noEditPoints="1" noAdjustHandles="1" noChangeArrowheads="1" noChangeShapeType="1" noTextEdit="1"/>
+              </p:cNvSpPr>
+              <p:nvPr/>
+            </p:nvSpPr>
+            <p:spPr>
+              <a:xfrm>
+                <a:off x="1956297" y="3103996"/>
+                <a:ext cx="577419" cy="264881"/>
+              </a:xfrm>
+              <a:prstGeom prst="rect">
+                <a:avLst/>
+              </a:prstGeom>
+              <a:blipFill>
+                <a:blip r:embed="rId16"/>
+                <a:stretch>
+                  <a:fillRect/>
+                </a:stretch>
+              </a:blipFill>
+            </p:spPr>
+            <p:txBody>
+              <a:bodyPr/>
+              <a:lstStyle/>
+              <a:p>
+                <a:r>
+                  <a:rPr lang="pt-BR">
+                    <a:noFill/>
+                  </a:rPr>
+                  <a:t> </a:t>
+                </a:r>
+              </a:p>
+            </p:txBody>
+          </p:sp>
+        </mc:Fallback>
+      </mc:AlternateContent>
+      <p:cxnSp>
+        <p:nvCxnSpPr>
+          <p:cNvPr id="211" name="Conector de Seta Reta 210">
+            <a:extLst>
+              <a:ext uri="{FF2B5EF4-FFF2-40B4-BE49-F238E27FC236}">
+                <a16:creationId xmlns:a16="http://schemas.microsoft.com/office/drawing/2014/main" id="{A5A317C2-A1DC-4811-8D77-0F80AE432827}"/>
+              </a:ext>
+            </a:extLst>
+          </p:cNvPr>
+          <p:cNvCxnSpPr>
+            <a:cxnSpLocks/>
+          </p:cNvCxnSpPr>
+          <p:nvPr/>
+        </p:nvCxnSpPr>
+        <p:spPr>
+          <a:xfrm>
+            <a:off x="2273314" y="3588824"/>
+            <a:ext cx="0" cy="474567"/>
+          </a:xfrm>
+          <a:prstGeom prst="straightConnector1">
+            <a:avLst/>
+          </a:prstGeom>
+          <a:ln w="19050">
+            <a:headEnd type="triangle" w="med" len="med"/>
+            <a:tailEnd type="none" w="med" len="med"/>
+          </a:ln>
+        </p:spPr>
+        <p:style>
+          <a:lnRef idx="3">
+            <a:schemeClr val="dk1"/>
+          </a:lnRef>
+          <a:fillRef idx="0">
+            <a:schemeClr val="dk1"/>
+          </a:fillRef>
+          <a:effectRef idx="2">
+            <a:schemeClr val="dk1"/>
+          </a:effectRef>
+          <a:fontRef idx="minor">
+            <a:schemeClr val="tx1"/>
+          </a:fontRef>
+        </p:style>
+      </p:cxnSp>
+      <mc:AlternateContent xmlns:mc="http://schemas.openxmlformats.org/markup-compatibility/2006">
+        <mc:Choice xmlns:a14="http://schemas.microsoft.com/office/drawing/2010/main" Requires="a14">
+          <p:sp>
+            <p:nvSpPr>
+              <p:cNvPr id="212" name="CaixaDeTexto 211">
+                <a:extLst>
+                  <a:ext uri="{FF2B5EF4-FFF2-40B4-BE49-F238E27FC236}">
+                    <a16:creationId xmlns:a16="http://schemas.microsoft.com/office/drawing/2014/main" id="{16941956-D999-4086-AF0D-69E78A365FC7}"/>
+                  </a:ext>
+                </a:extLst>
+              </p:cNvPr>
+              <p:cNvSpPr txBox="1"/>
+              <p:nvPr/>
+            </p:nvSpPr>
+            <p:spPr>
+              <a:xfrm>
+                <a:off x="2005802" y="3362646"/>
+                <a:ext cx="577419" cy="264881"/>
+              </a:xfrm>
+              <a:prstGeom prst="rect">
+                <a:avLst/>
+              </a:prstGeom>
+              <a:noFill/>
+            </p:spPr>
+            <p:txBody>
+              <a:bodyPr wrap="square" rtlCol="0">
+                <a:spAutoFit/>
+              </a:bodyPr>
+              <a:lstStyle/>
+              <a:p>
+                <a:pPr algn="ctr"/>
+                <a14:m>
+                  <m:oMathPara xmlns:m="http://schemas.openxmlformats.org/officeDocument/2006/math">
+                    <m:oMathParaPr>
+                      <m:jc m:val="centerGroup"/>
+                    </m:oMathParaPr>
+                    <m:oMath xmlns:m="http://schemas.openxmlformats.org/officeDocument/2006/math">
+                      <m:sSub>
+                        <m:sSubPr>
+                          <m:ctrlPr>
+                            <a:rPr lang="pt-BR" sz="1000" i="1" smtClean="0">
+                              <a:latin typeface="Cambria Math" panose="02040503050406030204" pitchFamily="18" charset="0"/>
+                              <a:ea typeface="Cambria Math" panose="02040503050406030204" pitchFamily="18" charset="0"/>
+                            </a:rPr>
+                          </m:ctrlPr>
+                        </m:sSubPr>
+                        <m:e>
+                          <m:r>
+                            <a:rPr lang="pt-BR" sz="1000" b="0" i="1" smtClean="0">
+                              <a:latin typeface="Cambria Math" panose="02040503050406030204" pitchFamily="18" charset="0"/>
+                              <a:ea typeface="Cambria Math" panose="02040503050406030204" pitchFamily="18" charset="0"/>
+                            </a:rPr>
+                            <m:t>2</m:t>
+                          </m:r>
+                          <m:acc>
+                            <m:accPr>
+                              <m:chr m:val="⃗"/>
+                              <m:ctrlPr>
+                                <a:rPr lang="pt-BR" sz="1000" i="1" smtClean="0">
+                                  <a:latin typeface="Cambria Math" panose="02040503050406030204" pitchFamily="18" charset="0"/>
+                                  <a:ea typeface="Cambria Math" panose="02040503050406030204" pitchFamily="18" charset="0"/>
+                                </a:rPr>
+                              </m:ctrlPr>
+                            </m:accPr>
+                            <m:e>
+                              <m:r>
+                                <a:rPr lang="pt-BR" sz="1000" b="0" i="1" smtClean="0">
+                                  <a:latin typeface="Cambria Math" panose="02040503050406030204" pitchFamily="18" charset="0"/>
+                                  <a:ea typeface="Cambria Math" panose="02040503050406030204" pitchFamily="18" charset="0"/>
+                                </a:rPr>
+                                <m:t>𝑇</m:t>
+                              </m:r>
+                            </m:e>
+                          </m:acc>
+                        </m:e>
+                        <m:sub>
+                          <m:r>
+                            <a:rPr lang="pt-BR" sz="1000" b="0" i="1" smtClean="0">
+                              <a:latin typeface="Cambria Math" panose="02040503050406030204" pitchFamily="18" charset="0"/>
+                              <a:ea typeface="Cambria Math" panose="02040503050406030204" pitchFamily="18" charset="0"/>
+                            </a:rPr>
+                            <m:t>𝑘</m:t>
+                          </m:r>
+                        </m:sub>
+                      </m:sSub>
+                    </m:oMath>
+                  </m:oMathPara>
+                </a14:m>
+                <a:endParaRPr lang="pt-BR" sz="1000" i="1" dirty="0">
+                  <a:latin typeface="Cambria Math" panose="02040503050406030204" pitchFamily="18" charset="0"/>
+                  <a:ea typeface="Cambria Math" panose="02040503050406030204" pitchFamily="18" charset="0"/>
+                </a:endParaRPr>
+              </a:p>
+            </p:txBody>
+          </p:sp>
+        </mc:Choice>
+        <mc:Fallback>
+          <p:sp>
+            <p:nvSpPr>
+              <p:cNvPr id="212" name="CaixaDeTexto 211">
+                <a:extLst>
+                  <a:ext uri="{FF2B5EF4-FFF2-40B4-BE49-F238E27FC236}">
+                    <a16:creationId xmlns:a16="http://schemas.microsoft.com/office/drawing/2014/main" id="{16941956-D999-4086-AF0D-69E78A365FC7}"/>
+                  </a:ext>
+                </a:extLst>
+              </p:cNvPr>
+              <p:cNvSpPr txBox="1">
+                <a:spLocks noRot="1" noChangeAspect="1" noMove="1" noResize="1" noEditPoints="1" noAdjustHandles="1" noChangeArrowheads="1" noChangeShapeType="1" noTextEdit="1"/>
+              </p:cNvSpPr>
+              <p:nvPr/>
+            </p:nvSpPr>
+            <p:spPr>
+              <a:xfrm>
+                <a:off x="2005802" y="3362646"/>
+                <a:ext cx="577419" cy="264881"/>
+              </a:xfrm>
+              <a:prstGeom prst="rect">
+                <a:avLst/>
+              </a:prstGeom>
+              <a:blipFill>
+                <a:blip r:embed="rId17"/>
+                <a:stretch>
+                  <a:fillRect/>
+                </a:stretch>
+              </a:blipFill>
+            </p:spPr>
+            <p:txBody>
+              <a:bodyPr/>
+              <a:lstStyle/>
+              <a:p>
+                <a:r>
+                  <a:rPr lang="pt-BR">
+                    <a:noFill/>
+                  </a:rPr>
+                  <a:t> </a:t>
+                </a:r>
+              </a:p>
+            </p:txBody>
+          </p:sp>
+        </mc:Fallback>
+      </mc:AlternateContent>
+      <p:cxnSp>
+        <p:nvCxnSpPr>
+          <p:cNvPr id="213" name="Conector reto 212">
+            <a:extLst>
+              <a:ext uri="{FF2B5EF4-FFF2-40B4-BE49-F238E27FC236}">
+                <a16:creationId xmlns:a16="http://schemas.microsoft.com/office/drawing/2014/main" id="{57849B4D-47FA-4F9F-8D52-85E0E0EA52F1}"/>
+              </a:ext>
+            </a:extLst>
+          </p:cNvPr>
+          <p:cNvCxnSpPr>
+            <a:cxnSpLocks/>
+            <a:stCxn id="185" idx="1"/>
+            <a:endCxn id="33" idx="6"/>
+          </p:cNvCxnSpPr>
+          <p:nvPr/>
+        </p:nvCxnSpPr>
+        <p:spPr>
+          <a:xfrm flipH="1">
+            <a:off x="3272204" y="1559126"/>
+            <a:ext cx="221749" cy="0"/>
+          </a:xfrm>
+          <a:prstGeom prst="line">
+            <a:avLst/>
+          </a:prstGeom>
+          <a:ln>
+            <a:headEnd type="none" w="med" len="med"/>
+            <a:tailEnd type="none" w="med" len="med"/>
+          </a:ln>
+        </p:spPr>
+        <p:style>
+          <a:lnRef idx="1">
+            <a:schemeClr val="accent2"/>
+          </a:lnRef>
+          <a:fillRef idx="0">
+            <a:schemeClr val="accent2"/>
+          </a:fillRef>
+          <a:effectRef idx="0">
+            <a:schemeClr val="accent2"/>
+          </a:effectRef>
+          <a:fontRef idx="minor">
+            <a:schemeClr val="tx1"/>
+          </a:fontRef>
+        </p:style>
+      </p:cxnSp>
+      <p:cxnSp>
+        <p:nvCxnSpPr>
+          <p:cNvPr id="227" name="Conector reto 226">
+            <a:extLst>
+              <a:ext uri="{FF2B5EF4-FFF2-40B4-BE49-F238E27FC236}">
+                <a16:creationId xmlns:a16="http://schemas.microsoft.com/office/drawing/2014/main" id="{14B32F8B-5829-4EA5-8663-C7B2729F6C7E}"/>
+              </a:ext>
+            </a:extLst>
+          </p:cNvPr>
+          <p:cNvCxnSpPr>
+            <a:cxnSpLocks/>
+          </p:cNvCxnSpPr>
+          <p:nvPr/>
+        </p:nvCxnSpPr>
+        <p:spPr>
+          <a:xfrm flipH="1">
+            <a:off x="1433060" y="1869983"/>
+            <a:ext cx="240458" cy="0"/>
+          </a:xfrm>
+          <a:prstGeom prst="line">
+            <a:avLst/>
+          </a:prstGeom>
+          <a:ln>
+            <a:headEnd type="none" w="med" len="med"/>
+            <a:tailEnd type="none" w="med" len="med"/>
+          </a:ln>
+        </p:spPr>
+        <p:style>
+          <a:lnRef idx="1">
+            <a:schemeClr val="accent2"/>
+          </a:lnRef>
+          <a:fillRef idx="0">
+            <a:schemeClr val="accent2"/>
+          </a:fillRef>
+          <a:effectRef idx="0">
+            <a:schemeClr val="accent2"/>
+          </a:effectRef>
+          <a:fontRef idx="minor">
+            <a:schemeClr val="tx1"/>
+          </a:fontRef>
+        </p:style>
+      </p:cxnSp>
+      <p:cxnSp>
+        <p:nvCxnSpPr>
+          <p:cNvPr id="232" name="Conector reto 231">
+            <a:extLst>
+              <a:ext uri="{FF2B5EF4-FFF2-40B4-BE49-F238E27FC236}">
+                <a16:creationId xmlns:a16="http://schemas.microsoft.com/office/drawing/2014/main" id="{E6AD5F4A-114F-4FEA-8C89-ADE323AE8E12}"/>
+              </a:ext>
+            </a:extLst>
+          </p:cNvPr>
+          <p:cNvCxnSpPr>
+            <a:cxnSpLocks/>
+            <a:stCxn id="180" idx="1"/>
+            <a:endCxn id="185" idx="3"/>
+          </p:cNvCxnSpPr>
+          <p:nvPr/>
+        </p:nvCxnSpPr>
+        <p:spPr>
+          <a:xfrm flipH="1">
+            <a:off x="4033953" y="1559126"/>
+            <a:ext cx="185097" cy="0"/>
+          </a:xfrm>
+          <a:prstGeom prst="line">
+            <a:avLst/>
+          </a:prstGeom>
+          <a:ln>
+            <a:headEnd type="none" w="med" len="med"/>
+            <a:tailEnd type="none" w="med" len="med"/>
+          </a:ln>
+        </p:spPr>
+        <p:style>
+          <a:lnRef idx="1">
+            <a:schemeClr val="accent2"/>
+          </a:lnRef>
+          <a:fillRef idx="0">
+            <a:schemeClr val="accent2"/>
+          </a:fillRef>
+          <a:effectRef idx="0">
+            <a:schemeClr val="accent2"/>
+          </a:effectRef>
+          <a:fontRef idx="minor">
+            <a:schemeClr val="tx1"/>
+          </a:fontRef>
+        </p:style>
+      </p:cxnSp>
+      <p:sp>
+        <p:nvSpPr>
+          <p:cNvPr id="244" name="Arco 243">
+            <a:extLst>
+              <a:ext uri="{FF2B5EF4-FFF2-40B4-BE49-F238E27FC236}">
+                <a16:creationId xmlns:a16="http://schemas.microsoft.com/office/drawing/2014/main" id="{EE1F493E-6972-4C51-A51F-9F518077BF37}"/>
+              </a:ext>
+            </a:extLst>
+          </p:cNvPr>
+          <p:cNvSpPr/>
+          <p:nvPr/>
+        </p:nvSpPr>
+        <p:spPr>
+          <a:xfrm rot="2332364">
+            <a:off x="1643472" y="1635839"/>
+            <a:ext cx="486929" cy="505732"/>
+          </a:xfrm>
+          <a:prstGeom prst="arc">
+            <a:avLst/>
+          </a:prstGeom>
+          <a:ln>
+            <a:headEnd type="triangle" w="med" len="med"/>
+            <a:tailEnd type="none" w="med" len="med"/>
+          </a:ln>
+        </p:spPr>
+        <p:style>
+          <a:lnRef idx="3">
+            <a:schemeClr val="dk1"/>
+          </a:lnRef>
+          <a:fillRef idx="0">
+            <a:schemeClr val="dk1"/>
+          </a:fillRef>
+          <a:effectRef idx="2">
+            <a:schemeClr val="dk1"/>
+          </a:effectRef>
+          <a:fontRef idx="minor">
+            <a:schemeClr val="tx1"/>
+          </a:fontRef>
+        </p:style>
+        <p:txBody>
+          <a:bodyPr rtlCol="0" anchor="ctr"/>
+          <a:lstStyle/>
+          <a:p>
+            <a:pPr algn="ctr"/>
+            <a:endParaRPr lang="pt-BR"/>
+          </a:p>
+        </p:txBody>
+      </p:sp>
+      <mc:AlternateContent xmlns:mc="http://schemas.openxmlformats.org/markup-compatibility/2006">
+        <mc:Choice xmlns:a14="http://schemas.microsoft.com/office/drawing/2010/main" Requires="a14">
+          <p:sp>
+            <p:nvSpPr>
+              <p:cNvPr id="245" name="CaixaDeTexto 244">
+                <a:extLst>
+                  <a:ext uri="{FF2B5EF4-FFF2-40B4-BE49-F238E27FC236}">
+                    <a16:creationId xmlns:a16="http://schemas.microsoft.com/office/drawing/2014/main" id="{1A63FDAA-E950-4071-BBB6-BF9F1375934B}"/>
+                  </a:ext>
+                </a:extLst>
+              </p:cNvPr>
+              <p:cNvSpPr txBox="1"/>
+              <p:nvPr/>
+            </p:nvSpPr>
+            <p:spPr>
+              <a:xfrm>
+                <a:off x="2117366" y="2153334"/>
+                <a:ext cx="577419" cy="264881"/>
+              </a:xfrm>
+              <a:prstGeom prst="rect">
+                <a:avLst/>
+              </a:prstGeom>
+              <a:noFill/>
+            </p:spPr>
+            <p:txBody>
+              <a:bodyPr wrap="square" rtlCol="0">
+                <a:spAutoFit/>
+              </a:bodyPr>
+              <a:lstStyle/>
+              <a:p>
+                <a:pPr algn="ctr"/>
+                <a14:m>
+                  <m:oMathPara xmlns:m="http://schemas.openxmlformats.org/officeDocument/2006/math">
+                    <m:oMathParaPr>
+                      <m:jc m:val="centerGroup"/>
+                    </m:oMathParaPr>
+                    <m:oMath xmlns:m="http://schemas.openxmlformats.org/officeDocument/2006/math">
+                      <m:sSub>
+                        <m:sSubPr>
+                          <m:ctrlPr>
+                            <a:rPr lang="pt-BR" sz="1000" i="1" smtClean="0">
+                              <a:latin typeface="Cambria Math" panose="02040503050406030204" pitchFamily="18" charset="0"/>
+                              <a:ea typeface="Cambria Math" panose="02040503050406030204" pitchFamily="18" charset="0"/>
+                            </a:rPr>
+                          </m:ctrlPr>
+                        </m:sSubPr>
+                        <m:e>
+                          <m:acc>
+                            <m:accPr>
+                              <m:chr m:val="⃗"/>
+                              <m:ctrlPr>
+                                <a:rPr lang="pt-BR" sz="1000" i="1" smtClean="0">
+                                  <a:latin typeface="Cambria Math" panose="02040503050406030204" pitchFamily="18" charset="0"/>
+                                  <a:ea typeface="Cambria Math" panose="02040503050406030204" pitchFamily="18" charset="0"/>
+                                </a:rPr>
+                              </m:ctrlPr>
+                            </m:accPr>
+                            <m:e>
+                              <m:r>
+                                <a:rPr lang="pt-BR" sz="1000" b="0" i="1" smtClean="0">
+                                  <a:latin typeface="Cambria Math" panose="02040503050406030204" pitchFamily="18" charset="0"/>
+                                  <a:ea typeface="Cambria Math" panose="02040503050406030204" pitchFamily="18" charset="0"/>
+                                </a:rPr>
+                                <m:t>𝐹</m:t>
+                              </m:r>
+                            </m:e>
+                          </m:acc>
+                        </m:e>
+                        <m:sub>
+                          <m:r>
+                            <a:rPr lang="pt-BR" sz="1000" b="0" i="1" smtClean="0">
+                              <a:latin typeface="Cambria Math" panose="02040503050406030204" pitchFamily="18" charset="0"/>
+                              <a:ea typeface="Cambria Math" panose="02040503050406030204" pitchFamily="18" charset="0"/>
+                            </a:rPr>
+                            <m:t>𝑚</m:t>
+                          </m:r>
+                        </m:sub>
+                      </m:sSub>
+                    </m:oMath>
+                  </m:oMathPara>
+                </a14:m>
+                <a:endParaRPr lang="pt-BR" sz="1000" i="1" dirty="0">
+                  <a:latin typeface="Cambria Math" panose="02040503050406030204" pitchFamily="18" charset="0"/>
+                  <a:ea typeface="Cambria Math" panose="02040503050406030204" pitchFamily="18" charset="0"/>
+                </a:endParaRPr>
+              </a:p>
+            </p:txBody>
+          </p:sp>
+        </mc:Choice>
+        <mc:Fallback>
+          <p:sp>
+            <p:nvSpPr>
+              <p:cNvPr id="245" name="CaixaDeTexto 244">
+                <a:extLst>
+                  <a:ext uri="{FF2B5EF4-FFF2-40B4-BE49-F238E27FC236}">
+                    <a16:creationId xmlns:a16="http://schemas.microsoft.com/office/drawing/2014/main" id="{1A63FDAA-E950-4071-BBB6-BF9F1375934B}"/>
+                  </a:ext>
+                </a:extLst>
+              </p:cNvPr>
+              <p:cNvSpPr txBox="1">
+                <a:spLocks noRot="1" noChangeAspect="1" noMove="1" noResize="1" noEditPoints="1" noAdjustHandles="1" noChangeArrowheads="1" noChangeShapeType="1" noTextEdit="1"/>
+              </p:cNvSpPr>
+              <p:nvPr/>
+            </p:nvSpPr>
+            <p:spPr>
+              <a:xfrm>
+                <a:off x="2117366" y="2153334"/>
+                <a:ext cx="577419" cy="264881"/>
+              </a:xfrm>
+              <a:prstGeom prst="rect">
+                <a:avLst/>
+              </a:prstGeom>
+              <a:blipFill>
+                <a:blip r:embed="rId18"/>
+                <a:stretch>
+                  <a:fillRect t="-6818"/>
+                </a:stretch>
+              </a:blipFill>
+            </p:spPr>
+            <p:txBody>
+              <a:bodyPr/>
+              <a:lstStyle/>
+              <a:p>
+                <a:r>
+                  <a:rPr lang="pt-BR">
+                    <a:noFill/>
+                  </a:rPr>
+                  <a:t> </a:t>
+                </a:r>
+              </a:p>
+            </p:txBody>
+          </p:sp>
+        </mc:Fallback>
+      </mc:AlternateContent>
+      <mc:AlternateContent xmlns:mc="http://schemas.openxmlformats.org/markup-compatibility/2006">
+        <mc:Choice xmlns:a14="http://schemas.microsoft.com/office/drawing/2010/main" Requires="a14">
+          <p:sp>
+            <p:nvSpPr>
+              <p:cNvPr id="246" name="CaixaDeTexto 245">
+                <a:extLst>
+                  <a:ext uri="{FF2B5EF4-FFF2-40B4-BE49-F238E27FC236}">
+                    <a16:creationId xmlns:a16="http://schemas.microsoft.com/office/drawing/2014/main" id="{84176B34-BCFA-490B-B91D-8826281A51EB}"/>
+                  </a:ext>
+                </a:extLst>
+              </p:cNvPr>
+              <p:cNvSpPr txBox="1"/>
+              <p:nvPr/>
+            </p:nvSpPr>
+            <p:spPr>
+              <a:xfrm>
+                <a:off x="3112695" y="1320380"/>
+                <a:ext cx="577419" cy="246221"/>
+              </a:xfrm>
+              <a:prstGeom prst="rect">
+                <a:avLst/>
+              </a:prstGeom>
+              <a:noFill/>
+            </p:spPr>
+            <p:txBody>
+              <a:bodyPr wrap="square" rtlCol="0">
+                <a:spAutoFit/>
+              </a:bodyPr>
+              <a:lstStyle/>
+              <a:p>
+                <a:pPr algn="ctr"/>
+                <a14:m>
+                  <m:oMathPara xmlns:m="http://schemas.openxmlformats.org/officeDocument/2006/math">
+                    <m:oMathParaPr>
+                      <m:jc m:val="centerGroup"/>
+                    </m:oMathParaPr>
+                    <m:oMath xmlns:m="http://schemas.openxmlformats.org/officeDocument/2006/math">
+                      <m:sSub>
+                        <m:sSubPr>
+                          <m:ctrlPr>
+                            <a:rPr lang="pt-BR" sz="1000" i="1" smtClean="0">
+                              <a:latin typeface="Cambria Math" panose="02040503050406030204" pitchFamily="18" charset="0"/>
+                              <a:ea typeface="Cambria Math" panose="02040503050406030204" pitchFamily="18" charset="0"/>
+                            </a:rPr>
+                          </m:ctrlPr>
+                        </m:sSubPr>
+                        <m:e>
+                          <m:r>
+                            <a:rPr lang="pt-BR" sz="1000" i="1" smtClean="0">
+                              <a:latin typeface="Cambria Math" panose="02040503050406030204" pitchFamily="18" charset="0"/>
+                              <a:ea typeface="Cambria Math" panose="02040503050406030204" pitchFamily="18" charset="0"/>
+                            </a:rPr>
+                            <m:t>𝐼</m:t>
+                          </m:r>
+                        </m:e>
+                        <m:sub>
+                          <m:r>
+                            <a:rPr lang="pt-BR" sz="1000" b="0" i="1" smtClean="0">
+                              <a:latin typeface="Cambria Math" panose="02040503050406030204" pitchFamily="18" charset="0"/>
+                              <a:ea typeface="Cambria Math" panose="02040503050406030204" pitchFamily="18" charset="0"/>
+                            </a:rPr>
+                            <m:t>𝑎</m:t>
+                          </m:r>
+                        </m:sub>
+                      </m:sSub>
+                    </m:oMath>
+                  </m:oMathPara>
+                </a14:m>
+                <a:endParaRPr lang="pt-BR" sz="1000" i="1" dirty="0">
+                  <a:latin typeface="Cambria Math" panose="02040503050406030204" pitchFamily="18" charset="0"/>
+                  <a:ea typeface="Cambria Math" panose="02040503050406030204" pitchFamily="18" charset="0"/>
+                </a:endParaRPr>
+              </a:p>
+            </p:txBody>
+          </p:sp>
+        </mc:Choice>
+        <mc:Fallback>
+          <p:sp>
+            <p:nvSpPr>
+              <p:cNvPr id="246" name="CaixaDeTexto 245">
+                <a:extLst>
+                  <a:ext uri="{FF2B5EF4-FFF2-40B4-BE49-F238E27FC236}">
+                    <a16:creationId xmlns:a16="http://schemas.microsoft.com/office/drawing/2014/main" id="{84176B34-BCFA-490B-B91D-8826281A51EB}"/>
+                  </a:ext>
+                </a:extLst>
+              </p:cNvPr>
+              <p:cNvSpPr txBox="1">
+                <a:spLocks noRot="1" noChangeAspect="1" noMove="1" noResize="1" noEditPoints="1" noAdjustHandles="1" noChangeArrowheads="1" noChangeShapeType="1" noTextEdit="1"/>
+              </p:cNvSpPr>
+              <p:nvPr/>
+            </p:nvSpPr>
+            <p:spPr>
+              <a:xfrm>
+                <a:off x="3112695" y="1320380"/>
+                <a:ext cx="577419" cy="246221"/>
+              </a:xfrm>
+              <a:prstGeom prst="rect">
+                <a:avLst/>
+              </a:prstGeom>
+              <a:blipFill>
+                <a:blip r:embed="rId19"/>
+                <a:stretch>
+                  <a:fillRect/>
+                </a:stretch>
+              </a:blipFill>
+            </p:spPr>
+            <p:txBody>
+              <a:bodyPr/>
+              <a:lstStyle/>
+              <a:p>
+                <a:r>
+                  <a:rPr lang="pt-BR">
+                    <a:noFill/>
+                  </a:rPr>
+                  <a:t> </a:t>
+                </a:r>
+              </a:p>
+            </p:txBody>
+          </p:sp>
+        </mc:Fallback>
+      </mc:AlternateContent>
+      <mc:AlternateContent xmlns:mc="http://schemas.openxmlformats.org/markup-compatibility/2006">
+        <mc:Choice xmlns:a14="http://schemas.microsoft.com/office/drawing/2010/main" Requires="a14">
+          <p:sp>
+            <p:nvSpPr>
+              <p:cNvPr id="247" name="CaixaDeTexto 246">
+                <a:extLst>
+                  <a:ext uri="{FF2B5EF4-FFF2-40B4-BE49-F238E27FC236}">
+                    <a16:creationId xmlns:a16="http://schemas.microsoft.com/office/drawing/2014/main" id="{D7173BD4-4F0B-42FD-A780-E1E080E1AB1E}"/>
+                  </a:ext>
+                </a:extLst>
+              </p:cNvPr>
+              <p:cNvSpPr txBox="1"/>
+              <p:nvPr/>
+            </p:nvSpPr>
+            <p:spPr>
+              <a:xfrm>
+                <a:off x="3094368" y="1509030"/>
+                <a:ext cx="577419" cy="246221"/>
+              </a:xfrm>
+              <a:prstGeom prst="rect">
+                <a:avLst/>
+              </a:prstGeom>
+              <a:noFill/>
+            </p:spPr>
+            <p:txBody>
+              <a:bodyPr wrap="square" rtlCol="0">
+                <a:spAutoFit/>
+              </a:bodyPr>
+              <a:lstStyle/>
+              <a:p>
+                <a:pPr algn="ctr"/>
+                <a14:m>
+                  <m:oMathPara xmlns:m="http://schemas.openxmlformats.org/officeDocument/2006/math">
+                    <m:oMathParaPr>
+                      <m:jc m:val="centerGroup"/>
+                    </m:oMathParaPr>
+                    <m:oMath xmlns:m="http://schemas.openxmlformats.org/officeDocument/2006/math">
+                      <m:sSub>
+                        <m:sSubPr>
+                          <m:ctrlPr>
+                            <a:rPr lang="pt-BR" sz="1000" i="1" smtClean="0">
+                              <a:latin typeface="Cambria Math" panose="02040503050406030204" pitchFamily="18" charset="0"/>
+                              <a:ea typeface="Cambria Math" panose="02040503050406030204" pitchFamily="18" charset="0"/>
+                            </a:rPr>
+                          </m:ctrlPr>
+                        </m:sSubPr>
+                        <m:e>
+                          <m:r>
+                            <a:rPr lang="pt-BR" sz="1000" b="0" i="1" smtClean="0">
+                              <a:latin typeface="Cambria Math" panose="02040503050406030204" pitchFamily="18" charset="0"/>
+                              <a:ea typeface="Cambria Math" panose="02040503050406030204" pitchFamily="18" charset="0"/>
+                            </a:rPr>
+                            <m:t>𝑉</m:t>
+                          </m:r>
+                        </m:e>
+                        <m:sub>
+                          <m:r>
+                            <a:rPr lang="pt-BR" sz="1000" b="0" i="1" smtClean="0">
+                              <a:latin typeface="Cambria Math" panose="02040503050406030204" pitchFamily="18" charset="0"/>
+                              <a:ea typeface="Cambria Math" panose="02040503050406030204" pitchFamily="18" charset="0"/>
+                            </a:rPr>
+                            <m:t>𝑎</m:t>
+                          </m:r>
+                        </m:sub>
+                      </m:sSub>
+                    </m:oMath>
+                  </m:oMathPara>
+                </a14:m>
+                <a:endParaRPr lang="pt-BR" sz="1000" i="1" dirty="0">
+                  <a:latin typeface="Cambria Math" panose="02040503050406030204" pitchFamily="18" charset="0"/>
+                  <a:ea typeface="Cambria Math" panose="02040503050406030204" pitchFamily="18" charset="0"/>
+                </a:endParaRPr>
+              </a:p>
+            </p:txBody>
+          </p:sp>
+        </mc:Choice>
+        <mc:Fallback>
+          <p:sp>
+            <p:nvSpPr>
+              <p:cNvPr id="247" name="CaixaDeTexto 246">
+                <a:extLst>
+                  <a:ext uri="{FF2B5EF4-FFF2-40B4-BE49-F238E27FC236}">
+                    <a16:creationId xmlns:a16="http://schemas.microsoft.com/office/drawing/2014/main" id="{D7173BD4-4F0B-42FD-A780-E1E080E1AB1E}"/>
+                  </a:ext>
+                </a:extLst>
+              </p:cNvPr>
+              <p:cNvSpPr txBox="1">
+                <a:spLocks noRot="1" noChangeAspect="1" noMove="1" noResize="1" noEditPoints="1" noAdjustHandles="1" noChangeArrowheads="1" noChangeShapeType="1" noTextEdit="1"/>
+              </p:cNvSpPr>
+              <p:nvPr/>
+            </p:nvSpPr>
+            <p:spPr>
+              <a:xfrm>
+                <a:off x="3094368" y="1509030"/>
+                <a:ext cx="577419" cy="246221"/>
+              </a:xfrm>
+              <a:prstGeom prst="rect">
+                <a:avLst/>
+              </a:prstGeom>
+              <a:blipFill>
+                <a:blip r:embed="rId20"/>
+                <a:stretch>
+                  <a:fillRect/>
+                </a:stretch>
+              </a:blipFill>
+            </p:spPr>
+            <p:txBody>
+              <a:bodyPr/>
+              <a:lstStyle/>
+              <a:p>
+                <a:r>
+                  <a:rPr lang="pt-BR">
+                    <a:noFill/>
+                  </a:rPr>
+                  <a:t> </a:t>
+                </a:r>
+              </a:p>
+            </p:txBody>
+          </p:sp>
+        </mc:Fallback>
+      </mc:AlternateContent>
+      <p:sp>
+        <p:nvSpPr>
+          <p:cNvPr id="248" name="Retângulo 247">
+            <a:extLst>
+              <a:ext uri="{FF2B5EF4-FFF2-40B4-BE49-F238E27FC236}">
+                <a16:creationId xmlns:a16="http://schemas.microsoft.com/office/drawing/2014/main" id="{14CE85FA-73BC-48ED-9B70-03928B7D852E}"/>
+              </a:ext>
+            </a:extLst>
+          </p:cNvPr>
+          <p:cNvSpPr/>
+          <p:nvPr/>
+        </p:nvSpPr>
+        <p:spPr>
+          <a:xfrm>
+            <a:off x="3018347" y="4699986"/>
+            <a:ext cx="540000" cy="360000"/>
+          </a:xfrm>
+          <a:prstGeom prst="rect">
+            <a:avLst/>
+          </a:prstGeom>
+          <a:noFill/>
+          <a:ln w="9525" cap="flat" cmpd="sng" algn="ctr">
+            <a:solidFill>
+              <a:schemeClr val="dk1"/>
+            </a:solidFill>
+            <a:prstDash val="solid"/>
+            <a:round/>
+            <a:headEnd type="none" w="med" len="med"/>
+            <a:tailEnd type="none" w="med" len="med"/>
+          </a:ln>
+        </p:spPr>
+        <p:style>
+          <a:lnRef idx="0">
+            <a:scrgbClr r="0" g="0" b="0"/>
+          </a:lnRef>
+          <a:fillRef idx="0">
+            <a:scrgbClr r="0" g="0" b="0"/>
+          </a:fillRef>
+          <a:effectRef idx="0">
+            <a:scrgbClr r="0" g="0" b="0"/>
+          </a:effectRef>
+          <a:fontRef idx="minor">
+            <a:schemeClr val="dk1"/>
+          </a:fontRef>
+        </p:style>
+        <p:txBody>
+          <a:bodyPr rtlCol="0" anchor="ctr"/>
+          <a:lstStyle/>
+          <a:p>
+            <a:pPr algn="ctr"/>
+            <a:r>
+              <a:rPr lang="pt-BR" sz="800" dirty="0"/>
+              <a:t>Módulo</a:t>
+            </a:r>
+          </a:p>
+          <a:p>
+            <a:pPr algn="ctr"/>
+            <a:r>
+              <a:rPr lang="pt-BR" sz="800" dirty="0"/>
+              <a:t>HX711</a:t>
+            </a:r>
+          </a:p>
+        </p:txBody>
+      </p:sp>
+      <p:grpSp>
+        <p:nvGrpSpPr>
+          <p:cNvPr id="283" name="Agrupar 282">
+            <a:extLst>
+              <a:ext uri="{FF2B5EF4-FFF2-40B4-BE49-F238E27FC236}">
+                <a16:creationId xmlns:a16="http://schemas.microsoft.com/office/drawing/2014/main" id="{19A53693-D8A8-4C1B-B9A0-9A355B4789DE}"/>
+              </a:ext>
+            </a:extLst>
+          </p:cNvPr>
+          <p:cNvGrpSpPr/>
+          <p:nvPr/>
+        </p:nvGrpSpPr>
+        <p:grpSpPr>
+          <a:xfrm>
+            <a:off x="2109996" y="4652980"/>
+            <a:ext cx="390850" cy="398216"/>
+            <a:chOff x="7251564" y="3339000"/>
+            <a:chExt cx="1132927" cy="1154277"/>
+          </a:xfrm>
+        </p:grpSpPr>
+        <p:cxnSp>
+          <p:nvCxnSpPr>
+            <p:cNvPr id="271" name="Conector reto 270">
+              <a:extLst>
+                <a:ext uri="{FF2B5EF4-FFF2-40B4-BE49-F238E27FC236}">
+                  <a16:creationId xmlns:a16="http://schemas.microsoft.com/office/drawing/2014/main" id="{74D142AF-B502-442C-9533-F22A1B655270}"/>
+                </a:ext>
+              </a:extLst>
+            </p:cNvPr>
+            <p:cNvCxnSpPr/>
+            <p:nvPr/>
+          </p:nvCxnSpPr>
+          <p:spPr>
+            <a:xfrm>
+              <a:off x="7806703" y="3339000"/>
+              <a:ext cx="180000" cy="180000"/>
+            </a:xfrm>
+            <a:prstGeom prst="line">
+              <a:avLst/>
+            </a:prstGeom>
+          </p:spPr>
+          <p:style>
+            <a:lnRef idx="2">
+              <a:schemeClr val="dk1"/>
+            </a:lnRef>
+            <a:fillRef idx="0">
+              <a:schemeClr val="dk1"/>
+            </a:fillRef>
+            <a:effectRef idx="1">
+              <a:schemeClr val="dk1"/>
+            </a:effectRef>
+            <a:fontRef idx="minor">
+              <a:schemeClr val="tx1"/>
+            </a:fontRef>
+          </p:style>
+        </p:cxnSp>
+        <p:cxnSp>
+          <p:nvCxnSpPr>
+            <p:cNvPr id="272" name="Conector reto 271">
+              <a:extLst>
+                <a:ext uri="{FF2B5EF4-FFF2-40B4-BE49-F238E27FC236}">
+                  <a16:creationId xmlns:a16="http://schemas.microsoft.com/office/drawing/2014/main" id="{BA272CC2-AEC9-456C-84D1-89C8DFB58304}"/>
+                </a:ext>
+              </a:extLst>
+            </p:cNvPr>
+            <p:cNvCxnSpPr>
+              <a:cxnSpLocks/>
+            </p:cNvCxnSpPr>
+            <p:nvPr/>
+          </p:nvCxnSpPr>
+          <p:spPr>
+            <a:xfrm flipH="1">
+              <a:off x="7633832" y="3339000"/>
+              <a:ext cx="180000" cy="180000"/>
+            </a:xfrm>
+            <a:prstGeom prst="line">
+              <a:avLst/>
+            </a:prstGeom>
+          </p:spPr>
+          <p:style>
+            <a:lnRef idx="2">
+              <a:schemeClr val="dk1"/>
+            </a:lnRef>
+            <a:fillRef idx="0">
+              <a:schemeClr val="dk1"/>
+            </a:fillRef>
+            <a:effectRef idx="1">
+              <a:schemeClr val="dk1"/>
+            </a:effectRef>
+            <a:fontRef idx="minor">
+              <a:schemeClr val="tx1"/>
+            </a:fontRef>
+          </p:style>
+        </p:cxnSp>
+        <p:cxnSp>
+          <p:nvCxnSpPr>
+            <p:cNvPr id="274" name="Conector reto 273">
+              <a:extLst>
+                <a:ext uri="{FF2B5EF4-FFF2-40B4-BE49-F238E27FC236}">
+                  <a16:creationId xmlns:a16="http://schemas.microsoft.com/office/drawing/2014/main" id="{5AAC040D-A198-4A33-94EA-FC3465AAC56A}"/>
+                </a:ext>
+              </a:extLst>
+            </p:cNvPr>
+            <p:cNvCxnSpPr>
+              <a:cxnSpLocks/>
+            </p:cNvCxnSpPr>
+            <p:nvPr/>
+          </p:nvCxnSpPr>
+          <p:spPr>
+            <a:xfrm flipV="1">
+              <a:off x="7822225" y="4313277"/>
+              <a:ext cx="180000" cy="180000"/>
+            </a:xfrm>
+            <a:prstGeom prst="line">
+              <a:avLst/>
+            </a:prstGeom>
+          </p:spPr>
+          <p:style>
+            <a:lnRef idx="2">
+              <a:schemeClr val="dk1"/>
+            </a:lnRef>
+            <a:fillRef idx="0">
+              <a:schemeClr val="dk1"/>
+            </a:fillRef>
+            <a:effectRef idx="1">
+              <a:schemeClr val="dk1"/>
+            </a:effectRef>
+            <a:fontRef idx="minor">
+              <a:schemeClr val="tx1"/>
+            </a:fontRef>
+          </p:style>
+        </p:cxnSp>
+        <p:cxnSp>
+          <p:nvCxnSpPr>
+            <p:cNvPr id="275" name="Conector reto 274">
+              <a:extLst>
+                <a:ext uri="{FF2B5EF4-FFF2-40B4-BE49-F238E27FC236}">
+                  <a16:creationId xmlns:a16="http://schemas.microsoft.com/office/drawing/2014/main" id="{A7B189EA-7DE7-4485-8AE3-B5631DB993B8}"/>
+                </a:ext>
+              </a:extLst>
+            </p:cNvPr>
+            <p:cNvCxnSpPr>
+              <a:cxnSpLocks/>
+            </p:cNvCxnSpPr>
+            <p:nvPr/>
+          </p:nvCxnSpPr>
+          <p:spPr>
+            <a:xfrm flipH="1" flipV="1">
+              <a:off x="7649354" y="4313277"/>
+              <a:ext cx="180000" cy="180000"/>
+            </a:xfrm>
+            <a:prstGeom prst="line">
+              <a:avLst/>
+            </a:prstGeom>
+          </p:spPr>
+          <p:style>
+            <a:lnRef idx="2">
+              <a:schemeClr val="dk1"/>
+            </a:lnRef>
+            <a:fillRef idx="0">
+              <a:schemeClr val="dk1"/>
+            </a:fillRef>
+            <a:effectRef idx="1">
+              <a:schemeClr val="dk1"/>
+            </a:effectRef>
+            <a:fontRef idx="minor">
+              <a:schemeClr val="tx1"/>
+            </a:fontRef>
+          </p:style>
+        </p:cxnSp>
+        <p:cxnSp>
+          <p:nvCxnSpPr>
+            <p:cNvPr id="276" name="Conector reto 275">
+              <a:extLst>
+                <a:ext uri="{FF2B5EF4-FFF2-40B4-BE49-F238E27FC236}">
+                  <a16:creationId xmlns:a16="http://schemas.microsoft.com/office/drawing/2014/main" id="{6B072764-E2EE-4674-891D-976E6E186B9C}"/>
+                </a:ext>
+              </a:extLst>
+            </p:cNvPr>
+            <p:cNvCxnSpPr>
+              <a:cxnSpLocks/>
+            </p:cNvCxnSpPr>
+            <p:nvPr/>
+          </p:nvCxnSpPr>
+          <p:spPr>
+            <a:xfrm rot="10800000" flipV="1">
+              <a:off x="8204491" y="3916453"/>
+              <a:ext cx="180000" cy="180000"/>
+            </a:xfrm>
+            <a:prstGeom prst="line">
+              <a:avLst/>
+            </a:prstGeom>
+          </p:spPr>
+          <p:style>
+            <a:lnRef idx="2">
+              <a:schemeClr val="dk1"/>
+            </a:lnRef>
+            <a:fillRef idx="0">
+              <a:schemeClr val="dk1"/>
+            </a:fillRef>
+            <a:effectRef idx="1">
+              <a:schemeClr val="dk1"/>
+            </a:effectRef>
+            <a:fontRef idx="minor">
+              <a:schemeClr val="tx1"/>
+            </a:fontRef>
+          </p:style>
+        </p:cxnSp>
+        <p:cxnSp>
+          <p:nvCxnSpPr>
+            <p:cNvPr id="277" name="Conector reto 276">
+              <a:extLst>
+                <a:ext uri="{FF2B5EF4-FFF2-40B4-BE49-F238E27FC236}">
+                  <a16:creationId xmlns:a16="http://schemas.microsoft.com/office/drawing/2014/main" id="{0B3539D6-FF29-4F36-8F4B-4545F9395F8D}"/>
+                </a:ext>
+              </a:extLst>
+            </p:cNvPr>
+            <p:cNvCxnSpPr>
+              <a:cxnSpLocks/>
+            </p:cNvCxnSpPr>
+            <p:nvPr/>
+          </p:nvCxnSpPr>
+          <p:spPr>
+            <a:xfrm rot="10800000" flipH="1" flipV="1">
+              <a:off x="8204491" y="3740264"/>
+              <a:ext cx="180000" cy="180000"/>
+            </a:xfrm>
+            <a:prstGeom prst="line">
+              <a:avLst/>
+            </a:prstGeom>
+          </p:spPr>
+          <p:style>
+            <a:lnRef idx="2">
+              <a:schemeClr val="dk1"/>
+            </a:lnRef>
+            <a:fillRef idx="0">
+              <a:schemeClr val="dk1"/>
+            </a:fillRef>
+            <a:effectRef idx="1">
+              <a:schemeClr val="dk1"/>
+            </a:effectRef>
+            <a:fontRef idx="minor">
+              <a:schemeClr val="tx1"/>
+            </a:fontRef>
+          </p:style>
+        </p:cxnSp>
+        <p:cxnSp>
+          <p:nvCxnSpPr>
+            <p:cNvPr id="278" name="Conector reto 277">
+              <a:extLst>
+                <a:ext uri="{FF2B5EF4-FFF2-40B4-BE49-F238E27FC236}">
+                  <a16:creationId xmlns:a16="http://schemas.microsoft.com/office/drawing/2014/main" id="{60D774F4-BA90-4F87-A609-86A1709A79D1}"/>
+                </a:ext>
+              </a:extLst>
+            </p:cNvPr>
+            <p:cNvCxnSpPr>
+              <a:cxnSpLocks/>
+            </p:cNvCxnSpPr>
+            <p:nvPr/>
+          </p:nvCxnSpPr>
+          <p:spPr>
+            <a:xfrm rot="10800000" flipH="1" flipV="1">
+              <a:off x="7251564" y="3916453"/>
+              <a:ext cx="180000" cy="180000"/>
+            </a:xfrm>
+            <a:prstGeom prst="line">
+              <a:avLst/>
+            </a:prstGeom>
+          </p:spPr>
+          <p:style>
+            <a:lnRef idx="2">
+              <a:schemeClr val="dk1"/>
+            </a:lnRef>
+            <a:fillRef idx="0">
+              <a:schemeClr val="dk1"/>
+            </a:fillRef>
+            <a:effectRef idx="1">
+              <a:schemeClr val="dk1"/>
+            </a:effectRef>
+            <a:fontRef idx="minor">
+              <a:schemeClr val="tx1"/>
+            </a:fontRef>
+          </p:style>
+        </p:cxnSp>
+        <p:cxnSp>
+          <p:nvCxnSpPr>
+            <p:cNvPr id="279" name="Conector reto 278">
+              <a:extLst>
+                <a:ext uri="{FF2B5EF4-FFF2-40B4-BE49-F238E27FC236}">
+                  <a16:creationId xmlns:a16="http://schemas.microsoft.com/office/drawing/2014/main" id="{B2E42039-20CF-4426-B435-8323BCC160A0}"/>
+                </a:ext>
+              </a:extLst>
+            </p:cNvPr>
+            <p:cNvCxnSpPr>
+              <a:cxnSpLocks/>
+            </p:cNvCxnSpPr>
+            <p:nvPr/>
+          </p:nvCxnSpPr>
+          <p:spPr>
+            <a:xfrm rot="10800000" flipV="1">
+              <a:off x="7251564" y="3740264"/>
+              <a:ext cx="180000" cy="180000"/>
+            </a:xfrm>
+            <a:prstGeom prst="line">
+              <a:avLst/>
+            </a:prstGeom>
+          </p:spPr>
+          <p:style>
+            <a:lnRef idx="2">
+              <a:schemeClr val="dk1"/>
+            </a:lnRef>
+            <a:fillRef idx="0">
+              <a:schemeClr val="dk1"/>
+            </a:fillRef>
+            <a:effectRef idx="1">
+              <a:schemeClr val="dk1"/>
+            </a:effectRef>
+            <a:fontRef idx="minor">
+              <a:schemeClr val="tx1"/>
+            </a:fontRef>
+          </p:style>
+        </p:cxnSp>
+        <p:sp>
+          <p:nvSpPr>
+            <p:cNvPr id="281" name="Freeform 5">
+              <a:extLst>
+                <a:ext uri="{FF2B5EF4-FFF2-40B4-BE49-F238E27FC236}">
+                  <a16:creationId xmlns:a16="http://schemas.microsoft.com/office/drawing/2014/main" id="{2866E09C-E03F-44C8-A479-DE1B0605847A}"/>
+                </a:ext>
+              </a:extLst>
+            </p:cNvPr>
+            <p:cNvSpPr>
+              <a:spLocks/>
+            </p:cNvSpPr>
+            <p:nvPr/>
+          </p:nvSpPr>
+          <p:spPr bwMode="auto">
+            <a:xfrm rot="2723246">
+              <a:off x="7380770" y="4171527"/>
+              <a:ext cx="319378" cy="66676"/>
+            </a:xfrm>
+            <a:custGeom>
+              <a:avLst/>
+              <a:gdLst>
+                <a:gd name="T0" fmla="*/ 0 w 367"/>
+                <a:gd name="T1" fmla="*/ 73 h 145"/>
+                <a:gd name="T2" fmla="*/ 32 w 367"/>
+                <a:gd name="T3" fmla="*/ 0 h 145"/>
+                <a:gd name="T4" fmla="*/ 92 w 367"/>
+                <a:gd name="T5" fmla="*/ 145 h 145"/>
+                <a:gd name="T6" fmla="*/ 153 w 367"/>
+                <a:gd name="T7" fmla="*/ 0 h 145"/>
+                <a:gd name="T8" fmla="*/ 214 w 367"/>
+                <a:gd name="T9" fmla="*/ 145 h 145"/>
+                <a:gd name="T10" fmla="*/ 275 w 367"/>
+                <a:gd name="T11" fmla="*/ 0 h 145"/>
+                <a:gd name="T12" fmla="*/ 337 w 367"/>
+                <a:gd name="T13" fmla="*/ 145 h 145"/>
+                <a:gd name="T14" fmla="*/ 367 w 367"/>
+                <a:gd name="T15" fmla="*/ 73 h 145"/>
+              </a:gdLst>
+              <a:ahLst/>
+              <a:cxnLst>
+                <a:cxn ang="0">
+                  <a:pos x="T0" y="T1"/>
+                </a:cxn>
+                <a:cxn ang="0">
+                  <a:pos x="T2" y="T3"/>
+                </a:cxn>
+                <a:cxn ang="0">
+                  <a:pos x="T4" y="T5"/>
+                </a:cxn>
+                <a:cxn ang="0">
+                  <a:pos x="T6" y="T7"/>
+                </a:cxn>
+                <a:cxn ang="0">
+                  <a:pos x="T8" y="T9"/>
+                </a:cxn>
+                <a:cxn ang="0">
+                  <a:pos x="T10" y="T11"/>
+                </a:cxn>
+                <a:cxn ang="0">
+                  <a:pos x="T12" y="T13"/>
+                </a:cxn>
+                <a:cxn ang="0">
+                  <a:pos x="T14" y="T15"/>
+                </a:cxn>
+              </a:cxnLst>
+              <a:rect l="0" t="0" r="r" b="b"/>
+              <a:pathLst>
+                <a:path w="367" h="145">
+                  <a:moveTo>
+                    <a:pt x="0" y="73"/>
+                  </a:moveTo>
+                  <a:lnTo>
+                    <a:pt x="32" y="0"/>
+                  </a:lnTo>
+                  <a:lnTo>
+                    <a:pt x="92" y="145"/>
+                  </a:lnTo>
+                  <a:lnTo>
+                    <a:pt x="153" y="0"/>
+                  </a:lnTo>
+                  <a:lnTo>
+                    <a:pt x="214" y="145"/>
+                  </a:lnTo>
+                  <a:lnTo>
+                    <a:pt x="275" y="0"/>
+                  </a:lnTo>
+                  <a:lnTo>
+                    <a:pt x="337" y="145"/>
+                  </a:lnTo>
+                  <a:lnTo>
+                    <a:pt x="367" y="73"/>
+                  </a:lnTo>
+                </a:path>
+              </a:pathLst>
+            </a:custGeom>
+            <a:ln>
+              <a:headEnd/>
+              <a:tailEnd/>
+            </a:ln>
+          </p:spPr>
+          <p:style>
+            <a:lnRef idx="2">
+              <a:schemeClr val="dk1"/>
+            </a:lnRef>
+            <a:fillRef idx="0">
+              <a:schemeClr val="dk1"/>
+            </a:fillRef>
+            <a:effectRef idx="1">
+              <a:schemeClr val="dk1"/>
+            </a:effectRef>
+            <a:fontRef idx="minor">
+              <a:schemeClr val="tx1"/>
+            </a:fontRef>
+          </p:style>
+          <p:txBody>
+            <a:bodyPr vert="horz" wrap="square" lIns="91440" tIns="45720" rIns="91440" bIns="45720" numCol="1" anchor="t" anchorCtr="0" compatLnSpc="1">
+              <a:prstTxWarp prst="textNoShape">
+                <a:avLst/>
+              </a:prstTxWarp>
+            </a:bodyPr>
+            <a:lstStyle/>
+            <a:p>
+              <a:endParaRPr lang="pt-BR"/>
+            </a:p>
+          </p:txBody>
+        </p:sp>
+        <p:sp>
+          <p:nvSpPr>
+            <p:cNvPr id="282" name="Freeform 5">
+              <a:extLst>
+                <a:ext uri="{FF2B5EF4-FFF2-40B4-BE49-F238E27FC236}">
+                  <a16:creationId xmlns:a16="http://schemas.microsoft.com/office/drawing/2014/main" id="{31FA629A-86EC-4BF3-822B-891C8B6AC3D2}"/>
+                </a:ext>
+              </a:extLst>
+            </p:cNvPr>
+            <p:cNvSpPr>
+              <a:spLocks/>
+            </p:cNvSpPr>
+            <p:nvPr/>
+          </p:nvSpPr>
+          <p:spPr bwMode="auto">
+            <a:xfrm rot="2723246">
+              <a:off x="7935908" y="3590740"/>
+              <a:ext cx="319378" cy="66676"/>
+            </a:xfrm>
+            <a:custGeom>
+              <a:avLst/>
+              <a:gdLst>
+                <a:gd name="T0" fmla="*/ 0 w 367"/>
+                <a:gd name="T1" fmla="*/ 73 h 145"/>
+                <a:gd name="T2" fmla="*/ 32 w 367"/>
+                <a:gd name="T3" fmla="*/ 0 h 145"/>
+                <a:gd name="T4" fmla="*/ 92 w 367"/>
+                <a:gd name="T5" fmla="*/ 145 h 145"/>
+                <a:gd name="T6" fmla="*/ 153 w 367"/>
+                <a:gd name="T7" fmla="*/ 0 h 145"/>
+                <a:gd name="T8" fmla="*/ 214 w 367"/>
+                <a:gd name="T9" fmla="*/ 145 h 145"/>
+                <a:gd name="T10" fmla="*/ 275 w 367"/>
+                <a:gd name="T11" fmla="*/ 0 h 145"/>
+                <a:gd name="T12" fmla="*/ 337 w 367"/>
+                <a:gd name="T13" fmla="*/ 145 h 145"/>
+                <a:gd name="T14" fmla="*/ 367 w 367"/>
+                <a:gd name="T15" fmla="*/ 73 h 145"/>
+              </a:gdLst>
+              <a:ahLst/>
+              <a:cxnLst>
+                <a:cxn ang="0">
+                  <a:pos x="T0" y="T1"/>
+                </a:cxn>
+                <a:cxn ang="0">
+                  <a:pos x="T2" y="T3"/>
+                </a:cxn>
+                <a:cxn ang="0">
+                  <a:pos x="T4" y="T5"/>
+                </a:cxn>
+                <a:cxn ang="0">
+                  <a:pos x="T6" y="T7"/>
+                </a:cxn>
+                <a:cxn ang="0">
+                  <a:pos x="T8" y="T9"/>
+                </a:cxn>
+                <a:cxn ang="0">
+                  <a:pos x="T10" y="T11"/>
+                </a:cxn>
+                <a:cxn ang="0">
+                  <a:pos x="T12" y="T13"/>
+                </a:cxn>
+                <a:cxn ang="0">
+                  <a:pos x="T14" y="T15"/>
+                </a:cxn>
+              </a:cxnLst>
+              <a:rect l="0" t="0" r="r" b="b"/>
+              <a:pathLst>
+                <a:path w="367" h="145">
+                  <a:moveTo>
+                    <a:pt x="0" y="73"/>
+                  </a:moveTo>
+                  <a:lnTo>
+                    <a:pt x="32" y="0"/>
+                  </a:lnTo>
+                  <a:lnTo>
+                    <a:pt x="92" y="145"/>
+                  </a:lnTo>
+                  <a:lnTo>
+                    <a:pt x="153" y="0"/>
+                  </a:lnTo>
+                  <a:lnTo>
+                    <a:pt x="214" y="145"/>
+                  </a:lnTo>
+                  <a:lnTo>
+                    <a:pt x="275" y="0"/>
+                  </a:lnTo>
+                  <a:lnTo>
+                    <a:pt x="337" y="145"/>
+                  </a:lnTo>
+                  <a:lnTo>
+                    <a:pt x="367" y="73"/>
+                  </a:lnTo>
+                </a:path>
+              </a:pathLst>
+            </a:custGeom>
+            <a:ln>
+              <a:headEnd/>
+              <a:tailEnd/>
+            </a:ln>
+          </p:spPr>
+          <p:style>
+            <a:lnRef idx="2">
+              <a:schemeClr val="dk1"/>
+            </a:lnRef>
+            <a:fillRef idx="0">
+              <a:schemeClr val="dk1"/>
+            </a:fillRef>
+            <a:effectRef idx="1">
+              <a:schemeClr val="dk1"/>
+            </a:effectRef>
+            <a:fontRef idx="minor">
+              <a:schemeClr val="tx1"/>
+            </a:fontRef>
+          </p:style>
+          <p:txBody>
+            <a:bodyPr vert="horz" wrap="square" lIns="91440" tIns="45720" rIns="91440" bIns="45720" numCol="1" anchor="t" anchorCtr="0" compatLnSpc="1">
+              <a:prstTxWarp prst="textNoShape">
+                <a:avLst/>
+              </a:prstTxWarp>
+            </a:bodyPr>
+            <a:lstStyle/>
+            <a:p>
+              <a:endParaRPr lang="pt-BR"/>
+            </a:p>
+          </p:txBody>
+        </p:sp>
+      </p:grpSp>
+      <p:cxnSp>
+        <p:nvCxnSpPr>
+          <p:cNvPr id="315" name="Conector reto 314">
+            <a:extLst>
+              <a:ext uri="{FF2B5EF4-FFF2-40B4-BE49-F238E27FC236}">
+                <a16:creationId xmlns:a16="http://schemas.microsoft.com/office/drawing/2014/main" id="{7052F02F-1B69-4831-ABB3-25F6D124C486}"/>
+              </a:ext>
+            </a:extLst>
+          </p:cNvPr>
+          <p:cNvCxnSpPr>
+            <a:stCxn id="19" idx="2"/>
+          </p:cNvCxnSpPr>
+          <p:nvPr/>
+        </p:nvCxnSpPr>
+        <p:spPr>
+          <a:xfrm flipH="1" flipV="1">
+            <a:off x="2005802" y="4208463"/>
+            <a:ext cx="88513" cy="34928"/>
+          </a:xfrm>
+          <a:prstGeom prst="line">
+            <a:avLst/>
+          </a:prstGeom>
+        </p:spPr>
+        <p:style>
+          <a:lnRef idx="1">
+            <a:schemeClr val="dk1"/>
+          </a:lnRef>
+          <a:fillRef idx="0">
+            <a:schemeClr val="dk1"/>
+          </a:fillRef>
+          <a:effectRef idx="0">
+            <a:schemeClr val="dk1"/>
+          </a:effectRef>
+          <a:fontRef idx="minor">
+            <a:schemeClr val="tx1"/>
+          </a:fontRef>
+        </p:style>
+      </p:cxnSp>
+      <p:cxnSp>
+        <p:nvCxnSpPr>
+          <p:cNvPr id="317" name="Conector reto 316">
+            <a:extLst>
+              <a:ext uri="{FF2B5EF4-FFF2-40B4-BE49-F238E27FC236}">
+                <a16:creationId xmlns:a16="http://schemas.microsoft.com/office/drawing/2014/main" id="{CF255686-8099-4836-B2F8-E5403A97B3FF}"/>
+              </a:ext>
+            </a:extLst>
+          </p:cNvPr>
+          <p:cNvCxnSpPr>
+            <a:stCxn id="19" idx="2"/>
+          </p:cNvCxnSpPr>
+          <p:nvPr/>
+        </p:nvCxnSpPr>
+        <p:spPr>
+          <a:xfrm flipH="1">
+            <a:off x="2009132" y="4243391"/>
+            <a:ext cx="85183" cy="50070"/>
+          </a:xfrm>
+          <a:prstGeom prst="line">
+            <a:avLst/>
+          </a:prstGeom>
+        </p:spPr>
+        <p:style>
+          <a:lnRef idx="1">
+            <a:schemeClr val="dk1"/>
+          </a:lnRef>
+          <a:fillRef idx="0">
+            <a:schemeClr val="dk1"/>
+          </a:fillRef>
+          <a:effectRef idx="0">
+            <a:schemeClr val="dk1"/>
+          </a:effectRef>
+          <a:fontRef idx="minor">
+            <a:schemeClr val="tx1"/>
+          </a:fontRef>
+        </p:style>
+      </p:cxnSp>
+      <p:cxnSp>
+        <p:nvCxnSpPr>
+          <p:cNvPr id="319" name="Conector reto 318">
+            <a:extLst>
+              <a:ext uri="{FF2B5EF4-FFF2-40B4-BE49-F238E27FC236}">
+                <a16:creationId xmlns:a16="http://schemas.microsoft.com/office/drawing/2014/main" id="{9A1EBE24-A91E-481F-8816-9549EF2B2E75}"/>
+              </a:ext>
+            </a:extLst>
+          </p:cNvPr>
+          <p:cNvCxnSpPr>
+            <a:cxnSpLocks/>
+          </p:cNvCxnSpPr>
+          <p:nvPr/>
+        </p:nvCxnSpPr>
+        <p:spPr>
+          <a:xfrm flipH="1">
+            <a:off x="1939837" y="4293461"/>
+            <a:ext cx="69295" cy="0"/>
+          </a:xfrm>
+          <a:prstGeom prst="line">
+            <a:avLst/>
+          </a:prstGeom>
+        </p:spPr>
+        <p:style>
+          <a:lnRef idx="1">
+            <a:schemeClr val="dk1"/>
+          </a:lnRef>
+          <a:fillRef idx="0">
+            <a:schemeClr val="dk1"/>
+          </a:fillRef>
+          <a:effectRef idx="0">
+            <a:schemeClr val="dk1"/>
+          </a:effectRef>
+          <a:fontRef idx="minor">
+            <a:schemeClr val="tx1"/>
+          </a:fontRef>
+        </p:style>
+      </p:cxnSp>
+      <p:cxnSp>
+        <p:nvCxnSpPr>
+          <p:cNvPr id="321" name="Conector reto 320">
+            <a:extLst>
+              <a:ext uri="{FF2B5EF4-FFF2-40B4-BE49-F238E27FC236}">
+                <a16:creationId xmlns:a16="http://schemas.microsoft.com/office/drawing/2014/main" id="{2E8AEFDA-DB8E-49C6-AD38-ACF1132FEF9E}"/>
+              </a:ext>
+            </a:extLst>
+          </p:cNvPr>
+          <p:cNvCxnSpPr>
+            <a:cxnSpLocks/>
+          </p:cNvCxnSpPr>
+          <p:nvPr/>
+        </p:nvCxnSpPr>
+        <p:spPr>
+          <a:xfrm>
+            <a:off x="1939837" y="4293461"/>
+            <a:ext cx="0" cy="114986"/>
+          </a:xfrm>
+          <a:prstGeom prst="line">
+            <a:avLst/>
+          </a:prstGeom>
+        </p:spPr>
+        <p:style>
+          <a:lnRef idx="1">
+            <a:schemeClr val="dk1"/>
+          </a:lnRef>
+          <a:fillRef idx="0">
+            <a:schemeClr val="dk1"/>
+          </a:fillRef>
+          <a:effectRef idx="0">
+            <a:schemeClr val="dk1"/>
+          </a:effectRef>
+          <a:fontRef idx="minor">
+            <a:schemeClr val="tx1"/>
+          </a:fontRef>
+        </p:style>
+      </p:cxnSp>
+      <p:cxnSp>
+        <p:nvCxnSpPr>
+          <p:cNvPr id="323" name="Conector reto 322">
+            <a:extLst>
+              <a:ext uri="{FF2B5EF4-FFF2-40B4-BE49-F238E27FC236}">
+                <a16:creationId xmlns:a16="http://schemas.microsoft.com/office/drawing/2014/main" id="{A05164EF-DCFA-4F84-AD70-954412819EA2}"/>
+              </a:ext>
+            </a:extLst>
+          </p:cNvPr>
+          <p:cNvCxnSpPr>
+            <a:cxnSpLocks/>
+          </p:cNvCxnSpPr>
+          <p:nvPr/>
+        </p:nvCxnSpPr>
+        <p:spPr>
+          <a:xfrm>
+            <a:off x="1939837" y="4409961"/>
+            <a:ext cx="306000" cy="306000"/>
+          </a:xfrm>
+          <a:prstGeom prst="line">
+            <a:avLst/>
+          </a:prstGeom>
+        </p:spPr>
+        <p:style>
+          <a:lnRef idx="1">
+            <a:schemeClr val="dk1"/>
+          </a:lnRef>
+          <a:fillRef idx="0">
+            <a:schemeClr val="dk1"/>
+          </a:fillRef>
+          <a:effectRef idx="0">
+            <a:schemeClr val="dk1"/>
+          </a:effectRef>
+          <a:fontRef idx="minor">
+            <a:schemeClr val="tx1"/>
+          </a:fontRef>
+        </p:style>
+      </p:cxnSp>
+      <p:cxnSp>
+        <p:nvCxnSpPr>
+          <p:cNvPr id="326" name="Conector reto 325">
+            <a:extLst>
+              <a:ext uri="{FF2B5EF4-FFF2-40B4-BE49-F238E27FC236}">
+                <a16:creationId xmlns:a16="http://schemas.microsoft.com/office/drawing/2014/main" id="{4FA7F259-57D4-4CB2-AADA-D13CA25DC861}"/>
+              </a:ext>
+            </a:extLst>
+          </p:cNvPr>
+          <p:cNvCxnSpPr>
+            <a:cxnSpLocks/>
+          </p:cNvCxnSpPr>
+          <p:nvPr/>
+        </p:nvCxnSpPr>
+        <p:spPr>
+          <a:xfrm flipH="1">
+            <a:off x="1830094" y="4208463"/>
+            <a:ext cx="175489" cy="0"/>
+          </a:xfrm>
+          <a:prstGeom prst="line">
+            <a:avLst/>
+          </a:prstGeom>
+        </p:spPr>
+        <p:style>
+          <a:lnRef idx="1">
+            <a:schemeClr val="dk1"/>
+          </a:lnRef>
+          <a:fillRef idx="0">
+            <a:schemeClr val="dk1"/>
+          </a:fillRef>
+          <a:effectRef idx="0">
+            <a:schemeClr val="dk1"/>
+          </a:effectRef>
+          <a:fontRef idx="minor">
+            <a:schemeClr val="tx1"/>
+          </a:fontRef>
+        </p:style>
+      </p:cxnSp>
+      <p:cxnSp>
+        <p:nvCxnSpPr>
+          <p:cNvPr id="330" name="Conector reto 329">
+            <a:extLst>
+              <a:ext uri="{FF2B5EF4-FFF2-40B4-BE49-F238E27FC236}">
+                <a16:creationId xmlns:a16="http://schemas.microsoft.com/office/drawing/2014/main" id="{9053FE7A-3BCB-4E62-8D56-2ABCE12CB2E4}"/>
+              </a:ext>
+            </a:extLst>
+          </p:cNvPr>
+          <p:cNvCxnSpPr>
+            <a:cxnSpLocks/>
+          </p:cNvCxnSpPr>
+          <p:nvPr/>
+        </p:nvCxnSpPr>
+        <p:spPr>
+          <a:xfrm>
+            <a:off x="1830094" y="4208463"/>
+            <a:ext cx="1" cy="247688"/>
+          </a:xfrm>
+          <a:prstGeom prst="line">
+            <a:avLst/>
+          </a:prstGeom>
+        </p:spPr>
+        <p:style>
+          <a:lnRef idx="1">
+            <a:schemeClr val="dk1"/>
+          </a:lnRef>
+          <a:fillRef idx="0">
+            <a:schemeClr val="dk1"/>
+          </a:fillRef>
+          <a:effectRef idx="0">
+            <a:schemeClr val="dk1"/>
+          </a:effectRef>
+          <a:fontRef idx="minor">
+            <a:schemeClr val="tx1"/>
+          </a:fontRef>
+        </p:style>
+      </p:cxnSp>
+      <p:cxnSp>
+        <p:nvCxnSpPr>
+          <p:cNvPr id="333" name="Conector reto 332">
+            <a:extLst>
+              <a:ext uri="{FF2B5EF4-FFF2-40B4-BE49-F238E27FC236}">
+                <a16:creationId xmlns:a16="http://schemas.microsoft.com/office/drawing/2014/main" id="{9814513A-B15B-48D5-B7FC-81D67913B496}"/>
+              </a:ext>
+            </a:extLst>
+          </p:cNvPr>
+          <p:cNvCxnSpPr>
+            <a:cxnSpLocks/>
+          </p:cNvCxnSpPr>
+          <p:nvPr/>
+        </p:nvCxnSpPr>
+        <p:spPr>
+          <a:xfrm>
+            <a:off x="1830094" y="4456151"/>
+            <a:ext cx="342000" cy="342000"/>
+          </a:xfrm>
+          <a:prstGeom prst="line">
+            <a:avLst/>
+          </a:prstGeom>
+        </p:spPr>
+        <p:style>
+          <a:lnRef idx="1">
+            <a:schemeClr val="dk1"/>
+          </a:lnRef>
+          <a:fillRef idx="0">
+            <a:schemeClr val="dk1"/>
+          </a:fillRef>
+          <a:effectRef idx="0">
+            <a:schemeClr val="dk1"/>
+          </a:effectRef>
+          <a:fontRef idx="minor">
+            <a:schemeClr val="tx1"/>
+          </a:fontRef>
+        </p:style>
+      </p:cxnSp>
+      <p:cxnSp>
+        <p:nvCxnSpPr>
+          <p:cNvPr id="342" name="Conector reto 341">
+            <a:extLst>
+              <a:ext uri="{FF2B5EF4-FFF2-40B4-BE49-F238E27FC236}">
+                <a16:creationId xmlns:a16="http://schemas.microsoft.com/office/drawing/2014/main" id="{433AB726-C23D-4BFE-9E2B-545D9705B096}"/>
+              </a:ext>
+            </a:extLst>
+          </p:cNvPr>
+          <p:cNvCxnSpPr>
+            <a:cxnSpLocks/>
+          </p:cNvCxnSpPr>
+          <p:nvPr/>
+        </p:nvCxnSpPr>
+        <p:spPr>
+          <a:xfrm flipV="1">
+            <a:off x="2454313" y="4214136"/>
+            <a:ext cx="88513" cy="34928"/>
+          </a:xfrm>
+          <a:prstGeom prst="line">
+            <a:avLst/>
+          </a:prstGeom>
+        </p:spPr>
+        <p:style>
+          <a:lnRef idx="1">
+            <a:schemeClr val="dk1"/>
+          </a:lnRef>
+          <a:fillRef idx="0">
+            <a:schemeClr val="dk1"/>
+          </a:fillRef>
+          <a:effectRef idx="0">
+            <a:schemeClr val="dk1"/>
+          </a:effectRef>
+          <a:fontRef idx="minor">
+            <a:schemeClr val="tx1"/>
+          </a:fontRef>
+        </p:style>
+      </p:cxnSp>
+      <p:cxnSp>
+        <p:nvCxnSpPr>
+          <p:cNvPr id="343" name="Conector reto 342">
+            <a:extLst>
+              <a:ext uri="{FF2B5EF4-FFF2-40B4-BE49-F238E27FC236}">
+                <a16:creationId xmlns:a16="http://schemas.microsoft.com/office/drawing/2014/main" id="{915BEF16-8672-4E6D-8620-3E3397198797}"/>
+              </a:ext>
+            </a:extLst>
+          </p:cNvPr>
+          <p:cNvCxnSpPr>
+            <a:cxnSpLocks/>
+          </p:cNvCxnSpPr>
+          <p:nvPr/>
+        </p:nvCxnSpPr>
+        <p:spPr>
+          <a:xfrm>
+            <a:off x="2457643" y="4249064"/>
+            <a:ext cx="85183" cy="50070"/>
+          </a:xfrm>
+          <a:prstGeom prst="line">
+            <a:avLst/>
+          </a:prstGeom>
+        </p:spPr>
+        <p:style>
+          <a:lnRef idx="1">
+            <a:schemeClr val="dk1"/>
+          </a:lnRef>
+          <a:fillRef idx="0">
+            <a:schemeClr val="dk1"/>
+          </a:fillRef>
+          <a:effectRef idx="0">
+            <a:schemeClr val="dk1"/>
+          </a:effectRef>
+          <a:fontRef idx="minor">
+            <a:schemeClr val="tx1"/>
+          </a:fontRef>
+        </p:style>
+      </p:cxnSp>
+      <p:cxnSp>
+        <p:nvCxnSpPr>
+          <p:cNvPr id="344" name="Conector reto 343">
+            <a:extLst>
+              <a:ext uri="{FF2B5EF4-FFF2-40B4-BE49-F238E27FC236}">
+                <a16:creationId xmlns:a16="http://schemas.microsoft.com/office/drawing/2014/main" id="{24883C0C-DBEA-4D56-844C-CE973B55CCB7}"/>
+              </a:ext>
+            </a:extLst>
+          </p:cNvPr>
+          <p:cNvCxnSpPr>
+            <a:cxnSpLocks/>
+          </p:cNvCxnSpPr>
+          <p:nvPr/>
+        </p:nvCxnSpPr>
+        <p:spPr>
+          <a:xfrm flipH="1">
+            <a:off x="2537095" y="4294312"/>
+            <a:ext cx="69295" cy="0"/>
+          </a:xfrm>
+          <a:prstGeom prst="line">
+            <a:avLst/>
+          </a:prstGeom>
+        </p:spPr>
+        <p:style>
+          <a:lnRef idx="1">
+            <a:schemeClr val="dk1"/>
+          </a:lnRef>
+          <a:fillRef idx="0">
+            <a:schemeClr val="dk1"/>
+          </a:fillRef>
+          <a:effectRef idx="0">
+            <a:schemeClr val="dk1"/>
+          </a:effectRef>
+          <a:fontRef idx="minor">
+            <a:schemeClr val="tx1"/>
+          </a:fontRef>
+        </p:style>
+      </p:cxnSp>
+      <p:cxnSp>
+        <p:nvCxnSpPr>
+          <p:cNvPr id="345" name="Conector reto 344">
+            <a:extLst>
+              <a:ext uri="{FF2B5EF4-FFF2-40B4-BE49-F238E27FC236}">
+                <a16:creationId xmlns:a16="http://schemas.microsoft.com/office/drawing/2014/main" id="{D8FB923B-F387-4F1D-86D3-7924DEFE3BD4}"/>
+              </a:ext>
+            </a:extLst>
+          </p:cNvPr>
+          <p:cNvCxnSpPr>
+            <a:cxnSpLocks/>
+          </p:cNvCxnSpPr>
+          <p:nvPr/>
+        </p:nvCxnSpPr>
+        <p:spPr>
+          <a:xfrm>
+            <a:off x="2606390" y="4293461"/>
+            <a:ext cx="0" cy="705532"/>
+          </a:xfrm>
+          <a:prstGeom prst="line">
+            <a:avLst/>
+          </a:prstGeom>
+        </p:spPr>
+        <p:style>
+          <a:lnRef idx="1">
+            <a:schemeClr val="dk1"/>
+          </a:lnRef>
+          <a:fillRef idx="0">
+            <a:schemeClr val="dk1"/>
+          </a:fillRef>
+          <a:effectRef idx="0">
+            <a:schemeClr val="dk1"/>
+          </a:effectRef>
+          <a:fontRef idx="minor">
+            <a:schemeClr val="tx1"/>
+          </a:fontRef>
+        </p:style>
+      </p:cxnSp>
+      <p:cxnSp>
+        <p:nvCxnSpPr>
+          <p:cNvPr id="346" name="Conector reto 345">
+            <a:extLst>
+              <a:ext uri="{FF2B5EF4-FFF2-40B4-BE49-F238E27FC236}">
+                <a16:creationId xmlns:a16="http://schemas.microsoft.com/office/drawing/2014/main" id="{74CE97D5-85D6-4CF4-A04C-928602000926}"/>
+              </a:ext>
+            </a:extLst>
+          </p:cNvPr>
+          <p:cNvCxnSpPr>
+            <a:cxnSpLocks/>
+          </p:cNvCxnSpPr>
+          <p:nvPr/>
+        </p:nvCxnSpPr>
+        <p:spPr>
+          <a:xfrm rot="5400000" flipH="1">
+            <a:off x="2440198" y="4909562"/>
+            <a:ext cx="90000" cy="90000"/>
+          </a:xfrm>
+          <a:prstGeom prst="line">
+            <a:avLst/>
+          </a:prstGeom>
+        </p:spPr>
+        <p:style>
+          <a:lnRef idx="1">
+            <a:schemeClr val="dk1"/>
+          </a:lnRef>
+          <a:fillRef idx="0">
+            <a:schemeClr val="dk1"/>
+          </a:fillRef>
+          <a:effectRef idx="0">
+            <a:schemeClr val="dk1"/>
+          </a:effectRef>
+          <a:fontRef idx="minor">
+            <a:schemeClr val="tx1"/>
+          </a:fontRef>
+        </p:style>
+      </p:cxnSp>
+      <p:cxnSp>
+        <p:nvCxnSpPr>
+          <p:cNvPr id="347" name="Conector reto 346">
+            <a:extLst>
+              <a:ext uri="{FF2B5EF4-FFF2-40B4-BE49-F238E27FC236}">
+                <a16:creationId xmlns:a16="http://schemas.microsoft.com/office/drawing/2014/main" id="{79186B69-8923-4028-9C36-33A82661CF84}"/>
+              </a:ext>
+            </a:extLst>
+          </p:cNvPr>
+          <p:cNvCxnSpPr>
+            <a:cxnSpLocks/>
+          </p:cNvCxnSpPr>
+          <p:nvPr/>
+        </p:nvCxnSpPr>
+        <p:spPr>
+          <a:xfrm flipH="1">
+            <a:off x="2542826" y="4212422"/>
+            <a:ext cx="175489" cy="0"/>
+          </a:xfrm>
+          <a:prstGeom prst="line">
+            <a:avLst/>
+          </a:prstGeom>
+        </p:spPr>
+        <p:style>
+          <a:lnRef idx="1">
+            <a:schemeClr val="dk1"/>
+          </a:lnRef>
+          <a:fillRef idx="0">
+            <a:schemeClr val="dk1"/>
+          </a:fillRef>
+          <a:effectRef idx="0">
+            <a:schemeClr val="dk1"/>
+          </a:effectRef>
+          <a:fontRef idx="minor">
+            <a:schemeClr val="tx1"/>
+          </a:fontRef>
+        </p:style>
+      </p:cxnSp>
+      <p:cxnSp>
+        <p:nvCxnSpPr>
+          <p:cNvPr id="348" name="Conector reto 347">
+            <a:extLst>
+              <a:ext uri="{FF2B5EF4-FFF2-40B4-BE49-F238E27FC236}">
+                <a16:creationId xmlns:a16="http://schemas.microsoft.com/office/drawing/2014/main" id="{6D775390-86E2-4CFC-85BA-9B0B286862BA}"/>
+              </a:ext>
+            </a:extLst>
+          </p:cNvPr>
+          <p:cNvCxnSpPr>
+            <a:cxnSpLocks/>
+          </p:cNvCxnSpPr>
+          <p:nvPr/>
+        </p:nvCxnSpPr>
+        <p:spPr>
+          <a:xfrm>
+            <a:off x="2714992" y="4213159"/>
+            <a:ext cx="1" cy="901938"/>
+          </a:xfrm>
+          <a:prstGeom prst="line">
+            <a:avLst/>
+          </a:prstGeom>
+        </p:spPr>
+        <p:style>
+          <a:lnRef idx="1">
+            <a:schemeClr val="dk1"/>
+          </a:lnRef>
+          <a:fillRef idx="0">
+            <a:schemeClr val="dk1"/>
+          </a:fillRef>
+          <a:effectRef idx="0">
+            <a:schemeClr val="dk1"/>
+          </a:effectRef>
+          <a:fontRef idx="minor">
+            <a:schemeClr val="tx1"/>
+          </a:fontRef>
+        </p:style>
+      </p:cxnSp>
+      <p:cxnSp>
+        <p:nvCxnSpPr>
+          <p:cNvPr id="349" name="Conector reto 348">
+            <a:extLst>
+              <a:ext uri="{FF2B5EF4-FFF2-40B4-BE49-F238E27FC236}">
+                <a16:creationId xmlns:a16="http://schemas.microsoft.com/office/drawing/2014/main" id="{CA9B617D-1150-4A5B-BCC1-8B441BA7B804}"/>
+              </a:ext>
+            </a:extLst>
+          </p:cNvPr>
+          <p:cNvCxnSpPr>
+            <a:cxnSpLocks/>
+          </p:cNvCxnSpPr>
+          <p:nvPr/>
+        </p:nvCxnSpPr>
+        <p:spPr>
+          <a:xfrm rot="5400000" flipH="1">
+            <a:off x="2365606" y="4989097"/>
+            <a:ext cx="126000" cy="126000"/>
+          </a:xfrm>
+          <a:prstGeom prst="line">
+            <a:avLst/>
+          </a:prstGeom>
+        </p:spPr>
+        <p:style>
+          <a:lnRef idx="1">
+            <a:schemeClr val="dk1"/>
+          </a:lnRef>
+          <a:fillRef idx="0">
+            <a:schemeClr val="dk1"/>
+          </a:fillRef>
+          <a:effectRef idx="0">
+            <a:schemeClr val="dk1"/>
+          </a:effectRef>
+          <a:fontRef idx="minor">
+            <a:schemeClr val="tx1"/>
+          </a:fontRef>
+        </p:style>
+      </p:cxnSp>
+      <p:cxnSp>
+        <p:nvCxnSpPr>
+          <p:cNvPr id="350" name="Conector reto 349">
+            <a:extLst>
+              <a:ext uri="{FF2B5EF4-FFF2-40B4-BE49-F238E27FC236}">
+                <a16:creationId xmlns:a16="http://schemas.microsoft.com/office/drawing/2014/main" id="{2D316129-AF24-4926-BF91-9A2128D370F7}"/>
+              </a:ext>
+            </a:extLst>
+          </p:cNvPr>
+          <p:cNvCxnSpPr>
+            <a:cxnSpLocks/>
+          </p:cNvCxnSpPr>
+          <p:nvPr/>
+        </p:nvCxnSpPr>
+        <p:spPr>
+          <a:xfrm flipH="1">
+            <a:off x="2491608" y="5115221"/>
+            <a:ext cx="223384" cy="0"/>
+          </a:xfrm>
+          <a:prstGeom prst="line">
+            <a:avLst/>
+          </a:prstGeom>
+        </p:spPr>
+        <p:style>
+          <a:lnRef idx="1">
+            <a:schemeClr val="dk1"/>
+          </a:lnRef>
+          <a:fillRef idx="0">
+            <a:schemeClr val="dk1"/>
+          </a:fillRef>
+          <a:effectRef idx="0">
+            <a:schemeClr val="dk1"/>
+          </a:effectRef>
+          <a:fontRef idx="minor">
+            <a:schemeClr val="tx1"/>
+          </a:fontRef>
+        </p:style>
+      </p:cxnSp>
+      <p:cxnSp>
+        <p:nvCxnSpPr>
+          <p:cNvPr id="355" name="Conector reto 354">
+            <a:extLst>
+              <a:ext uri="{FF2B5EF4-FFF2-40B4-BE49-F238E27FC236}">
+                <a16:creationId xmlns:a16="http://schemas.microsoft.com/office/drawing/2014/main" id="{38D6078F-106F-4161-BA6A-80CA29D8B86A}"/>
+              </a:ext>
+            </a:extLst>
+          </p:cNvPr>
+          <p:cNvCxnSpPr>
+            <a:cxnSpLocks/>
+          </p:cNvCxnSpPr>
+          <p:nvPr/>
+        </p:nvCxnSpPr>
+        <p:spPr>
+          <a:xfrm flipH="1">
+            <a:off x="2532325" y="4996736"/>
+            <a:ext cx="70975" cy="0"/>
+          </a:xfrm>
+          <a:prstGeom prst="line">
+            <a:avLst/>
+          </a:prstGeom>
+        </p:spPr>
+        <p:style>
+          <a:lnRef idx="1">
+            <a:schemeClr val="dk1"/>
+          </a:lnRef>
+          <a:fillRef idx="0">
+            <a:schemeClr val="dk1"/>
+          </a:fillRef>
+          <a:effectRef idx="0">
+            <a:schemeClr val="dk1"/>
+          </a:effectRef>
+          <a:fontRef idx="minor">
+            <a:schemeClr val="tx1"/>
+          </a:fontRef>
+        </p:style>
+      </p:cxnSp>
+      <p:cxnSp>
+        <p:nvCxnSpPr>
+          <p:cNvPr id="357" name="Conector reto 356">
+            <a:extLst>
+              <a:ext uri="{FF2B5EF4-FFF2-40B4-BE49-F238E27FC236}">
+                <a16:creationId xmlns:a16="http://schemas.microsoft.com/office/drawing/2014/main" id="{3C8C6A67-5293-48CE-BCF1-AA8ABB262F78}"/>
+              </a:ext>
+            </a:extLst>
+          </p:cNvPr>
+          <p:cNvCxnSpPr>
+            <a:cxnSpLocks/>
+          </p:cNvCxnSpPr>
+          <p:nvPr/>
+        </p:nvCxnSpPr>
+        <p:spPr>
+          <a:xfrm flipH="1">
+            <a:off x="2500848" y="4852196"/>
+            <a:ext cx="516196" cy="1135"/>
+          </a:xfrm>
+          <a:prstGeom prst="line">
+            <a:avLst/>
+          </a:prstGeom>
+        </p:spPr>
+        <p:style>
+          <a:lnRef idx="1">
+            <a:schemeClr val="accent4"/>
+          </a:lnRef>
+          <a:fillRef idx="0">
+            <a:schemeClr val="accent4"/>
+          </a:fillRef>
+          <a:effectRef idx="0">
+            <a:schemeClr val="accent4"/>
+          </a:effectRef>
+          <a:fontRef idx="minor">
+            <a:schemeClr val="tx1"/>
+          </a:fontRef>
+        </p:style>
+      </p:cxnSp>
+      <p:cxnSp>
+        <p:nvCxnSpPr>
+          <p:cNvPr id="360" name="Conector reto 359">
+            <a:extLst>
+              <a:ext uri="{FF2B5EF4-FFF2-40B4-BE49-F238E27FC236}">
+                <a16:creationId xmlns:a16="http://schemas.microsoft.com/office/drawing/2014/main" id="{B99B5C56-8DB7-4D85-9B34-1A5670832C1F}"/>
+              </a:ext>
+            </a:extLst>
+          </p:cNvPr>
+          <p:cNvCxnSpPr>
+            <a:cxnSpLocks/>
+          </p:cNvCxnSpPr>
+          <p:nvPr/>
+        </p:nvCxnSpPr>
+        <p:spPr>
+          <a:xfrm flipH="1">
+            <a:off x="2005583" y="4852196"/>
+            <a:ext cx="110569" cy="0"/>
+          </a:xfrm>
+          <a:prstGeom prst="line">
+            <a:avLst/>
+          </a:prstGeom>
+        </p:spPr>
+        <p:style>
+          <a:lnRef idx="1">
+            <a:schemeClr val="accent1"/>
+          </a:lnRef>
+          <a:fillRef idx="0">
+            <a:schemeClr val="accent1"/>
+          </a:fillRef>
+          <a:effectRef idx="0">
+            <a:schemeClr val="accent1"/>
+          </a:effectRef>
+          <a:fontRef idx="minor">
+            <a:schemeClr val="tx1"/>
+          </a:fontRef>
+        </p:style>
+      </p:cxnSp>
+      <p:cxnSp>
+        <p:nvCxnSpPr>
+          <p:cNvPr id="362" name="Conector reto 361">
+            <a:extLst>
+              <a:ext uri="{FF2B5EF4-FFF2-40B4-BE49-F238E27FC236}">
+                <a16:creationId xmlns:a16="http://schemas.microsoft.com/office/drawing/2014/main" id="{80C7B81B-CAE0-4826-AA73-F6A576D65319}"/>
+              </a:ext>
+            </a:extLst>
+          </p:cNvPr>
+          <p:cNvCxnSpPr>
+            <a:cxnSpLocks/>
+          </p:cNvCxnSpPr>
+          <p:nvPr/>
+        </p:nvCxnSpPr>
+        <p:spPr>
+          <a:xfrm>
+            <a:off x="2302325" y="4537994"/>
+            <a:ext cx="0" cy="114986"/>
+          </a:xfrm>
+          <a:prstGeom prst="line">
+            <a:avLst/>
+          </a:prstGeom>
+          <a:ln>
+            <a:solidFill>
+              <a:srgbClr val="C00000"/>
+            </a:solidFill>
+          </a:ln>
+        </p:spPr>
+        <p:style>
+          <a:lnRef idx="1">
+            <a:schemeClr val="dk1"/>
+          </a:lnRef>
+          <a:fillRef idx="0">
+            <a:schemeClr val="dk1"/>
+          </a:fillRef>
+          <a:effectRef idx="0">
+            <a:schemeClr val="dk1"/>
+          </a:effectRef>
+          <a:fontRef idx="minor">
+            <a:schemeClr val="tx1"/>
+          </a:fontRef>
+        </p:style>
+      </p:cxnSp>
+      <p:cxnSp>
+        <p:nvCxnSpPr>
+          <p:cNvPr id="363" name="Conector reto 362">
+            <a:extLst>
+              <a:ext uri="{FF2B5EF4-FFF2-40B4-BE49-F238E27FC236}">
+                <a16:creationId xmlns:a16="http://schemas.microsoft.com/office/drawing/2014/main" id="{3F07B619-C38A-49EA-B787-AD56ED01CC53}"/>
+              </a:ext>
+            </a:extLst>
+          </p:cNvPr>
+          <p:cNvCxnSpPr>
+            <a:cxnSpLocks/>
+          </p:cNvCxnSpPr>
+          <p:nvPr/>
+        </p:nvCxnSpPr>
+        <p:spPr>
+          <a:xfrm>
+            <a:off x="2306603" y="5051196"/>
+            <a:ext cx="0" cy="114986"/>
+          </a:xfrm>
+          <a:prstGeom prst="line">
+            <a:avLst/>
+          </a:prstGeom>
+        </p:spPr>
+        <p:style>
+          <a:lnRef idx="1">
+            <a:schemeClr val="accent6"/>
+          </a:lnRef>
+          <a:fillRef idx="0">
+            <a:schemeClr val="accent6"/>
+          </a:fillRef>
+          <a:effectRef idx="0">
+            <a:schemeClr val="accent6"/>
+          </a:effectRef>
+          <a:fontRef idx="minor">
+            <a:schemeClr val="tx1"/>
+          </a:fontRef>
+        </p:style>
+      </p:cxnSp>
+      <p:cxnSp>
+        <p:nvCxnSpPr>
+          <p:cNvPr id="364" name="Conector reto 363">
+            <a:extLst>
+              <a:ext uri="{FF2B5EF4-FFF2-40B4-BE49-F238E27FC236}">
+                <a16:creationId xmlns:a16="http://schemas.microsoft.com/office/drawing/2014/main" id="{FF6DA14F-93BB-4C2B-AEEF-E53D92176372}"/>
+              </a:ext>
+            </a:extLst>
+          </p:cNvPr>
+          <p:cNvCxnSpPr>
+            <a:cxnSpLocks/>
+          </p:cNvCxnSpPr>
+          <p:nvPr/>
+        </p:nvCxnSpPr>
+        <p:spPr>
+          <a:xfrm flipH="1">
+            <a:off x="2306814" y="5166182"/>
+            <a:ext cx="501984" cy="0"/>
+          </a:xfrm>
+          <a:prstGeom prst="line">
+            <a:avLst/>
+          </a:prstGeom>
+        </p:spPr>
+        <p:style>
+          <a:lnRef idx="1">
+            <a:schemeClr val="accent6"/>
+          </a:lnRef>
+          <a:fillRef idx="0">
+            <a:schemeClr val="accent6"/>
+          </a:fillRef>
+          <a:effectRef idx="0">
+            <a:schemeClr val="accent6"/>
+          </a:effectRef>
+          <a:fontRef idx="minor">
+            <a:schemeClr val="tx1"/>
+          </a:fontRef>
+        </p:style>
+      </p:cxnSp>
+      <p:cxnSp>
+        <p:nvCxnSpPr>
+          <p:cNvPr id="366" name="Conector reto 365">
+            <a:extLst>
+              <a:ext uri="{FF2B5EF4-FFF2-40B4-BE49-F238E27FC236}">
+                <a16:creationId xmlns:a16="http://schemas.microsoft.com/office/drawing/2014/main" id="{9FA49BFE-47AE-470E-9E2F-1AFDB6B8363E}"/>
+              </a:ext>
+            </a:extLst>
+          </p:cNvPr>
+          <p:cNvCxnSpPr>
+            <a:cxnSpLocks/>
+          </p:cNvCxnSpPr>
+          <p:nvPr/>
+        </p:nvCxnSpPr>
+        <p:spPr>
+          <a:xfrm>
+            <a:off x="2005583" y="4852196"/>
+            <a:ext cx="0" cy="377823"/>
+          </a:xfrm>
+          <a:prstGeom prst="line">
+            <a:avLst/>
+          </a:prstGeom>
+        </p:spPr>
+        <p:style>
+          <a:lnRef idx="1">
+            <a:schemeClr val="accent1"/>
+          </a:lnRef>
+          <a:fillRef idx="0">
+            <a:schemeClr val="accent1"/>
+          </a:fillRef>
+          <a:effectRef idx="0">
+            <a:schemeClr val="accent1"/>
+          </a:effectRef>
+          <a:fontRef idx="minor">
+            <a:schemeClr val="tx1"/>
+          </a:fontRef>
+        </p:style>
+      </p:cxnSp>
+      <p:cxnSp>
+        <p:nvCxnSpPr>
+          <p:cNvPr id="368" name="Conector reto 367">
+            <a:extLst>
+              <a:ext uri="{FF2B5EF4-FFF2-40B4-BE49-F238E27FC236}">
+                <a16:creationId xmlns:a16="http://schemas.microsoft.com/office/drawing/2014/main" id="{302C8898-F9DD-4544-8213-08CFBDB96E75}"/>
+              </a:ext>
+            </a:extLst>
+          </p:cNvPr>
+          <p:cNvCxnSpPr>
+            <a:cxnSpLocks/>
+          </p:cNvCxnSpPr>
+          <p:nvPr/>
+        </p:nvCxnSpPr>
+        <p:spPr>
+          <a:xfrm flipH="1">
+            <a:off x="2003022" y="5230019"/>
+            <a:ext cx="879818" cy="0"/>
+          </a:xfrm>
+          <a:prstGeom prst="line">
+            <a:avLst/>
+          </a:prstGeom>
+        </p:spPr>
+        <p:style>
+          <a:lnRef idx="1">
+            <a:schemeClr val="accent1"/>
+          </a:lnRef>
+          <a:fillRef idx="0">
+            <a:schemeClr val="accent1"/>
+          </a:fillRef>
+          <a:effectRef idx="0">
+            <a:schemeClr val="accent1"/>
+          </a:effectRef>
+          <a:fontRef idx="minor">
+            <a:schemeClr val="tx1"/>
+          </a:fontRef>
+        </p:style>
+      </p:cxnSp>
+      <p:cxnSp>
+        <p:nvCxnSpPr>
+          <p:cNvPr id="370" name="Conector reto 369">
+            <a:extLst>
+              <a:ext uri="{FF2B5EF4-FFF2-40B4-BE49-F238E27FC236}">
+                <a16:creationId xmlns:a16="http://schemas.microsoft.com/office/drawing/2014/main" id="{BE03CDBF-FEAC-4476-81BB-B790A62373EC}"/>
+              </a:ext>
+            </a:extLst>
+          </p:cNvPr>
+          <p:cNvCxnSpPr>
+            <a:cxnSpLocks/>
+          </p:cNvCxnSpPr>
+          <p:nvPr/>
+        </p:nvCxnSpPr>
+        <p:spPr>
+          <a:xfrm flipH="1">
+            <a:off x="2302326" y="4537994"/>
+            <a:ext cx="506472" cy="0"/>
+          </a:xfrm>
+          <a:prstGeom prst="line">
+            <a:avLst/>
+          </a:prstGeom>
+          <a:ln>
+            <a:solidFill>
+              <a:srgbClr val="C00000"/>
+            </a:solidFill>
+          </a:ln>
+        </p:spPr>
+        <p:style>
+          <a:lnRef idx="1">
+            <a:schemeClr val="dk1"/>
+          </a:lnRef>
+          <a:fillRef idx="0">
+            <a:schemeClr val="dk1"/>
+          </a:fillRef>
+          <a:effectRef idx="0">
+            <a:schemeClr val="dk1"/>
+          </a:effectRef>
+          <a:fontRef idx="minor">
+            <a:schemeClr val="tx1"/>
+          </a:fontRef>
+        </p:style>
+      </p:cxnSp>
+      <p:cxnSp>
+        <p:nvCxnSpPr>
+          <p:cNvPr id="375" name="Conector reto 374">
+            <a:extLst>
+              <a:ext uri="{FF2B5EF4-FFF2-40B4-BE49-F238E27FC236}">
+                <a16:creationId xmlns:a16="http://schemas.microsoft.com/office/drawing/2014/main" id="{228A0208-6831-43DB-A6B0-0464C9723163}"/>
+              </a:ext>
+            </a:extLst>
+          </p:cNvPr>
+          <p:cNvCxnSpPr>
+            <a:cxnSpLocks/>
+          </p:cNvCxnSpPr>
+          <p:nvPr/>
+        </p:nvCxnSpPr>
+        <p:spPr>
+          <a:xfrm>
+            <a:off x="2808798" y="4537994"/>
+            <a:ext cx="0" cy="253419"/>
+          </a:xfrm>
+          <a:prstGeom prst="line">
+            <a:avLst/>
+          </a:prstGeom>
+          <a:ln>
+            <a:solidFill>
+              <a:srgbClr val="C00000"/>
+            </a:solidFill>
+          </a:ln>
+        </p:spPr>
+        <p:style>
+          <a:lnRef idx="1">
+            <a:schemeClr val="dk1"/>
+          </a:lnRef>
+          <a:fillRef idx="0">
+            <a:schemeClr val="dk1"/>
+          </a:fillRef>
+          <a:effectRef idx="0">
+            <a:schemeClr val="dk1"/>
+          </a:effectRef>
+          <a:fontRef idx="minor">
+            <a:schemeClr val="tx1"/>
+          </a:fontRef>
+        </p:style>
+      </p:cxnSp>
+      <p:cxnSp>
+        <p:nvCxnSpPr>
+          <p:cNvPr id="377" name="Conector reto 376">
+            <a:extLst>
+              <a:ext uri="{FF2B5EF4-FFF2-40B4-BE49-F238E27FC236}">
+                <a16:creationId xmlns:a16="http://schemas.microsoft.com/office/drawing/2014/main" id="{466B493C-8409-48B0-9E5F-4AB419DD2BEC}"/>
+              </a:ext>
+            </a:extLst>
+          </p:cNvPr>
+          <p:cNvCxnSpPr>
+            <a:cxnSpLocks/>
+          </p:cNvCxnSpPr>
+          <p:nvPr/>
+        </p:nvCxnSpPr>
+        <p:spPr>
+          <a:xfrm>
+            <a:off x="2808798" y="4914295"/>
+            <a:ext cx="0" cy="253419"/>
+          </a:xfrm>
+          <a:prstGeom prst="line">
+            <a:avLst/>
+          </a:prstGeom>
+        </p:spPr>
+        <p:style>
+          <a:lnRef idx="1">
+            <a:schemeClr val="accent6"/>
+          </a:lnRef>
+          <a:fillRef idx="0">
+            <a:schemeClr val="accent6"/>
+          </a:fillRef>
+          <a:effectRef idx="0">
+            <a:schemeClr val="accent6"/>
+          </a:effectRef>
+          <a:fontRef idx="minor">
+            <a:schemeClr val="tx1"/>
+          </a:fontRef>
+        </p:style>
+      </p:cxnSp>
+      <p:cxnSp>
+        <p:nvCxnSpPr>
+          <p:cNvPr id="378" name="Conector reto 377">
+            <a:extLst>
+              <a:ext uri="{FF2B5EF4-FFF2-40B4-BE49-F238E27FC236}">
+                <a16:creationId xmlns:a16="http://schemas.microsoft.com/office/drawing/2014/main" id="{4E0BC213-516D-478A-BC8C-611CC2148024}"/>
+              </a:ext>
+            </a:extLst>
+          </p:cNvPr>
+          <p:cNvCxnSpPr>
+            <a:cxnSpLocks/>
+          </p:cNvCxnSpPr>
+          <p:nvPr/>
+        </p:nvCxnSpPr>
+        <p:spPr>
+          <a:xfrm>
+            <a:off x="2884144" y="4976600"/>
+            <a:ext cx="0" cy="253419"/>
+          </a:xfrm>
+          <a:prstGeom prst="line">
+            <a:avLst/>
+          </a:prstGeom>
+        </p:spPr>
+        <p:style>
+          <a:lnRef idx="1">
+            <a:schemeClr val="accent1"/>
+          </a:lnRef>
+          <a:fillRef idx="0">
+            <a:schemeClr val="accent1"/>
+          </a:fillRef>
+          <a:effectRef idx="0">
+            <a:schemeClr val="accent1"/>
+          </a:effectRef>
+          <a:fontRef idx="minor">
+            <a:schemeClr val="tx1"/>
+          </a:fontRef>
+        </p:style>
+      </p:cxnSp>
+      <p:cxnSp>
+        <p:nvCxnSpPr>
+          <p:cNvPr id="381" name="Conector reto 380">
+            <a:extLst>
+              <a:ext uri="{FF2B5EF4-FFF2-40B4-BE49-F238E27FC236}">
+                <a16:creationId xmlns:a16="http://schemas.microsoft.com/office/drawing/2014/main" id="{15287EF6-B52E-45BE-9458-C21852CDDE98}"/>
+              </a:ext>
+            </a:extLst>
+          </p:cNvPr>
+          <p:cNvCxnSpPr>
+            <a:cxnSpLocks/>
+          </p:cNvCxnSpPr>
+          <p:nvPr/>
+        </p:nvCxnSpPr>
+        <p:spPr>
+          <a:xfrm flipH="1">
+            <a:off x="2808799" y="4914295"/>
+            <a:ext cx="208245" cy="0"/>
+          </a:xfrm>
+          <a:prstGeom prst="line">
+            <a:avLst/>
+          </a:prstGeom>
+        </p:spPr>
+        <p:style>
+          <a:lnRef idx="1">
+            <a:schemeClr val="accent6"/>
+          </a:lnRef>
+          <a:fillRef idx="0">
+            <a:schemeClr val="accent6"/>
+          </a:fillRef>
+          <a:effectRef idx="0">
+            <a:schemeClr val="accent6"/>
+          </a:effectRef>
+          <a:fontRef idx="minor">
+            <a:schemeClr val="tx1"/>
+          </a:fontRef>
+        </p:style>
+      </p:cxnSp>
+      <p:cxnSp>
+        <p:nvCxnSpPr>
+          <p:cNvPr id="383" name="Conector reto 382">
+            <a:extLst>
+              <a:ext uri="{FF2B5EF4-FFF2-40B4-BE49-F238E27FC236}">
+                <a16:creationId xmlns:a16="http://schemas.microsoft.com/office/drawing/2014/main" id="{1696ABE8-B54C-40BD-A3CB-94211562BD6F}"/>
+              </a:ext>
+            </a:extLst>
+          </p:cNvPr>
+          <p:cNvCxnSpPr>
+            <a:cxnSpLocks/>
+          </p:cNvCxnSpPr>
+          <p:nvPr/>
+        </p:nvCxnSpPr>
+        <p:spPr>
+          <a:xfrm flipH="1">
+            <a:off x="2808799" y="4791413"/>
+            <a:ext cx="208245" cy="0"/>
+          </a:xfrm>
+          <a:prstGeom prst="line">
+            <a:avLst/>
+          </a:prstGeom>
+          <a:ln>
+            <a:solidFill>
+              <a:srgbClr val="C00000"/>
+            </a:solidFill>
+          </a:ln>
+        </p:spPr>
+        <p:style>
+          <a:lnRef idx="1">
+            <a:schemeClr val="dk1"/>
+          </a:lnRef>
+          <a:fillRef idx="0">
+            <a:schemeClr val="dk1"/>
+          </a:fillRef>
+          <a:effectRef idx="0">
+            <a:schemeClr val="dk1"/>
+          </a:effectRef>
+          <a:fontRef idx="minor">
+            <a:schemeClr val="tx1"/>
+          </a:fontRef>
+        </p:style>
+      </p:cxnSp>
+      <p:cxnSp>
+        <p:nvCxnSpPr>
+          <p:cNvPr id="385" name="Conector reto 384">
+            <a:extLst>
+              <a:ext uri="{FF2B5EF4-FFF2-40B4-BE49-F238E27FC236}">
+                <a16:creationId xmlns:a16="http://schemas.microsoft.com/office/drawing/2014/main" id="{A3AAEE16-F7C5-4ADF-8104-231D1CB7613E}"/>
+              </a:ext>
+            </a:extLst>
+          </p:cNvPr>
+          <p:cNvCxnSpPr>
+            <a:cxnSpLocks/>
+          </p:cNvCxnSpPr>
+          <p:nvPr/>
+        </p:nvCxnSpPr>
+        <p:spPr>
+          <a:xfrm flipH="1">
+            <a:off x="2882840" y="4976600"/>
+            <a:ext cx="134203" cy="0"/>
+          </a:xfrm>
+          <a:prstGeom prst="line">
+            <a:avLst/>
+          </a:prstGeom>
+        </p:spPr>
+        <p:style>
+          <a:lnRef idx="1">
+            <a:schemeClr val="accent1"/>
+          </a:lnRef>
+          <a:fillRef idx="0">
+            <a:schemeClr val="accent1"/>
+          </a:fillRef>
+          <a:effectRef idx="0">
+            <a:schemeClr val="accent1"/>
+          </a:effectRef>
+          <a:fontRef idx="minor">
+            <a:schemeClr val="tx1"/>
+          </a:fontRef>
+        </p:style>
+      </p:cxnSp>
+      <p:cxnSp>
+        <p:nvCxnSpPr>
+          <p:cNvPr id="388" name="Conector: Angulado 387">
+            <a:extLst>
+              <a:ext uri="{FF2B5EF4-FFF2-40B4-BE49-F238E27FC236}">
+                <a16:creationId xmlns:a16="http://schemas.microsoft.com/office/drawing/2014/main" id="{02704BA7-403D-43E5-BF74-4D0190482D5B}"/>
+              </a:ext>
+            </a:extLst>
+          </p:cNvPr>
+          <p:cNvCxnSpPr>
+            <a:stCxn id="248" idx="3"/>
+            <a:endCxn id="145" idx="2"/>
+          </p:cNvCxnSpPr>
+          <p:nvPr/>
+        </p:nvCxnSpPr>
+        <p:spPr>
+          <a:xfrm flipV="1">
+            <a:off x="3558347" y="4594485"/>
+            <a:ext cx="1911868" cy="285501"/>
+          </a:xfrm>
+          <a:prstGeom prst="bentConnector2">
+            <a:avLst/>
+          </a:prstGeom>
+          <a:ln>
+            <a:tailEnd type="triangle"/>
+          </a:ln>
+        </p:spPr>
+        <p:style>
+          <a:lnRef idx="3">
+            <a:schemeClr val="accent2"/>
+          </a:lnRef>
+          <a:fillRef idx="0">
+            <a:schemeClr val="accent2"/>
+          </a:fillRef>
+          <a:effectRef idx="2">
+            <a:schemeClr val="accent2"/>
+          </a:effectRef>
+          <a:fontRef idx="minor">
+            <a:schemeClr val="tx1"/>
+          </a:fontRef>
+        </p:style>
+      </p:cxnSp>
+      <p:cxnSp>
+        <p:nvCxnSpPr>
+          <p:cNvPr id="390" name="Conector: Angulado 389">
+            <a:extLst>
+              <a:ext uri="{FF2B5EF4-FFF2-40B4-BE49-F238E27FC236}">
+                <a16:creationId xmlns:a16="http://schemas.microsoft.com/office/drawing/2014/main" id="{7E7287D6-8EC8-4BF0-9005-5EC23EB282D1}"/>
+              </a:ext>
+            </a:extLst>
+          </p:cNvPr>
+          <p:cNvCxnSpPr>
+            <a:cxnSpLocks/>
+            <a:stCxn id="188" idx="0"/>
+          </p:cNvCxnSpPr>
+          <p:nvPr/>
+        </p:nvCxnSpPr>
+        <p:spPr>
+          <a:xfrm rot="16200000" flipH="1">
+            <a:off x="3293758" y="-442396"/>
+            <a:ext cx="217426" cy="4482184"/>
+          </a:xfrm>
+          <a:prstGeom prst="bentConnector4">
+            <a:avLst>
+              <a:gd name="adj1" fmla="val -339513"/>
+              <a:gd name="adj2" fmla="val 100083"/>
+            </a:avLst>
+          </a:prstGeom>
+          <a:ln>
+            <a:tailEnd type="triangle"/>
+          </a:ln>
+        </p:spPr>
+        <p:style>
+          <a:lnRef idx="3">
+            <a:schemeClr val="accent2"/>
+          </a:lnRef>
+          <a:fillRef idx="0">
+            <a:schemeClr val="accent2"/>
+          </a:fillRef>
+          <a:effectRef idx="2">
+            <a:schemeClr val="accent2"/>
+          </a:effectRef>
+          <a:fontRef idx="minor">
+            <a:schemeClr val="tx1"/>
+          </a:fontRef>
+        </p:style>
+      </p:cxnSp>
+      <p:cxnSp>
+        <p:nvCxnSpPr>
+          <p:cNvPr id="393" name="Conector: Angulado 392">
+            <a:extLst>
+              <a:ext uri="{FF2B5EF4-FFF2-40B4-BE49-F238E27FC236}">
+                <a16:creationId xmlns:a16="http://schemas.microsoft.com/office/drawing/2014/main" id="{C168E66F-C18A-4EB4-877E-1CCC53CE4CED}"/>
+              </a:ext>
+            </a:extLst>
+          </p:cNvPr>
+          <p:cNvCxnSpPr>
+            <a:cxnSpLocks/>
+            <a:stCxn id="180" idx="0"/>
+          </p:cNvCxnSpPr>
+          <p:nvPr/>
+        </p:nvCxnSpPr>
+        <p:spPr>
+          <a:xfrm rot="16200000" flipH="1">
+            <a:off x="4631289" y="1236886"/>
+            <a:ext cx="527133" cy="811612"/>
+          </a:xfrm>
+          <a:prstGeom prst="bentConnector4">
+            <a:avLst>
+              <a:gd name="adj1" fmla="val -35236"/>
+              <a:gd name="adj2" fmla="val 100082"/>
+            </a:avLst>
+          </a:prstGeom>
+          <a:ln>
+            <a:tailEnd type="triangle"/>
+          </a:ln>
+        </p:spPr>
+        <p:style>
+          <a:lnRef idx="3">
+            <a:schemeClr val="accent2"/>
+          </a:lnRef>
+          <a:fillRef idx="0">
+            <a:schemeClr val="accent2"/>
+          </a:fillRef>
+          <a:effectRef idx="2">
+            <a:schemeClr val="accent2"/>
+          </a:effectRef>
+          <a:fontRef idx="minor">
+            <a:schemeClr val="tx1"/>
+          </a:fontRef>
+        </p:style>
+      </p:cxnSp>
+      <p:cxnSp>
+        <p:nvCxnSpPr>
+          <p:cNvPr id="403" name="Conector: Angulado 402">
+            <a:extLst>
+              <a:ext uri="{FF2B5EF4-FFF2-40B4-BE49-F238E27FC236}">
+                <a16:creationId xmlns:a16="http://schemas.microsoft.com/office/drawing/2014/main" id="{14FFCB88-8988-4E85-BC04-76A182525EFA}"/>
+              </a:ext>
+            </a:extLst>
+          </p:cNvPr>
+          <p:cNvCxnSpPr>
+            <a:stCxn id="185" idx="0"/>
+            <a:endCxn id="145" idx="0"/>
+          </p:cNvCxnSpPr>
+          <p:nvPr/>
+        </p:nvCxnSpPr>
+        <p:spPr>
+          <a:xfrm rot="16200000" flipH="1">
+            <a:off x="4353517" y="789561"/>
+            <a:ext cx="527133" cy="1706262"/>
+          </a:xfrm>
+          <a:prstGeom prst="bentConnector3">
+            <a:avLst>
+              <a:gd name="adj1" fmla="val -58727"/>
+            </a:avLst>
+          </a:prstGeom>
+          <a:ln>
+            <a:tailEnd type="triangle"/>
+          </a:ln>
+        </p:spPr>
+        <p:style>
+          <a:lnRef idx="3">
+            <a:schemeClr val="accent2"/>
+          </a:lnRef>
+          <a:fillRef idx="0">
+            <a:schemeClr val="accent2"/>
+          </a:fillRef>
+          <a:effectRef idx="2">
+            <a:schemeClr val="accent2"/>
+          </a:effectRef>
+          <a:fontRef idx="minor">
+            <a:schemeClr val="tx1"/>
+          </a:fontRef>
+        </p:style>
+      </p:cxnSp>
+      <p:cxnSp>
+        <p:nvCxnSpPr>
+          <p:cNvPr id="416" name="Conector: Angulado 415">
+            <a:extLst>
+              <a:ext uri="{FF2B5EF4-FFF2-40B4-BE49-F238E27FC236}">
+                <a16:creationId xmlns:a16="http://schemas.microsoft.com/office/drawing/2014/main" id="{3D5E7636-395E-46CD-894C-E28E20047FF2}"/>
+              </a:ext>
+            </a:extLst>
+          </p:cNvPr>
+          <p:cNvCxnSpPr>
+            <a:cxnSpLocks/>
+            <a:endCxn id="180" idx="3"/>
+          </p:cNvCxnSpPr>
+          <p:nvPr/>
+        </p:nvCxnSpPr>
+        <p:spPr>
+          <a:xfrm rot="10800000">
+            <a:off x="4759050" y="1559127"/>
+            <a:ext cx="423606" cy="330941"/>
+          </a:xfrm>
+          <a:prstGeom prst="bentConnector3">
+            <a:avLst>
+              <a:gd name="adj1" fmla="val 2031"/>
+            </a:avLst>
+          </a:prstGeom>
+          <a:ln>
+            <a:tailEnd type="triangle"/>
+          </a:ln>
+        </p:spPr>
+        <p:style>
+          <a:lnRef idx="3">
+            <a:schemeClr val="accent6"/>
+          </a:lnRef>
+          <a:fillRef idx="0">
+            <a:schemeClr val="accent6"/>
+          </a:fillRef>
+          <a:effectRef idx="2">
+            <a:schemeClr val="accent6"/>
+          </a:effectRef>
+          <a:fontRef idx="minor">
+            <a:schemeClr val="tx1"/>
+          </a:fontRef>
+        </p:style>
+      </p:cxnSp>
+    </p:spTree>
+    <p:extLst>
+      <p:ext uri="{BB962C8B-B14F-4D97-AF65-F5344CB8AC3E}">
+        <p14:creationId xmlns:p14="http://schemas.microsoft.com/office/powerpoint/2010/main" val="3259055921"/>
+      </p:ext>
+    </p:extLst>
+  </p:cSld>
+  <p:clrMapOvr>
+    <a:masterClrMapping/>
+  </p:clrMapOvr>
+</p:sld>
+</file>
+
 <file path=ppt/theme/theme1.xml><?xml version="1.0" encoding="utf-8"?>
 <a:theme xmlns:a="http://schemas.openxmlformats.org/drawingml/2006/main" name="Tema do Office">
   <a:themeElements>
